--- a/Books/DDDGuide/Docs/DDDGuide.pptx
+++ b/Books/DDDGuide/Docs/DDDGuide.pptx
@@ -106,6 +106,11 @@
       </a:defRPr>
     </a:lvl9pPr>
   </p:defaultTextStyle>
+  <p:extLst>
+    <p:ext uri="{EFAFB233-063F-42B5-8137-9DF3F51BA10A}">
+      <p15:sldGuideLst xmlns:p15="http://schemas.microsoft.com/office/powerpoint/2012/main"/>
+    </p:ext>
+  </p:extLst>
 </p:presentation>
 </file>
 
@@ -3758,7 +3763,19 @@
           <a:p>
             <a:r>
               <a:rPr lang="ko-KR" altLang="en-US" sz="1100" dirty="0" smtClean="0"/>
-              <a:t>개념을 추상화한 </a:t>
+              <a:t>개념을 </a:t>
+            </a:r>
+            <a:r>
+              <a:rPr lang="ko-KR" altLang="en-US" sz="1100" b="1" dirty="0" smtClean="0">
+                <a:solidFill>
+                  <a:srgbClr val="C00000"/>
+                </a:solidFill>
+              </a:rPr>
+              <a:t>추상화</a:t>
+            </a:r>
+            <a:r>
+              <a:rPr lang="ko-KR" altLang="en-US" sz="1100" dirty="0" smtClean="0"/>
+              <a:t>한 </a:t>
             </a:r>
             <a:r>
               <a:rPr lang="ko-KR" altLang="en-US" sz="1100" b="1" dirty="0" smtClean="0"/>
@@ -4804,39 +4821,1677 @@
       </p:grpSpPr>
       <p:sp>
         <p:nvSpPr>
-          <p:cNvPr id="2" name="제목 1"/>
-          <p:cNvSpPr>
-            <a:spLocks noGrp="1"/>
-          </p:cNvSpPr>
-          <p:nvPr>
-            <p:ph type="title"/>
-          </p:nvPr>
-        </p:nvSpPr>
-        <p:spPr/>
-        <p:txBody>
-          <a:bodyPr/>
-          <a:lstStyle/>
-          <a:p>
+          <p:cNvPr id="51" name="아래쪽 화살표 50"/>
+          <p:cNvSpPr/>
+          <p:nvPr/>
+        </p:nvSpPr>
+        <p:spPr>
+          <a:xfrm rot="10800000">
+            <a:off x="547404" y="708741"/>
+            <a:ext cx="796215" cy="5696265"/>
+          </a:xfrm>
+          <a:prstGeom prst="downArrow">
+            <a:avLst>
+              <a:gd name="adj1" fmla="val 78155"/>
+              <a:gd name="adj2" fmla="val 50000"/>
+            </a:avLst>
+          </a:prstGeom>
+          <a:solidFill>
+            <a:schemeClr val="accent1">
+              <a:lumMod val="20000"/>
+              <a:lumOff val="80000"/>
+            </a:schemeClr>
+          </a:solidFill>
+          <a:ln>
+            <a:solidFill>
+              <a:schemeClr val="accent1">
+                <a:lumMod val="20000"/>
+                <a:lumOff val="80000"/>
+              </a:schemeClr>
+            </a:solidFill>
+          </a:ln>
+        </p:spPr>
+        <p:style>
+          <a:lnRef idx="2">
+            <a:schemeClr val="accent1">
+              <a:shade val="50000"/>
+            </a:schemeClr>
+          </a:lnRef>
+          <a:fillRef idx="1">
+            <a:schemeClr val="accent1"/>
+          </a:fillRef>
+          <a:effectRef idx="0">
+            <a:schemeClr val="accent1"/>
+          </a:effectRef>
+          <a:fontRef idx="minor">
+            <a:schemeClr val="lt1"/>
+          </a:fontRef>
+        </p:style>
+        <p:txBody>
+          <a:bodyPr rtlCol="0" anchor="ctr"/>
+          <a:lstStyle/>
+          <a:p>
+            <a:pPr algn="ctr"/>
             <a:endParaRPr lang="ko-KR" altLang="en-US"/>
           </a:p>
         </p:txBody>
       </p:sp>
       <p:sp>
         <p:nvSpPr>
-          <p:cNvPr id="3" name="내용 개체 틀 2"/>
-          <p:cNvSpPr>
-            <a:spLocks noGrp="1"/>
-          </p:cNvSpPr>
-          <p:nvPr>
-            <p:ph idx="1"/>
-          </p:nvPr>
-        </p:nvSpPr>
-        <p:spPr/>
-        <p:txBody>
-          <a:bodyPr/>
-          <a:lstStyle/>
-          <a:p>
-            <a:endParaRPr lang="ko-KR" altLang="en-US"/>
+          <p:cNvPr id="4" name="TextBox 3"/>
+          <p:cNvSpPr txBox="1"/>
+          <p:nvPr/>
+        </p:nvSpPr>
+        <p:spPr>
+          <a:xfrm>
+            <a:off x="483144" y="590423"/>
+            <a:ext cx="958917" cy="369332"/>
+          </a:xfrm>
+          <a:prstGeom prst="rect">
+            <a:avLst/>
+          </a:prstGeom>
+          <a:noFill/>
+        </p:spPr>
+        <p:txBody>
+          <a:bodyPr wrap="none" rtlCol="0">
+            <a:spAutoFit/>
+          </a:bodyPr>
+          <a:lstStyle/>
+          <a:p>
+            <a:r>
+              <a:rPr lang="ko-KR" altLang="en-US" b="1" dirty="0" smtClean="0"/>
+              <a:t>값 객체</a:t>
+            </a:r>
+            <a:endParaRPr lang="ko-KR" altLang="en-US" b="1" dirty="0"/>
+          </a:p>
+        </p:txBody>
+      </p:sp>
+      <p:sp>
+        <p:nvSpPr>
+          <p:cNvPr id="15" name="TextBox 14"/>
+          <p:cNvSpPr txBox="1"/>
+          <p:nvPr/>
+        </p:nvSpPr>
+        <p:spPr>
+          <a:xfrm>
+            <a:off x="1506324" y="452994"/>
+            <a:ext cx="2744662" cy="610616"/>
+          </a:xfrm>
+          <a:prstGeom prst="rect">
+            <a:avLst/>
+          </a:prstGeom>
+          <a:noFill/>
+        </p:spPr>
+        <p:txBody>
+          <a:bodyPr wrap="none" rtlCol="0">
+            <a:spAutoFit/>
+          </a:bodyPr>
+          <a:lstStyle/>
+          <a:p>
+            <a:pPr>
+              <a:lnSpc>
+                <a:spcPct val="150000"/>
+              </a:lnSpc>
+            </a:pPr>
+            <a:r>
+              <a:rPr lang="ko-KR" altLang="en-US" sz="1200" dirty="0" smtClean="0"/>
+              <a:t>도메인 지식을 표현하는 </a:t>
+            </a:r>
+            <a:endParaRPr lang="en-US" altLang="ko-KR" sz="1200" dirty="0" smtClean="0"/>
+          </a:p>
+          <a:p>
+            <a:pPr>
+              <a:lnSpc>
+                <a:spcPct val="150000"/>
+              </a:lnSpc>
+            </a:pPr>
+            <a:r>
+              <a:rPr lang="ko-KR" altLang="en-US" sz="1200" dirty="0" smtClean="0"/>
+              <a:t>시스템 고유의 </a:t>
+            </a:r>
+            <a:r>
+              <a:rPr lang="ko-KR" altLang="en-US" sz="1200" b="1" dirty="0" smtClean="0">
+                <a:solidFill>
+                  <a:srgbClr val="0070C0"/>
+                </a:solidFill>
+              </a:rPr>
+              <a:t>값</a:t>
+            </a:r>
+            <a:r>
+              <a:rPr lang="ko-KR" altLang="en-US" sz="1200" dirty="0" smtClean="0"/>
+              <a:t>을 나타내는 </a:t>
+            </a:r>
+            <a:r>
+              <a:rPr lang="ko-KR" altLang="en-US" sz="1200" b="1" dirty="0" smtClean="0">
+                <a:solidFill>
+                  <a:srgbClr val="0070C0"/>
+                </a:solidFill>
+              </a:rPr>
+              <a:t>객체</a:t>
+            </a:r>
+            <a:r>
+              <a:rPr lang="ko-KR" altLang="en-US" sz="1200" dirty="0" smtClean="0"/>
+              <a:t>다</a:t>
+            </a:r>
+            <a:r>
+              <a:rPr lang="en-US" altLang="ko-KR" sz="1200" dirty="0" smtClean="0"/>
+              <a:t>.</a:t>
+            </a:r>
+          </a:p>
+        </p:txBody>
+      </p:sp>
+      <p:grpSp>
+        <p:nvGrpSpPr>
+          <p:cNvPr id="66" name="그룹 65"/>
+          <p:cNvGrpSpPr/>
+          <p:nvPr/>
+        </p:nvGrpSpPr>
+        <p:grpSpPr>
+          <a:xfrm>
+            <a:off x="1913516" y="1974156"/>
+            <a:ext cx="9888975" cy="3433236"/>
+            <a:chOff x="1819881" y="1649847"/>
+            <a:chExt cx="9888975" cy="3433236"/>
+          </a:xfrm>
+        </p:grpSpPr>
+        <p:sp>
+          <p:nvSpPr>
+            <p:cNvPr id="33" name="타원 32"/>
+            <p:cNvSpPr/>
+            <p:nvPr/>
+          </p:nvSpPr>
+          <p:spPr>
+            <a:xfrm>
+              <a:off x="1833543" y="2393256"/>
+              <a:ext cx="607633" cy="632506"/>
+            </a:xfrm>
+            <a:prstGeom prst="ellipse">
+              <a:avLst/>
+            </a:prstGeom>
+            <a:solidFill>
+              <a:schemeClr val="accent1">
+                <a:lumMod val="20000"/>
+                <a:lumOff val="80000"/>
+              </a:schemeClr>
+            </a:solidFill>
+            <a:ln>
+              <a:solidFill>
+                <a:schemeClr val="accent1">
+                  <a:lumMod val="20000"/>
+                  <a:lumOff val="80000"/>
+                </a:schemeClr>
+              </a:solidFill>
+            </a:ln>
+          </p:spPr>
+          <p:style>
+            <a:lnRef idx="2">
+              <a:schemeClr val="accent1">
+                <a:shade val="50000"/>
+              </a:schemeClr>
+            </a:lnRef>
+            <a:fillRef idx="1">
+              <a:schemeClr val="accent1"/>
+            </a:fillRef>
+            <a:effectRef idx="0">
+              <a:schemeClr val="accent1"/>
+            </a:effectRef>
+            <a:fontRef idx="minor">
+              <a:schemeClr val="lt1"/>
+            </a:fontRef>
+          </p:style>
+          <p:txBody>
+            <a:bodyPr rtlCol="0" anchor="ctr"/>
+            <a:lstStyle/>
+            <a:p>
+              <a:pPr algn="ctr"/>
+              <a:endParaRPr lang="ko-KR" altLang="en-US"/>
+            </a:p>
+          </p:txBody>
+        </p:sp>
+        <p:sp>
+          <p:nvSpPr>
+            <p:cNvPr id="5" name="TextBox 4"/>
+            <p:cNvSpPr txBox="1"/>
+            <p:nvPr/>
+          </p:nvSpPr>
+          <p:spPr>
+            <a:xfrm>
+              <a:off x="1819881" y="1649847"/>
+              <a:ext cx="2651110" cy="276999"/>
+            </a:xfrm>
+            <a:prstGeom prst="rect">
+              <a:avLst/>
+            </a:prstGeom>
+            <a:noFill/>
+          </p:spPr>
+          <p:txBody>
+            <a:bodyPr wrap="none" rtlCol="0">
+              <a:spAutoFit/>
+            </a:bodyPr>
+            <a:lstStyle/>
+            <a:p>
+              <a:r>
+                <a:rPr lang="ko-KR" altLang="en-US" sz="1200" b="1" dirty="0" smtClean="0">
+                  <a:solidFill>
+                    <a:srgbClr val="0070C0"/>
+                  </a:solidFill>
+                </a:rPr>
+                <a:t>불변성</a:t>
+              </a:r>
+              <a:r>
+                <a:rPr lang="ko-KR" altLang="en-US" sz="1200" dirty="0" smtClean="0"/>
+                <a:t> </a:t>
+              </a:r>
+              <a:r>
+                <a:rPr lang="en-US" altLang="ko-KR" sz="1200" dirty="0" smtClean="0"/>
+                <a:t>: </a:t>
+              </a:r>
+              <a:r>
+                <a:rPr lang="ko-KR" altLang="en-US" sz="1200" dirty="0" smtClean="0"/>
+                <a:t>변경하지 않는다</a:t>
+              </a:r>
+              <a:r>
+                <a:rPr lang="en-US" altLang="ko-KR" sz="1200" dirty="0" smtClean="0"/>
+                <a:t>(</a:t>
+              </a:r>
+              <a:r>
+                <a:rPr lang="en-US" altLang="ko-KR" sz="1200" dirty="0" err="1" smtClean="0"/>
+                <a:t>readonly</a:t>
+              </a:r>
+              <a:r>
+                <a:rPr lang="en-US" altLang="ko-KR" sz="1200" dirty="0" smtClean="0"/>
+                <a:t>).</a:t>
+              </a:r>
+              <a:endParaRPr lang="ko-KR" altLang="en-US" sz="1200" dirty="0"/>
+            </a:p>
+          </p:txBody>
+        </p:sp>
+        <p:sp>
+          <p:nvSpPr>
+            <p:cNvPr id="6" name="TextBox 5"/>
+            <p:cNvSpPr txBox="1"/>
+            <p:nvPr/>
+          </p:nvSpPr>
+          <p:spPr>
+            <a:xfrm>
+              <a:off x="1819881" y="2110429"/>
+              <a:ext cx="2371162" cy="276999"/>
+            </a:xfrm>
+            <a:prstGeom prst="rect">
+              <a:avLst/>
+            </a:prstGeom>
+            <a:noFill/>
+          </p:spPr>
+          <p:txBody>
+            <a:bodyPr wrap="none" rtlCol="0">
+              <a:spAutoFit/>
+            </a:bodyPr>
+            <a:lstStyle/>
+            <a:p>
+              <a:r>
+                <a:rPr lang="ko-KR" altLang="en-US" sz="1200" b="1" dirty="0" smtClean="0">
+                  <a:solidFill>
+                    <a:srgbClr val="0070C0"/>
+                  </a:solidFill>
+                </a:rPr>
+                <a:t>교환 가능성 </a:t>
+              </a:r>
+              <a:r>
+                <a:rPr lang="en-US" altLang="ko-KR" sz="1200" dirty="0" smtClean="0"/>
+                <a:t>: </a:t>
+              </a:r>
+              <a:r>
+                <a:rPr lang="ko-KR" altLang="en-US" sz="1200" dirty="0" smtClean="0"/>
+                <a:t>주고받을 수 있다</a:t>
+              </a:r>
+              <a:r>
+                <a:rPr lang="en-US" altLang="ko-KR" sz="1200" dirty="0" smtClean="0"/>
+                <a:t>.</a:t>
+              </a:r>
+            </a:p>
+          </p:txBody>
+        </p:sp>
+        <p:sp>
+          <p:nvSpPr>
+            <p:cNvPr id="7" name="TextBox 6"/>
+            <p:cNvSpPr txBox="1"/>
+            <p:nvPr/>
+          </p:nvSpPr>
+          <p:spPr>
+            <a:xfrm>
+              <a:off x="1819881" y="2571011"/>
+              <a:ext cx="6192721" cy="276999"/>
+            </a:xfrm>
+            <a:prstGeom prst="rect">
+              <a:avLst/>
+            </a:prstGeom>
+            <a:noFill/>
+          </p:spPr>
+          <p:txBody>
+            <a:bodyPr wrap="none" rtlCol="0">
+              <a:spAutoFit/>
+            </a:bodyPr>
+            <a:lstStyle/>
+            <a:p>
+              <a:r>
+                <a:rPr lang="ko-KR" altLang="en-US" sz="1200" b="1" dirty="0" err="1" smtClean="0">
+                  <a:solidFill>
+                    <a:srgbClr val="0070C0"/>
+                  </a:solidFill>
+                </a:rPr>
+                <a:t>등가성</a:t>
+              </a:r>
+              <a:r>
+                <a:rPr lang="ko-KR" altLang="en-US" sz="1200" dirty="0" err="1" smtClean="0"/>
+                <a:t>을</a:t>
+              </a:r>
+              <a:r>
+                <a:rPr lang="ko-KR" altLang="en-US" sz="1200" dirty="0" smtClean="0"/>
+                <a:t> 비교할 수 있다</a:t>
+              </a:r>
+              <a:r>
+                <a:rPr lang="en-US" altLang="ko-KR" sz="1200" dirty="0" smtClean="0"/>
+                <a:t>. : </a:t>
+              </a:r>
+              <a:r>
+                <a:rPr lang="ko-KR" altLang="en-US" sz="1200" dirty="0" smtClean="0"/>
+                <a:t>값은 값 자신의 아니라 </a:t>
+              </a:r>
+              <a:r>
+                <a:rPr lang="ko-KR" altLang="en-US" sz="1200" b="1" dirty="0" smtClean="0"/>
+                <a:t>값을 구성하는 속성</a:t>
+              </a:r>
+              <a:r>
+                <a:rPr lang="ko-KR" altLang="en-US" sz="1200" dirty="0" smtClean="0"/>
+                <a:t>을 통해 비교된다</a:t>
+              </a:r>
+              <a:r>
+                <a:rPr lang="en-US" altLang="ko-KR" sz="1200" dirty="0" smtClean="0"/>
+                <a:t>.</a:t>
+              </a:r>
+            </a:p>
+          </p:txBody>
+        </p:sp>
+        <p:sp>
+          <p:nvSpPr>
+            <p:cNvPr id="8" name="TextBox 7"/>
+            <p:cNvSpPr txBox="1"/>
+            <p:nvPr/>
+          </p:nvSpPr>
+          <p:spPr>
+            <a:xfrm>
+              <a:off x="5213090" y="1649847"/>
+              <a:ext cx="3106941" cy="276999"/>
+            </a:xfrm>
+            <a:prstGeom prst="rect">
+              <a:avLst/>
+            </a:prstGeom>
+            <a:noFill/>
+          </p:spPr>
+          <p:txBody>
+            <a:bodyPr wrap="none" rtlCol="0">
+              <a:spAutoFit/>
+            </a:bodyPr>
+            <a:lstStyle/>
+            <a:p>
+              <a:r>
+                <a:rPr lang="ko-KR" altLang="en-US" sz="1200" dirty="0" smtClean="0"/>
+                <a:t>값을 수정할 때는 새로운 값으로 </a:t>
+              </a:r>
+              <a:r>
+                <a:rPr lang="ko-KR" altLang="en-US" sz="1200" b="1" dirty="0" smtClean="0"/>
+                <a:t>대입</a:t>
+              </a:r>
+              <a:r>
+                <a:rPr lang="ko-KR" altLang="en-US" sz="1200" dirty="0" smtClean="0"/>
+                <a:t>한다</a:t>
+              </a:r>
+              <a:r>
+                <a:rPr lang="en-US" altLang="ko-KR" sz="1200" dirty="0" smtClean="0"/>
+                <a:t>.</a:t>
+              </a:r>
+            </a:p>
+          </p:txBody>
+        </p:sp>
+        <p:sp>
+          <p:nvSpPr>
+            <p:cNvPr id="9" name="직사각형 8"/>
+            <p:cNvSpPr/>
+            <p:nvPr/>
+          </p:nvSpPr>
+          <p:spPr>
+            <a:xfrm>
+              <a:off x="7413756" y="1649847"/>
+              <a:ext cx="295335" cy="276999"/>
+            </a:xfrm>
+            <a:prstGeom prst="rect">
+              <a:avLst/>
+            </a:prstGeom>
+            <a:noFill/>
+            <a:ln>
+              <a:noFill/>
+            </a:ln>
+          </p:spPr>
+          <p:style>
+            <a:lnRef idx="2">
+              <a:schemeClr val="accent1">
+                <a:shade val="50000"/>
+              </a:schemeClr>
+            </a:lnRef>
+            <a:fillRef idx="1">
+              <a:schemeClr val="accent1"/>
+            </a:fillRef>
+            <a:effectRef idx="0">
+              <a:schemeClr val="accent1"/>
+            </a:effectRef>
+            <a:fontRef idx="minor">
+              <a:schemeClr val="lt1"/>
+            </a:fontRef>
+          </p:style>
+          <p:txBody>
+            <a:bodyPr rtlCol="0" anchor="ctr"/>
+            <a:lstStyle/>
+            <a:p>
+              <a:pPr algn="ctr"/>
+              <a:endParaRPr lang="ko-KR" altLang="en-US"/>
+            </a:p>
+          </p:txBody>
+        </p:sp>
+        <p:cxnSp>
+          <p:nvCxnSpPr>
+            <p:cNvPr id="11" name="꺾인 연결선 10"/>
+            <p:cNvCxnSpPr>
+              <a:stCxn id="6" idx="3"/>
+              <a:endCxn id="9" idx="2"/>
+            </p:cNvCxnSpPr>
+            <p:nvPr/>
+          </p:nvCxnSpPr>
+          <p:spPr>
+            <a:xfrm flipV="1">
+              <a:off x="4191043" y="1926846"/>
+              <a:ext cx="3370381" cy="322083"/>
+            </a:xfrm>
+            <a:prstGeom prst="bentConnector2">
+              <a:avLst/>
+            </a:prstGeom>
+            <a:ln>
+              <a:tailEnd type="triangle"/>
+            </a:ln>
+          </p:spPr>
+          <p:style>
+            <a:lnRef idx="1">
+              <a:schemeClr val="accent1"/>
+            </a:lnRef>
+            <a:fillRef idx="0">
+              <a:schemeClr val="accent1"/>
+            </a:fillRef>
+            <a:effectRef idx="0">
+              <a:schemeClr val="accent1"/>
+            </a:effectRef>
+            <a:fontRef idx="minor">
+              <a:schemeClr val="tx1"/>
+            </a:fontRef>
+          </p:style>
+        </p:cxnSp>
+        <p:cxnSp>
+          <p:nvCxnSpPr>
+            <p:cNvPr id="13" name="직선 화살표 연결선 12"/>
+            <p:cNvCxnSpPr>
+              <a:stCxn id="8" idx="1"/>
+              <a:endCxn id="5" idx="3"/>
+            </p:cNvCxnSpPr>
+            <p:nvPr/>
+          </p:nvCxnSpPr>
+          <p:spPr>
+            <a:xfrm flipH="1">
+              <a:off x="4470991" y="1788347"/>
+              <a:ext cx="742099" cy="0"/>
+            </a:xfrm>
+            <a:prstGeom prst="straightConnector1">
+              <a:avLst/>
+            </a:prstGeom>
+            <a:ln>
+              <a:tailEnd type="triangle"/>
+            </a:ln>
+          </p:spPr>
+          <p:style>
+            <a:lnRef idx="1">
+              <a:schemeClr val="accent1"/>
+            </a:lnRef>
+            <a:fillRef idx="0">
+              <a:schemeClr val="accent1"/>
+            </a:fillRef>
+            <a:effectRef idx="0">
+              <a:schemeClr val="accent1"/>
+            </a:effectRef>
+            <a:fontRef idx="minor">
+              <a:schemeClr val="tx1"/>
+            </a:fontRef>
+          </p:style>
+        </p:cxnSp>
+        <p:sp>
+          <p:nvSpPr>
+            <p:cNvPr id="14" name="TextBox 13"/>
+            <p:cNvSpPr txBox="1"/>
+            <p:nvPr/>
+          </p:nvSpPr>
+          <p:spPr>
+            <a:xfrm>
+              <a:off x="6684294" y="2148360"/>
+              <a:ext cx="2345514" cy="253916"/>
+            </a:xfrm>
+            <a:prstGeom prst="rect">
+              <a:avLst/>
+            </a:prstGeom>
+            <a:solidFill>
+              <a:schemeClr val="bg1"/>
+            </a:solidFill>
+          </p:spPr>
+          <p:txBody>
+            <a:bodyPr wrap="none" rtlCol="0">
+              <a:spAutoFit/>
+            </a:bodyPr>
+            <a:lstStyle/>
+            <a:p>
+              <a:r>
+                <a:rPr lang="en-US" altLang="ko-KR" sz="1050" dirty="0" smtClean="0">
+                  <a:solidFill>
+                    <a:srgbClr val="0070C0"/>
+                  </a:solidFill>
+                </a:rPr>
+                <a:t>“</a:t>
+              </a:r>
+              <a:r>
+                <a:rPr lang="ko-KR" altLang="en-US" sz="1050" dirty="0" smtClean="0">
+                  <a:solidFill>
+                    <a:srgbClr val="0070C0"/>
+                  </a:solidFill>
+                </a:rPr>
+                <a:t>대입</a:t>
+              </a:r>
+              <a:r>
+                <a:rPr lang="en-US" altLang="ko-KR" sz="1050" dirty="0" smtClean="0">
+                  <a:solidFill>
+                    <a:srgbClr val="0070C0"/>
+                  </a:solidFill>
+                </a:rPr>
+                <a:t>”</a:t>
+              </a:r>
+              <a:r>
+                <a:rPr lang="ko-KR" altLang="en-US" sz="1050" dirty="0" smtClean="0">
+                  <a:solidFill>
+                    <a:srgbClr val="0070C0"/>
+                  </a:solidFill>
+                </a:rPr>
+                <a:t>은 교환 수단으로만 사용한다</a:t>
+              </a:r>
+              <a:r>
+                <a:rPr lang="en-US" altLang="ko-KR" sz="1050" dirty="0" smtClean="0">
+                  <a:solidFill>
+                    <a:srgbClr val="0070C0"/>
+                  </a:solidFill>
+                </a:rPr>
+                <a:t>.</a:t>
+              </a:r>
+              <a:endParaRPr lang="ko-KR" altLang="en-US" sz="1050" dirty="0">
+                <a:solidFill>
+                  <a:srgbClr val="0070C0"/>
+                </a:solidFill>
+              </a:endParaRPr>
+            </a:p>
+          </p:txBody>
+        </p:sp>
+        <p:sp>
+          <p:nvSpPr>
+            <p:cNvPr id="16" name="TextBox 15"/>
+            <p:cNvSpPr txBox="1"/>
+            <p:nvPr/>
+          </p:nvSpPr>
+          <p:spPr>
+            <a:xfrm>
+              <a:off x="4692485" y="2980826"/>
+              <a:ext cx="6986208" cy="261610"/>
+            </a:xfrm>
+            <a:prstGeom prst="rect">
+              <a:avLst/>
+            </a:prstGeom>
+            <a:noFill/>
+          </p:spPr>
+          <p:txBody>
+            <a:bodyPr wrap="none" rtlCol="0">
+              <a:spAutoFit/>
+            </a:bodyPr>
+            <a:lstStyle/>
+            <a:p>
+              <a:r>
+                <a:rPr lang="en-US" altLang="ko-KR" sz="1100" dirty="0" err="1" smtClean="0"/>
+                <a:t>var</a:t>
+              </a:r>
+              <a:r>
+                <a:rPr lang="en-US" altLang="ko-KR" sz="1100" dirty="0" smtClean="0"/>
+                <a:t> </a:t>
+              </a:r>
+              <a:r>
+                <a:rPr lang="en-US" altLang="ko-KR" sz="1100" dirty="0" err="1" smtClean="0"/>
+                <a:t>compareResult</a:t>
+              </a:r>
+              <a:r>
+                <a:rPr lang="en-US" altLang="ko-KR" sz="1100" dirty="0" smtClean="0"/>
+                <a:t> = </a:t>
+              </a:r>
+              <a:r>
+                <a:rPr lang="en-US" altLang="ko-KR" sz="1100" dirty="0" err="1" smtClean="0">
+                  <a:solidFill>
+                    <a:srgbClr val="C00000"/>
+                  </a:solidFill>
+                </a:rPr>
+                <a:t>nameA.FirstName</a:t>
+              </a:r>
+              <a:r>
+                <a:rPr lang="en-US" altLang="ko-KR" sz="1100" dirty="0" smtClean="0">
+                  <a:solidFill>
+                    <a:srgbClr val="C00000"/>
+                  </a:solidFill>
+                </a:rPr>
+                <a:t> == </a:t>
+              </a:r>
+              <a:r>
+                <a:rPr lang="en-US" altLang="ko-KR" sz="1100" dirty="0" err="1" smtClean="0">
+                  <a:solidFill>
+                    <a:srgbClr val="C00000"/>
+                  </a:solidFill>
+                </a:rPr>
+                <a:t>nameB.FirstName</a:t>
+              </a:r>
+              <a:r>
+                <a:rPr lang="en-US" altLang="ko-KR" sz="1100" dirty="0" smtClean="0">
+                  <a:solidFill>
+                    <a:srgbClr val="C00000"/>
+                  </a:solidFill>
+                </a:rPr>
+                <a:t> &amp;&amp; </a:t>
+              </a:r>
+              <a:r>
+                <a:rPr lang="en-US" altLang="ko-KR" sz="1100" dirty="0" err="1" smtClean="0">
+                  <a:solidFill>
+                    <a:srgbClr val="C00000"/>
+                  </a:solidFill>
+                </a:rPr>
+                <a:t>nameA.LastName</a:t>
+              </a:r>
+              <a:r>
+                <a:rPr lang="en-US" altLang="ko-KR" sz="1100" dirty="0" smtClean="0">
+                  <a:solidFill>
+                    <a:srgbClr val="C00000"/>
+                  </a:solidFill>
+                </a:rPr>
+                <a:t> == </a:t>
+              </a:r>
+              <a:r>
+                <a:rPr lang="en-US" altLang="ko-KR" sz="1100" dirty="0" err="1" smtClean="0">
+                  <a:solidFill>
+                    <a:srgbClr val="C00000"/>
+                  </a:solidFill>
+                </a:rPr>
+                <a:t>nameB.LastName</a:t>
+              </a:r>
+              <a:r>
+                <a:rPr lang="en-US" altLang="ko-KR" sz="1100" dirty="0" smtClean="0">
+                  <a:solidFill>
+                    <a:srgbClr val="C00000"/>
+                  </a:solidFill>
+                </a:rPr>
+                <a:t>; </a:t>
+              </a:r>
+              <a:endParaRPr lang="ko-KR" altLang="en-US" sz="1100" dirty="0">
+                <a:solidFill>
+                  <a:srgbClr val="C00000"/>
+                </a:solidFill>
+              </a:endParaRPr>
+            </a:p>
+          </p:txBody>
+        </p:sp>
+        <p:sp>
+          <p:nvSpPr>
+            <p:cNvPr id="17" name="TextBox 16"/>
+            <p:cNvSpPr txBox="1"/>
+            <p:nvPr/>
+          </p:nvSpPr>
+          <p:spPr>
+            <a:xfrm>
+              <a:off x="4692485" y="3699798"/>
+              <a:ext cx="2784737" cy="261610"/>
+            </a:xfrm>
+            <a:prstGeom prst="rect">
+              <a:avLst/>
+            </a:prstGeom>
+            <a:noFill/>
+          </p:spPr>
+          <p:txBody>
+            <a:bodyPr wrap="none" rtlCol="0">
+              <a:spAutoFit/>
+            </a:bodyPr>
+            <a:lstStyle/>
+            <a:p>
+              <a:r>
+                <a:rPr lang="en-US" altLang="ko-KR" sz="1100" dirty="0" err="1" smtClean="0"/>
+                <a:t>var</a:t>
+              </a:r>
+              <a:r>
+                <a:rPr lang="en-US" altLang="ko-KR" sz="1100" dirty="0" smtClean="0"/>
+                <a:t> </a:t>
+              </a:r>
+              <a:r>
+                <a:rPr lang="en-US" altLang="ko-KR" sz="1100" dirty="0" err="1" smtClean="0"/>
+                <a:t>compareResult</a:t>
+              </a:r>
+              <a:r>
+                <a:rPr lang="en-US" altLang="ko-KR" sz="1100" dirty="0" smtClean="0"/>
+                <a:t> = </a:t>
+              </a:r>
+              <a:r>
+                <a:rPr lang="en-US" altLang="ko-KR" sz="1100" dirty="0" err="1" smtClean="0">
+                  <a:solidFill>
+                    <a:srgbClr val="0070C0"/>
+                  </a:solidFill>
+                </a:rPr>
+                <a:t>nameA</a:t>
+              </a:r>
+              <a:r>
+                <a:rPr lang="en-US" altLang="ko-KR" sz="1100" dirty="0" smtClean="0">
+                  <a:solidFill>
+                    <a:srgbClr val="0070C0"/>
+                  </a:solidFill>
+                </a:rPr>
+                <a:t> == </a:t>
+              </a:r>
+              <a:r>
+                <a:rPr lang="en-US" altLang="ko-KR" sz="1100" dirty="0" err="1" smtClean="0">
+                  <a:solidFill>
+                    <a:srgbClr val="0070C0"/>
+                  </a:solidFill>
+                </a:rPr>
+                <a:t>nameB</a:t>
+              </a:r>
+              <a:r>
+                <a:rPr lang="en-US" altLang="ko-KR" sz="1100" dirty="0" smtClean="0">
+                  <a:solidFill>
+                    <a:srgbClr val="0070C0"/>
+                  </a:solidFill>
+                </a:rPr>
+                <a:t>;</a:t>
+              </a:r>
+              <a:endParaRPr lang="ko-KR" altLang="en-US" sz="1100" dirty="0">
+                <a:solidFill>
+                  <a:srgbClr val="0070C0"/>
+                </a:solidFill>
+              </a:endParaRPr>
+            </a:p>
+          </p:txBody>
+        </p:sp>
+        <p:sp>
+          <p:nvSpPr>
+            <p:cNvPr id="18" name="TextBox 17"/>
+            <p:cNvSpPr txBox="1"/>
+            <p:nvPr/>
+          </p:nvSpPr>
+          <p:spPr>
+            <a:xfrm>
+              <a:off x="5170054" y="3340312"/>
+              <a:ext cx="381836" cy="261610"/>
+            </a:xfrm>
+            <a:prstGeom prst="rect">
+              <a:avLst/>
+            </a:prstGeom>
+            <a:noFill/>
+          </p:spPr>
+          <p:txBody>
+            <a:bodyPr wrap="none" rtlCol="0">
+              <a:spAutoFit/>
+            </a:bodyPr>
+            <a:lstStyle/>
+            <a:p>
+              <a:r>
+                <a:rPr lang="en-US" altLang="ko-KR" sz="1100" b="1" i="1" dirty="0" smtClean="0"/>
+                <a:t>Vs.</a:t>
+              </a:r>
+              <a:endParaRPr lang="ko-KR" altLang="en-US" sz="1100" b="1" i="1" dirty="0"/>
+            </a:p>
+          </p:txBody>
+        </p:sp>
+        <p:sp>
+          <p:nvSpPr>
+            <p:cNvPr id="19" name="TextBox 18"/>
+            <p:cNvSpPr txBox="1"/>
+            <p:nvPr/>
+          </p:nvSpPr>
+          <p:spPr>
+            <a:xfrm>
+              <a:off x="5419955" y="4049863"/>
+              <a:ext cx="6288901" cy="261610"/>
+            </a:xfrm>
+            <a:prstGeom prst="rect">
+              <a:avLst/>
+            </a:prstGeom>
+            <a:noFill/>
+          </p:spPr>
+          <p:txBody>
+            <a:bodyPr wrap="none" rtlCol="0">
+              <a:spAutoFit/>
+            </a:bodyPr>
+            <a:lstStyle/>
+            <a:p>
+              <a:r>
+                <a:rPr lang="ko-KR" altLang="en-US" sz="1100" b="1" dirty="0" smtClean="0"/>
+                <a:t>직접 값끼리 비교하는 방식이 자연스럽다</a:t>
+              </a:r>
+              <a:r>
+                <a:rPr lang="en-US" altLang="ko-KR" sz="1100" dirty="0" smtClean="0"/>
+                <a:t>(</a:t>
+              </a:r>
+              <a:r>
+                <a:rPr lang="ko-KR" altLang="en-US" sz="1100" dirty="0" smtClean="0">
+                  <a:solidFill>
+                    <a:srgbClr val="C00000"/>
+                  </a:solidFill>
+                </a:rPr>
+                <a:t>값의 값을 꺼내어 비교하지 않는다 </a:t>
+              </a:r>
+              <a:r>
+                <a:rPr lang="en-US" altLang="ko-KR" sz="1100" dirty="0" smtClean="0">
+                  <a:solidFill>
+                    <a:srgbClr val="C00000"/>
+                  </a:solidFill>
+                </a:rPr>
+                <a:t>: </a:t>
+              </a:r>
+              <a:r>
+                <a:rPr lang="ko-KR" altLang="en-US" sz="1100" dirty="0" smtClean="0">
+                  <a:solidFill>
+                    <a:srgbClr val="C00000"/>
+                  </a:solidFill>
+                </a:rPr>
+                <a:t>값의 값을 꺼낸다</a:t>
+              </a:r>
+              <a:r>
+                <a:rPr lang="en-US" altLang="ko-KR" sz="1100" dirty="0" smtClean="0"/>
+                <a:t>).</a:t>
+              </a:r>
+              <a:endParaRPr lang="ko-KR" altLang="en-US" sz="1100" dirty="0"/>
+            </a:p>
+          </p:txBody>
+        </p:sp>
+        <p:grpSp>
+          <p:nvGrpSpPr>
+            <p:cNvPr id="27" name="그룹 26"/>
+            <p:cNvGrpSpPr/>
+            <p:nvPr/>
+          </p:nvGrpSpPr>
+          <p:grpSpPr>
+            <a:xfrm>
+              <a:off x="6683461" y="2913570"/>
+              <a:ext cx="423033" cy="460582"/>
+              <a:chOff x="9444867" y="817849"/>
+              <a:chExt cx="536841" cy="460582"/>
+            </a:xfrm>
+          </p:grpSpPr>
+          <p:cxnSp>
+            <p:nvCxnSpPr>
+              <p:cNvPr id="22" name="직선 연결선 21"/>
+              <p:cNvCxnSpPr/>
+              <p:nvPr/>
+            </p:nvCxnSpPr>
+            <p:spPr>
+              <a:xfrm>
+                <a:off x="9444867" y="817849"/>
+                <a:ext cx="536841" cy="438040"/>
+              </a:xfrm>
+              <a:prstGeom prst="line">
+                <a:avLst/>
+              </a:prstGeom>
+              <a:ln w="28575">
+                <a:solidFill>
+                  <a:srgbClr val="C00000"/>
+                </a:solidFill>
+              </a:ln>
+            </p:spPr>
+            <p:style>
+              <a:lnRef idx="1">
+                <a:schemeClr val="accent1"/>
+              </a:lnRef>
+              <a:fillRef idx="0">
+                <a:schemeClr val="accent1"/>
+              </a:fillRef>
+              <a:effectRef idx="0">
+                <a:schemeClr val="accent1"/>
+              </a:effectRef>
+              <a:fontRef idx="minor">
+                <a:schemeClr val="tx1"/>
+              </a:fontRef>
+            </p:style>
+          </p:cxnSp>
+          <p:cxnSp>
+            <p:nvCxnSpPr>
+              <p:cNvPr id="25" name="직선 연결선 24"/>
+              <p:cNvCxnSpPr/>
+              <p:nvPr/>
+            </p:nvCxnSpPr>
+            <p:spPr>
+              <a:xfrm flipH="1">
+                <a:off x="9444867" y="817849"/>
+                <a:ext cx="536841" cy="460582"/>
+              </a:xfrm>
+              <a:prstGeom prst="line">
+                <a:avLst/>
+              </a:prstGeom>
+              <a:ln w="28575">
+                <a:solidFill>
+                  <a:srgbClr val="C00000"/>
+                </a:solidFill>
+              </a:ln>
+            </p:spPr>
+            <p:style>
+              <a:lnRef idx="1">
+                <a:schemeClr val="accent1"/>
+              </a:lnRef>
+              <a:fillRef idx="0">
+                <a:schemeClr val="accent1"/>
+              </a:fillRef>
+              <a:effectRef idx="0">
+                <a:schemeClr val="accent1"/>
+              </a:effectRef>
+              <a:fontRef idx="minor">
+                <a:schemeClr val="tx1"/>
+              </a:fontRef>
+            </p:style>
+          </p:cxnSp>
+        </p:grpSp>
+        <p:sp>
+          <p:nvSpPr>
+            <p:cNvPr id="28" name="TextBox 27"/>
+            <p:cNvSpPr txBox="1"/>
+            <p:nvPr/>
+          </p:nvSpPr>
+          <p:spPr>
+            <a:xfrm>
+              <a:off x="8403307" y="3692417"/>
+              <a:ext cx="1409360" cy="261610"/>
+            </a:xfrm>
+            <a:prstGeom prst="rect">
+              <a:avLst/>
+            </a:prstGeom>
+            <a:noFill/>
+          </p:spPr>
+          <p:txBody>
+            <a:bodyPr wrap="none" rtlCol="0">
+              <a:spAutoFit/>
+            </a:bodyPr>
+            <a:lstStyle/>
+            <a:p>
+              <a:r>
+                <a:rPr lang="en-US" altLang="ko-KR" sz="1100" dirty="0" smtClean="0">
+                  <a:solidFill>
+                    <a:srgbClr val="C00000"/>
+                  </a:solidFill>
+                </a:rPr>
+                <a:t>1.Value == 0.Value</a:t>
+              </a:r>
+              <a:endParaRPr lang="ko-KR" altLang="en-US" sz="1100" dirty="0">
+                <a:solidFill>
+                  <a:srgbClr val="C00000"/>
+                </a:solidFill>
+              </a:endParaRPr>
+            </a:p>
+          </p:txBody>
+        </p:sp>
+        <p:grpSp>
+          <p:nvGrpSpPr>
+            <p:cNvPr id="29" name="그룹 28"/>
+            <p:cNvGrpSpPr/>
+            <p:nvPr/>
+          </p:nvGrpSpPr>
+          <p:grpSpPr>
+            <a:xfrm>
+              <a:off x="8654582" y="3670303"/>
+              <a:ext cx="273767" cy="305838"/>
+              <a:chOff x="9444867" y="817849"/>
+              <a:chExt cx="536841" cy="460582"/>
+            </a:xfrm>
+          </p:grpSpPr>
+          <p:cxnSp>
+            <p:nvCxnSpPr>
+              <p:cNvPr id="30" name="직선 연결선 29"/>
+              <p:cNvCxnSpPr/>
+              <p:nvPr/>
+            </p:nvCxnSpPr>
+            <p:spPr>
+              <a:xfrm>
+                <a:off x="9444867" y="817849"/>
+                <a:ext cx="536841" cy="438040"/>
+              </a:xfrm>
+              <a:prstGeom prst="line">
+                <a:avLst/>
+              </a:prstGeom>
+              <a:ln w="28575">
+                <a:solidFill>
+                  <a:srgbClr val="C00000"/>
+                </a:solidFill>
+              </a:ln>
+            </p:spPr>
+            <p:style>
+              <a:lnRef idx="1">
+                <a:schemeClr val="accent1"/>
+              </a:lnRef>
+              <a:fillRef idx="0">
+                <a:schemeClr val="accent1"/>
+              </a:fillRef>
+              <a:effectRef idx="0">
+                <a:schemeClr val="accent1"/>
+              </a:effectRef>
+              <a:fontRef idx="minor">
+                <a:schemeClr val="tx1"/>
+              </a:fontRef>
+            </p:style>
+          </p:cxnSp>
+          <p:cxnSp>
+            <p:nvCxnSpPr>
+              <p:cNvPr id="31" name="직선 연결선 30"/>
+              <p:cNvCxnSpPr/>
+              <p:nvPr/>
+            </p:nvCxnSpPr>
+            <p:spPr>
+              <a:xfrm flipH="1">
+                <a:off x="9444867" y="817849"/>
+                <a:ext cx="536841" cy="460582"/>
+              </a:xfrm>
+              <a:prstGeom prst="line">
+                <a:avLst/>
+              </a:prstGeom>
+              <a:ln w="28575">
+                <a:solidFill>
+                  <a:srgbClr val="C00000"/>
+                </a:solidFill>
+              </a:ln>
+            </p:spPr>
+            <p:style>
+              <a:lnRef idx="1">
+                <a:schemeClr val="accent1"/>
+              </a:lnRef>
+              <a:fillRef idx="0">
+                <a:schemeClr val="accent1"/>
+              </a:fillRef>
+              <a:effectRef idx="0">
+                <a:schemeClr val="accent1"/>
+              </a:effectRef>
+              <a:fontRef idx="minor">
+                <a:schemeClr val="tx1"/>
+              </a:fontRef>
+            </p:style>
+          </p:cxnSp>
+        </p:grpSp>
+        <p:sp>
+          <p:nvSpPr>
+            <p:cNvPr id="32" name="직사각형 31"/>
+            <p:cNvSpPr/>
+            <p:nvPr/>
+          </p:nvSpPr>
+          <p:spPr>
+            <a:xfrm>
+              <a:off x="5156361" y="4806084"/>
+              <a:ext cx="5145961" cy="276999"/>
+            </a:xfrm>
+            <a:prstGeom prst="rect">
+              <a:avLst/>
+            </a:prstGeom>
+          </p:spPr>
+          <p:txBody>
+            <a:bodyPr wrap="none">
+              <a:spAutoFit/>
+            </a:bodyPr>
+            <a:lstStyle/>
+            <a:p>
+              <a:r>
+                <a:rPr lang="ko-KR" altLang="en-US" sz="1200" b="1" dirty="0" smtClean="0"/>
+                <a:t>IEquatable 인터페이스 구현</a:t>
+              </a:r>
+              <a:r>
+                <a:rPr lang="en-US" altLang="ko-KR" sz="1200" b="1" dirty="0"/>
+                <a:t>(Equals, </a:t>
+              </a:r>
+              <a:r>
+                <a:rPr lang="en-US" altLang="ko-KR" sz="1200" b="1" dirty="0" err="1" smtClean="0"/>
+                <a:t>GetHashCode</a:t>
+              </a:r>
+              <a:r>
+                <a:rPr lang="en-US" altLang="ko-KR" sz="1200" b="1" dirty="0" smtClean="0"/>
+                <a:t> </a:t>
+              </a:r>
+              <a:r>
+                <a:rPr lang="ko-KR" altLang="en-US" sz="1200" b="1" dirty="0" err="1" smtClean="0"/>
+                <a:t>메서드</a:t>
+              </a:r>
+              <a:r>
+                <a:rPr lang="ko-KR" altLang="en-US" sz="1200" b="1" dirty="0" smtClean="0"/>
+                <a:t> </a:t>
+              </a:r>
+              <a:r>
+                <a:rPr lang="ko-KR" altLang="en-US" sz="1200" b="1" dirty="0" err="1" smtClean="0"/>
+                <a:t>오버라이드</a:t>
+              </a:r>
+              <a:r>
+                <a:rPr lang="en-US" altLang="ko-KR" sz="1200" b="1" dirty="0" smtClean="0"/>
+                <a:t>)</a:t>
+              </a:r>
+              <a:endParaRPr lang="ko-KR" altLang="en-US" sz="1200" b="1" dirty="0"/>
+            </a:p>
+          </p:txBody>
+        </p:sp>
+        <p:cxnSp>
+          <p:nvCxnSpPr>
+            <p:cNvPr id="35" name="직선 화살표 연결선 34"/>
+            <p:cNvCxnSpPr>
+              <a:stCxn id="33" idx="5"/>
+            </p:cNvCxnSpPr>
+            <p:nvPr/>
+          </p:nvCxnSpPr>
+          <p:spPr>
+            <a:xfrm>
+              <a:off x="2352190" y="2933134"/>
+              <a:ext cx="3378709" cy="1835701"/>
+            </a:xfrm>
+            <a:prstGeom prst="straightConnector1">
+              <a:avLst/>
+            </a:prstGeom>
+            <a:ln>
+              <a:tailEnd type="triangle"/>
+            </a:ln>
+          </p:spPr>
+          <p:style>
+            <a:lnRef idx="1">
+              <a:schemeClr val="accent1"/>
+            </a:lnRef>
+            <a:fillRef idx="0">
+              <a:schemeClr val="accent1"/>
+            </a:fillRef>
+            <a:effectRef idx="0">
+              <a:schemeClr val="accent1"/>
+            </a:effectRef>
+            <a:fontRef idx="minor">
+              <a:schemeClr val="tx1"/>
+            </a:fontRef>
+          </p:style>
+        </p:cxnSp>
+        <p:cxnSp>
+          <p:nvCxnSpPr>
+            <p:cNvPr id="42" name="직선 화살표 연결선 41"/>
+            <p:cNvCxnSpPr/>
+            <p:nvPr/>
+          </p:nvCxnSpPr>
+          <p:spPr>
+            <a:xfrm>
+              <a:off x="5947989" y="4332283"/>
+              <a:ext cx="5900" cy="436552"/>
+            </a:xfrm>
+            <a:prstGeom prst="straightConnector1">
+              <a:avLst/>
+            </a:prstGeom>
+            <a:ln>
+              <a:tailEnd type="triangle"/>
+            </a:ln>
+          </p:spPr>
+          <p:style>
+            <a:lnRef idx="1">
+              <a:schemeClr val="accent1"/>
+            </a:lnRef>
+            <a:fillRef idx="0">
+              <a:schemeClr val="accent1"/>
+            </a:fillRef>
+            <a:effectRef idx="0">
+              <a:schemeClr val="accent1"/>
+            </a:effectRef>
+            <a:fontRef idx="minor">
+              <a:schemeClr val="tx1"/>
+            </a:fontRef>
+          </p:style>
+        </p:cxnSp>
+      </p:grpSp>
+      <p:sp>
+        <p:nvSpPr>
+          <p:cNvPr id="57" name="TextBox 56"/>
+          <p:cNvSpPr txBox="1"/>
+          <p:nvPr/>
+        </p:nvSpPr>
+        <p:spPr>
+          <a:xfrm>
+            <a:off x="699502" y="3775412"/>
+            <a:ext cx="2590774" cy="1869743"/>
+          </a:xfrm>
+          <a:prstGeom prst="rect">
+            <a:avLst/>
+          </a:prstGeom>
+          <a:noFill/>
+        </p:spPr>
+        <p:txBody>
+          <a:bodyPr wrap="none" rtlCol="0">
+            <a:spAutoFit/>
+          </a:bodyPr>
+          <a:lstStyle/>
+          <a:p>
+            <a:pPr>
+              <a:lnSpc>
+                <a:spcPct val="150000"/>
+              </a:lnSpc>
+            </a:pPr>
+            <a:r>
+              <a:rPr lang="en-US" altLang="ko-KR" sz="1100" dirty="0" smtClean="0"/>
+              <a:t>- </a:t>
+            </a:r>
+            <a:r>
+              <a:rPr lang="ko-KR" altLang="en-US" sz="1100" b="1" dirty="0" smtClean="0">
+                <a:solidFill>
+                  <a:srgbClr val="0070C0"/>
+                </a:solidFill>
+              </a:rPr>
+              <a:t>자신만의 단위</a:t>
+            </a:r>
+            <a:r>
+              <a:rPr lang="ko-KR" altLang="en-US" sz="1100" dirty="0" smtClean="0"/>
+              <a:t>로 </a:t>
+            </a:r>
+            <a:r>
+              <a:rPr lang="ko-KR" altLang="en-US" sz="1100" dirty="0"/>
+              <a:t>다루어야 하는가</a:t>
+            </a:r>
+            <a:r>
+              <a:rPr lang="en-US" altLang="ko-KR" sz="1100" dirty="0" smtClean="0"/>
+              <a:t>? </a:t>
+            </a:r>
+          </a:p>
+          <a:p>
+            <a:pPr>
+              <a:lnSpc>
+                <a:spcPct val="150000"/>
+              </a:lnSpc>
+            </a:pPr>
+            <a:r>
+              <a:rPr lang="en-US" altLang="ko-KR" sz="1100" dirty="0"/>
+              <a:t> </a:t>
+            </a:r>
+            <a:r>
+              <a:rPr lang="en-US" altLang="ko-KR" sz="1100" dirty="0" smtClean="0"/>
+              <a:t>    &gt; </a:t>
+            </a:r>
+            <a:r>
+              <a:rPr lang="ko-KR" altLang="en-US" sz="1100" dirty="0" smtClean="0"/>
+              <a:t>이름 </a:t>
+            </a:r>
+            <a:r>
+              <a:rPr lang="en-US" altLang="ko-KR" sz="1100" dirty="0" smtClean="0"/>
+              <a:t>: </a:t>
+            </a:r>
+            <a:r>
+              <a:rPr lang="ko-KR" altLang="en-US" sz="1100" dirty="0" smtClean="0"/>
+              <a:t>클래스 이름</a:t>
+            </a:r>
+            <a:endParaRPr lang="en-US" altLang="ko-KR" sz="1100" dirty="0" smtClean="0"/>
+          </a:p>
+          <a:p>
+            <a:pPr>
+              <a:lnSpc>
+                <a:spcPct val="150000"/>
+              </a:lnSpc>
+            </a:pPr>
+            <a:r>
+              <a:rPr lang="en-US" altLang="ko-KR" sz="1100" dirty="0"/>
+              <a:t> </a:t>
+            </a:r>
+            <a:r>
+              <a:rPr lang="en-US" altLang="ko-KR" sz="1100" dirty="0" smtClean="0"/>
+              <a:t>    &gt; </a:t>
+            </a:r>
+            <a:r>
+              <a:rPr lang="ko-KR" altLang="en-US" sz="1100" dirty="0" smtClean="0"/>
+              <a:t>감추기 </a:t>
+            </a:r>
+            <a:r>
+              <a:rPr lang="en-US" altLang="ko-KR" sz="1100" dirty="0" smtClean="0"/>
+              <a:t>: </a:t>
+            </a:r>
+            <a:r>
+              <a:rPr lang="ko-KR" altLang="en-US" sz="1100" dirty="0" smtClean="0"/>
+              <a:t>데이터 묶음</a:t>
+            </a:r>
+            <a:r>
+              <a:rPr lang="en-US" altLang="ko-KR" sz="1100" dirty="0" smtClean="0"/>
+              <a:t>(</a:t>
+            </a:r>
+            <a:r>
+              <a:rPr lang="ko-KR" altLang="en-US" sz="1100" dirty="0" smtClean="0"/>
+              <a:t>멤버 변수</a:t>
+            </a:r>
+            <a:r>
+              <a:rPr lang="en-US" altLang="ko-KR" sz="1100" dirty="0" smtClean="0"/>
+              <a:t>)</a:t>
+            </a:r>
+          </a:p>
+          <a:p>
+            <a:pPr>
+              <a:lnSpc>
+                <a:spcPct val="150000"/>
+              </a:lnSpc>
+            </a:pPr>
+            <a:endParaRPr lang="en-US" altLang="ko-KR" sz="1100" dirty="0"/>
+          </a:p>
+          <a:p>
+            <a:pPr>
+              <a:lnSpc>
+                <a:spcPct val="150000"/>
+              </a:lnSpc>
+            </a:pPr>
+            <a:r>
+              <a:rPr lang="en-US" altLang="ko-KR" sz="1100" dirty="0" smtClean="0"/>
+              <a:t>- </a:t>
+            </a:r>
+            <a:r>
+              <a:rPr lang="ko-KR" altLang="en-US" sz="1100" b="1" dirty="0" smtClean="0">
+                <a:solidFill>
+                  <a:srgbClr val="0070C0"/>
+                </a:solidFill>
+              </a:rPr>
+              <a:t>자신만의 규칙</a:t>
+            </a:r>
+            <a:r>
+              <a:rPr lang="ko-KR" altLang="en-US" sz="1100" dirty="0" smtClean="0"/>
+              <a:t>을 갖고 있는가</a:t>
+            </a:r>
+            <a:r>
+              <a:rPr lang="en-US" altLang="ko-KR" sz="1100" dirty="0" smtClean="0"/>
+              <a:t>? </a:t>
+            </a:r>
+          </a:p>
+          <a:p>
+            <a:pPr>
+              <a:lnSpc>
+                <a:spcPct val="150000"/>
+              </a:lnSpc>
+            </a:pPr>
+            <a:r>
+              <a:rPr lang="en-US" altLang="ko-KR" sz="1100" dirty="0"/>
+              <a:t> </a:t>
+            </a:r>
+            <a:r>
+              <a:rPr lang="en-US" altLang="ko-KR" sz="1100" dirty="0" smtClean="0"/>
+              <a:t>    &gt; </a:t>
+            </a:r>
+            <a:r>
+              <a:rPr lang="ko-KR" altLang="en-US" sz="1100" dirty="0" smtClean="0"/>
+              <a:t>값 존재 규칙 </a:t>
+            </a:r>
+            <a:r>
+              <a:rPr lang="en-US" altLang="ko-KR" sz="1100" dirty="0" smtClean="0"/>
+              <a:t>: </a:t>
+            </a:r>
+            <a:r>
+              <a:rPr lang="ko-KR" altLang="en-US" sz="1100" dirty="0" err="1" smtClean="0"/>
+              <a:t>생성자</a:t>
+            </a:r>
+            <a:endParaRPr lang="en-US" altLang="ko-KR" sz="1100" dirty="0" smtClean="0"/>
+          </a:p>
+          <a:p>
+            <a:pPr>
+              <a:lnSpc>
+                <a:spcPct val="150000"/>
+              </a:lnSpc>
+            </a:pPr>
+            <a:r>
+              <a:rPr lang="en-US" altLang="ko-KR" sz="1100" dirty="0"/>
+              <a:t> </a:t>
+            </a:r>
+            <a:r>
+              <a:rPr lang="en-US" altLang="ko-KR" sz="1100" dirty="0" smtClean="0"/>
+              <a:t>    &gt; </a:t>
+            </a:r>
+            <a:r>
+              <a:rPr lang="ko-KR" altLang="en-US" sz="1100" dirty="0" smtClean="0"/>
+              <a:t>값 연산 규칙</a:t>
+            </a:r>
+            <a:r>
+              <a:rPr lang="en-US" altLang="ko-KR" sz="1100" dirty="0"/>
+              <a:t> </a:t>
+            </a:r>
+            <a:r>
+              <a:rPr lang="en-US" altLang="ko-KR" sz="1100" dirty="0" smtClean="0"/>
+              <a:t>: </a:t>
+            </a:r>
+            <a:r>
+              <a:rPr lang="ko-KR" altLang="en-US" sz="1100" dirty="0" err="1" smtClean="0"/>
+              <a:t>메서드</a:t>
+            </a:r>
+            <a:endParaRPr lang="en-US" altLang="ko-KR" sz="1100" dirty="0" smtClean="0"/>
+          </a:p>
+        </p:txBody>
+      </p:sp>
+      <p:sp>
+        <p:nvSpPr>
+          <p:cNvPr id="59" name="TextBox 58"/>
+          <p:cNvSpPr txBox="1"/>
+          <p:nvPr/>
+        </p:nvSpPr>
+        <p:spPr>
+          <a:xfrm>
+            <a:off x="3283093" y="1073796"/>
+            <a:ext cx="1088760" cy="261610"/>
+          </a:xfrm>
+          <a:prstGeom prst="rect">
+            <a:avLst/>
+          </a:prstGeom>
+          <a:noFill/>
+        </p:spPr>
+        <p:txBody>
+          <a:bodyPr wrap="none" rtlCol="0">
+            <a:spAutoFit/>
+          </a:bodyPr>
+          <a:lstStyle/>
+          <a:p>
+            <a:r>
+              <a:rPr lang="ko-KR" altLang="en-US" sz="1050" dirty="0" smtClean="0"/>
+              <a:t>데이터 </a:t>
+            </a:r>
+            <a:r>
+              <a:rPr lang="en-US" altLang="ko-KR" sz="1050" dirty="0" smtClean="0"/>
+              <a:t>+ </a:t>
+            </a:r>
+            <a:r>
+              <a:rPr lang="ko-KR" altLang="en-US" sz="1050" dirty="0" smtClean="0"/>
+              <a:t>행위</a:t>
+            </a:r>
+            <a:endParaRPr lang="ko-KR" altLang="en-US" sz="1050" dirty="0"/>
+          </a:p>
+        </p:txBody>
+      </p:sp>
+      <p:sp>
+        <p:nvSpPr>
+          <p:cNvPr id="61" name="TextBox 60"/>
+          <p:cNvSpPr txBox="1"/>
+          <p:nvPr/>
+        </p:nvSpPr>
+        <p:spPr>
+          <a:xfrm>
+            <a:off x="294969" y="5910188"/>
+            <a:ext cx="1420582" cy="369332"/>
+          </a:xfrm>
+          <a:prstGeom prst="rect">
+            <a:avLst/>
+          </a:prstGeom>
+          <a:noFill/>
+        </p:spPr>
+        <p:txBody>
+          <a:bodyPr wrap="none" rtlCol="0">
+            <a:spAutoFit/>
+          </a:bodyPr>
+          <a:lstStyle/>
+          <a:p>
+            <a:r>
+              <a:rPr lang="ko-KR" altLang="en-US" b="1" dirty="0" smtClean="0"/>
+              <a:t>도메인 객체</a:t>
+            </a:r>
+            <a:endParaRPr lang="ko-KR" altLang="en-US" b="1" dirty="0"/>
+          </a:p>
+        </p:txBody>
+      </p:sp>
+      <p:sp>
+        <p:nvSpPr>
+          <p:cNvPr id="63" name="TextBox 62"/>
+          <p:cNvSpPr txBox="1"/>
+          <p:nvPr/>
+        </p:nvSpPr>
+        <p:spPr>
+          <a:xfrm>
+            <a:off x="6659317" y="250851"/>
+            <a:ext cx="4725333" cy="1361911"/>
+          </a:xfrm>
+          <a:prstGeom prst="rect">
+            <a:avLst/>
+          </a:prstGeom>
+          <a:noFill/>
+        </p:spPr>
+        <p:txBody>
+          <a:bodyPr wrap="none" rtlCol="0">
+            <a:spAutoFit/>
+          </a:bodyPr>
+          <a:lstStyle/>
+          <a:p>
+            <a:pPr defTabSz="180000">
+              <a:lnSpc>
+                <a:spcPct val="150000"/>
+              </a:lnSpc>
+            </a:pPr>
+            <a:r>
+              <a:rPr lang="ko-KR" altLang="en-US" sz="1100" b="1" dirty="0" smtClean="0"/>
+              <a:t>클래스화 장점</a:t>
+            </a:r>
+            <a:endParaRPr lang="en-US" altLang="ko-KR" sz="1100" b="1" dirty="0"/>
+          </a:p>
+          <a:p>
+            <a:pPr marL="171450" indent="-171450" defTabSz="180000">
+              <a:lnSpc>
+                <a:spcPct val="150000"/>
+              </a:lnSpc>
+              <a:buFontTx/>
+              <a:buChar char="-"/>
+            </a:pPr>
+            <a:r>
+              <a:rPr lang="ko-KR" altLang="en-US" sz="1100" dirty="0" smtClean="0"/>
+              <a:t>클래스 이름 </a:t>
+            </a:r>
+            <a:r>
+              <a:rPr lang="en-US" altLang="ko-KR" sz="1100" dirty="0" smtClean="0"/>
+              <a:t>			: </a:t>
+            </a:r>
+            <a:r>
+              <a:rPr lang="ko-KR" altLang="en-US" sz="1100" dirty="0" smtClean="0"/>
+              <a:t>코드 표현력이 높다</a:t>
+            </a:r>
+            <a:r>
+              <a:rPr lang="en-US" altLang="ko-KR" sz="1100" dirty="0" smtClean="0"/>
+              <a:t>.</a:t>
+            </a:r>
+          </a:p>
+          <a:p>
+            <a:pPr marL="171450" indent="-171450" defTabSz="180000">
+              <a:lnSpc>
+                <a:spcPct val="150000"/>
+              </a:lnSpc>
+              <a:buFontTx/>
+              <a:buChar char="-"/>
+            </a:pPr>
+            <a:r>
+              <a:rPr lang="ko-KR" altLang="en-US" sz="1100" dirty="0" smtClean="0"/>
+              <a:t>클래스 타입 확인 </a:t>
+            </a:r>
+            <a:r>
+              <a:rPr lang="en-US" altLang="ko-KR" sz="1100" dirty="0" smtClean="0"/>
+              <a:t>	: </a:t>
+            </a:r>
+            <a:r>
+              <a:rPr lang="ko-KR" altLang="en-US" sz="1100" dirty="0" smtClean="0"/>
+              <a:t>잘못된 대입을 컴파일 과정에서 확인할 수 있다</a:t>
+            </a:r>
+            <a:r>
+              <a:rPr lang="en-US" altLang="ko-KR" sz="1100" dirty="0" smtClean="0"/>
+              <a:t>.</a:t>
+            </a:r>
+          </a:p>
+          <a:p>
+            <a:pPr marL="171450" indent="-171450" defTabSz="180000">
+              <a:lnSpc>
+                <a:spcPct val="150000"/>
+              </a:lnSpc>
+              <a:buFontTx/>
+              <a:buChar char="-"/>
+            </a:pPr>
+            <a:r>
+              <a:rPr lang="ko-KR" altLang="en-US" sz="1100" dirty="0" smtClean="0"/>
+              <a:t>런타임 </a:t>
+            </a:r>
+            <a:r>
+              <a:rPr lang="ko-KR" altLang="en-US" sz="1100" dirty="0" err="1" smtClean="0"/>
+              <a:t>무결성</a:t>
+            </a:r>
+            <a:r>
+              <a:rPr lang="ko-KR" altLang="en-US" sz="1100" dirty="0" smtClean="0"/>
+              <a:t> </a:t>
+            </a:r>
+            <a:r>
+              <a:rPr lang="en-US" altLang="ko-KR" sz="1100" dirty="0" smtClean="0"/>
+              <a:t>		: </a:t>
+            </a:r>
+            <a:r>
+              <a:rPr lang="ko-KR" altLang="en-US" sz="1100" dirty="0" smtClean="0"/>
+              <a:t>유효하지 </a:t>
+            </a:r>
+            <a:r>
+              <a:rPr lang="ko-KR" altLang="en-US" sz="1100" dirty="0"/>
+              <a:t>않는 </a:t>
+            </a:r>
+            <a:r>
+              <a:rPr lang="ko-KR" altLang="en-US" sz="1100" dirty="0" smtClean="0"/>
+              <a:t>객체는 생성되지 않는다</a:t>
+            </a:r>
+            <a:r>
+              <a:rPr lang="en-US" altLang="ko-KR" sz="1100" dirty="0" smtClean="0"/>
+              <a:t>.</a:t>
+            </a:r>
+          </a:p>
+          <a:p>
+            <a:pPr marL="171450" indent="-171450" defTabSz="180000">
+              <a:lnSpc>
+                <a:spcPct val="150000"/>
+              </a:lnSpc>
+              <a:buFontTx/>
+              <a:buChar char="-"/>
+            </a:pPr>
+            <a:r>
+              <a:rPr lang="ko-KR" altLang="en-US" sz="1100" dirty="0" smtClean="0"/>
+              <a:t>높은 응집도 </a:t>
+            </a:r>
+            <a:r>
+              <a:rPr lang="en-US" altLang="ko-KR" sz="1100" dirty="0" smtClean="0"/>
+              <a:t>			: </a:t>
+            </a:r>
+            <a:r>
+              <a:rPr lang="ko-KR" altLang="en-US" sz="1100" dirty="0" smtClean="0"/>
+              <a:t>관련 데이터와 행위가 한곳에 묶여 있다</a:t>
+            </a:r>
+            <a:r>
+              <a:rPr lang="en-US" altLang="ko-KR" sz="1100" dirty="0" smtClean="0"/>
+              <a:t>.</a:t>
+            </a:r>
+            <a:r>
+              <a:rPr lang="ko-KR" altLang="en-US" sz="1100" dirty="0" smtClean="0"/>
+              <a:t> </a:t>
+            </a:r>
+            <a:endParaRPr lang="ko-KR" altLang="en-US" sz="1100" dirty="0"/>
           </a:p>
         </p:txBody>
       </p:sp>

--- a/Books/DDDGuide/Docs/DDDGuide.pptx
+++ b/Books/DDDGuide/Docs/DDDGuide.pptx
@@ -6532,6 +6532,1250 @@
           <a:chExt cx="0" cy="0"/>
         </a:xfrm>
       </p:grpSpPr>
+      <p:sp>
+        <p:nvSpPr>
+          <p:cNvPr id="33" name="직사각형 32"/>
+          <p:cNvSpPr/>
+          <p:nvPr/>
+        </p:nvSpPr>
+        <p:spPr>
+          <a:xfrm>
+            <a:off x="9259603" y="478820"/>
+            <a:ext cx="2108458" cy="899858"/>
+          </a:xfrm>
+          <a:prstGeom prst="rect">
+            <a:avLst/>
+          </a:prstGeom>
+          <a:solidFill>
+            <a:schemeClr val="accent4">
+              <a:lumMod val="20000"/>
+              <a:lumOff val="80000"/>
+            </a:schemeClr>
+          </a:solidFill>
+          <a:ln>
+            <a:solidFill>
+              <a:schemeClr val="accent4">
+                <a:lumMod val="20000"/>
+                <a:lumOff val="80000"/>
+              </a:schemeClr>
+            </a:solidFill>
+          </a:ln>
+        </p:spPr>
+        <p:style>
+          <a:lnRef idx="2">
+            <a:schemeClr val="accent1">
+              <a:shade val="50000"/>
+            </a:schemeClr>
+          </a:lnRef>
+          <a:fillRef idx="1">
+            <a:schemeClr val="accent1"/>
+          </a:fillRef>
+          <a:effectRef idx="0">
+            <a:schemeClr val="accent1"/>
+          </a:effectRef>
+          <a:fontRef idx="minor">
+            <a:schemeClr val="lt1"/>
+          </a:fontRef>
+        </p:style>
+        <p:txBody>
+          <a:bodyPr rtlCol="0" anchor="ctr"/>
+          <a:lstStyle/>
+          <a:p>
+            <a:pPr algn="ctr"/>
+            <a:endParaRPr lang="ko-KR" altLang="en-US"/>
+          </a:p>
+        </p:txBody>
+      </p:sp>
+      <p:sp>
+        <p:nvSpPr>
+          <p:cNvPr id="32" name="직사각형 31"/>
+          <p:cNvSpPr/>
+          <p:nvPr/>
+        </p:nvSpPr>
+        <p:spPr>
+          <a:xfrm>
+            <a:off x="7893132" y="478820"/>
+            <a:ext cx="441673" cy="899858"/>
+          </a:xfrm>
+          <a:prstGeom prst="rect">
+            <a:avLst/>
+          </a:prstGeom>
+          <a:solidFill>
+            <a:schemeClr val="accent4">
+              <a:lumMod val="20000"/>
+              <a:lumOff val="80000"/>
+            </a:schemeClr>
+          </a:solidFill>
+          <a:ln>
+            <a:solidFill>
+              <a:schemeClr val="accent4">
+                <a:lumMod val="20000"/>
+                <a:lumOff val="80000"/>
+              </a:schemeClr>
+            </a:solidFill>
+          </a:ln>
+        </p:spPr>
+        <p:style>
+          <a:lnRef idx="2">
+            <a:schemeClr val="accent1">
+              <a:shade val="50000"/>
+            </a:schemeClr>
+          </a:lnRef>
+          <a:fillRef idx="1">
+            <a:schemeClr val="accent1"/>
+          </a:fillRef>
+          <a:effectRef idx="0">
+            <a:schemeClr val="accent1"/>
+          </a:effectRef>
+          <a:fontRef idx="minor">
+            <a:schemeClr val="lt1"/>
+          </a:fontRef>
+        </p:style>
+        <p:txBody>
+          <a:bodyPr rtlCol="0" anchor="ctr"/>
+          <a:lstStyle/>
+          <a:p>
+            <a:pPr algn="ctr"/>
+            <a:endParaRPr lang="ko-KR" altLang="en-US"/>
+          </a:p>
+        </p:txBody>
+      </p:sp>
+      <p:sp>
+        <p:nvSpPr>
+          <p:cNvPr id="19" name="아래쪽 화살표 18"/>
+          <p:cNvSpPr/>
+          <p:nvPr/>
+        </p:nvSpPr>
+        <p:spPr>
+          <a:xfrm rot="10800000">
+            <a:off x="6284445" y="1956603"/>
+            <a:ext cx="796215" cy="4422578"/>
+          </a:xfrm>
+          <a:prstGeom prst="downArrow">
+            <a:avLst>
+              <a:gd name="adj1" fmla="val 78155"/>
+              <a:gd name="adj2" fmla="val 50000"/>
+            </a:avLst>
+          </a:prstGeom>
+          <a:solidFill>
+            <a:schemeClr val="accent1">
+              <a:lumMod val="20000"/>
+              <a:lumOff val="80000"/>
+            </a:schemeClr>
+          </a:solidFill>
+          <a:ln>
+            <a:solidFill>
+              <a:schemeClr val="accent1">
+                <a:lumMod val="20000"/>
+                <a:lumOff val="80000"/>
+              </a:schemeClr>
+            </a:solidFill>
+          </a:ln>
+        </p:spPr>
+        <p:style>
+          <a:lnRef idx="2">
+            <a:schemeClr val="accent1">
+              <a:shade val="50000"/>
+            </a:schemeClr>
+          </a:lnRef>
+          <a:fillRef idx="1">
+            <a:schemeClr val="accent1"/>
+          </a:fillRef>
+          <a:effectRef idx="0">
+            <a:schemeClr val="accent1"/>
+          </a:effectRef>
+          <a:fontRef idx="minor">
+            <a:schemeClr val="lt1"/>
+          </a:fontRef>
+        </p:style>
+        <p:txBody>
+          <a:bodyPr rtlCol="0" anchor="ctr"/>
+          <a:lstStyle/>
+          <a:p>
+            <a:pPr algn="ctr"/>
+            <a:endParaRPr lang="ko-KR" altLang="en-US"/>
+          </a:p>
+        </p:txBody>
+      </p:sp>
+      <p:sp>
+        <p:nvSpPr>
+          <p:cNvPr id="2" name="TextBox 1"/>
+          <p:cNvSpPr txBox="1"/>
+          <p:nvPr/>
+        </p:nvSpPr>
+        <p:spPr>
+          <a:xfrm>
+            <a:off x="1361725" y="1067139"/>
+            <a:ext cx="2020105" cy="276999"/>
+          </a:xfrm>
+          <a:prstGeom prst="rect">
+            <a:avLst/>
+          </a:prstGeom>
+          <a:noFill/>
+        </p:spPr>
+        <p:txBody>
+          <a:bodyPr wrap="none" rtlCol="0">
+            <a:spAutoFit/>
+          </a:bodyPr>
+          <a:lstStyle/>
+          <a:p>
+            <a:r>
+              <a:rPr lang="ko-KR" altLang="en-US" sz="1200" b="1" dirty="0" smtClean="0"/>
+              <a:t>속성</a:t>
+            </a:r>
+            <a:r>
+              <a:rPr lang="ko-KR" altLang="en-US" sz="1200" dirty="0" smtClean="0"/>
+              <a:t>으로 </a:t>
+            </a:r>
+            <a:r>
+              <a:rPr lang="ko-KR" altLang="en-US" sz="1200" b="1" dirty="0" smtClean="0">
+                <a:solidFill>
+                  <a:srgbClr val="0070C0"/>
+                </a:solidFill>
+              </a:rPr>
+              <a:t>구별되는</a:t>
+            </a:r>
+            <a:r>
+              <a:rPr lang="ko-KR" altLang="en-US" sz="1200" dirty="0" smtClean="0"/>
+              <a:t> 객체다</a:t>
+            </a:r>
+            <a:r>
+              <a:rPr lang="en-US" altLang="ko-KR" sz="1200" dirty="0" smtClean="0"/>
+              <a:t>.</a:t>
+            </a:r>
+            <a:endParaRPr lang="ko-KR" altLang="en-US" sz="1200" dirty="0"/>
+          </a:p>
+        </p:txBody>
+      </p:sp>
+      <p:sp>
+        <p:nvSpPr>
+          <p:cNvPr id="3" name="TextBox 2"/>
+          <p:cNvSpPr txBox="1"/>
+          <p:nvPr/>
+        </p:nvSpPr>
+        <p:spPr>
+          <a:xfrm>
+            <a:off x="1361725" y="1797758"/>
+            <a:ext cx="2382383" cy="276999"/>
+          </a:xfrm>
+          <a:prstGeom prst="rect">
+            <a:avLst/>
+          </a:prstGeom>
+          <a:noFill/>
+        </p:spPr>
+        <p:txBody>
+          <a:bodyPr wrap="none" rtlCol="0">
+            <a:spAutoFit/>
+          </a:bodyPr>
+          <a:lstStyle/>
+          <a:p>
+            <a:r>
+              <a:rPr lang="ko-KR" altLang="en-US" sz="1200" b="1" dirty="0" smtClean="0"/>
+              <a:t>속성</a:t>
+            </a:r>
+            <a:r>
+              <a:rPr lang="ko-KR" altLang="en-US" sz="1200" dirty="0" smtClean="0"/>
+              <a:t>으로 </a:t>
+            </a:r>
+            <a:r>
+              <a:rPr lang="ko-KR" altLang="en-US" sz="1200" b="1" dirty="0" smtClean="0">
+                <a:solidFill>
+                  <a:srgbClr val="C00000"/>
+                </a:solidFill>
+              </a:rPr>
+              <a:t>구별되지 않는</a:t>
+            </a:r>
+            <a:r>
+              <a:rPr lang="ko-KR" altLang="en-US" sz="1200" dirty="0" smtClean="0"/>
+              <a:t> 객체다</a:t>
+            </a:r>
+            <a:r>
+              <a:rPr lang="en-US" altLang="ko-KR" sz="1200" dirty="0" smtClean="0"/>
+              <a:t>.</a:t>
+            </a:r>
+            <a:endParaRPr lang="ko-KR" altLang="en-US" sz="1200" dirty="0"/>
+          </a:p>
+        </p:txBody>
+      </p:sp>
+      <p:sp>
+        <p:nvSpPr>
+          <p:cNvPr id="4" name="TextBox 3"/>
+          <p:cNvSpPr txBox="1"/>
+          <p:nvPr/>
+        </p:nvSpPr>
+        <p:spPr>
+          <a:xfrm>
+            <a:off x="2713106" y="2170761"/>
+            <a:ext cx="3304110" cy="276999"/>
+          </a:xfrm>
+          <a:prstGeom prst="rect">
+            <a:avLst/>
+          </a:prstGeom>
+          <a:noFill/>
+        </p:spPr>
+        <p:txBody>
+          <a:bodyPr wrap="none" rtlCol="0">
+            <a:spAutoFit/>
+          </a:bodyPr>
+          <a:lstStyle/>
+          <a:p>
+            <a:r>
+              <a:rPr lang="ko-KR" altLang="en-US" sz="1200" b="1" dirty="0" smtClean="0">
+                <a:solidFill>
+                  <a:srgbClr val="0070C0"/>
+                </a:solidFill>
+              </a:rPr>
+              <a:t>동일성</a:t>
+            </a:r>
+            <a:r>
+              <a:rPr lang="en-US" altLang="ko-KR" sz="1200" b="1" dirty="0" smtClean="0">
+                <a:solidFill>
+                  <a:srgbClr val="0070C0"/>
+                </a:solidFill>
+              </a:rPr>
+              <a:t>(</a:t>
+            </a:r>
+            <a:r>
+              <a:rPr lang="ko-KR" altLang="en-US" sz="1200" b="1" dirty="0" err="1" smtClean="0">
+                <a:solidFill>
+                  <a:srgbClr val="0070C0"/>
+                </a:solidFill>
+              </a:rPr>
+              <a:t>식별자</a:t>
+            </a:r>
+            <a:r>
+              <a:rPr lang="ko-KR" altLang="en-US" sz="1200" b="1" dirty="0" smtClean="0">
+                <a:solidFill>
+                  <a:srgbClr val="0070C0"/>
+                </a:solidFill>
+              </a:rPr>
+              <a:t> </a:t>
+            </a:r>
+            <a:r>
+              <a:rPr lang="en-US" altLang="ko-KR" sz="1200" b="1" dirty="0" smtClean="0">
+                <a:solidFill>
+                  <a:srgbClr val="0070C0"/>
+                </a:solidFill>
+              </a:rPr>
+              <a:t>: Identity)</a:t>
+            </a:r>
+            <a:r>
+              <a:rPr lang="ko-KR" altLang="en-US" sz="1200" b="1" dirty="0" smtClean="0">
+                <a:solidFill>
+                  <a:srgbClr val="0070C0"/>
+                </a:solidFill>
+              </a:rPr>
+              <a:t>로 구별하는</a:t>
+            </a:r>
+            <a:r>
+              <a:rPr lang="ko-KR" altLang="en-US" sz="1200" dirty="0" smtClean="0"/>
+              <a:t> 객체다</a:t>
+            </a:r>
+            <a:r>
+              <a:rPr lang="en-US" altLang="ko-KR" sz="1200" dirty="0" smtClean="0"/>
+              <a:t>.</a:t>
+            </a:r>
+            <a:endParaRPr lang="ko-KR" altLang="en-US" sz="1200" dirty="0"/>
+          </a:p>
+        </p:txBody>
+      </p:sp>
+      <p:sp>
+        <p:nvSpPr>
+          <p:cNvPr id="5" name="TextBox 4"/>
+          <p:cNvSpPr txBox="1"/>
+          <p:nvPr/>
+        </p:nvSpPr>
+        <p:spPr>
+          <a:xfrm>
+            <a:off x="1441242" y="1440144"/>
+            <a:ext cx="365806" cy="261610"/>
+          </a:xfrm>
+          <a:prstGeom prst="rect">
+            <a:avLst/>
+          </a:prstGeom>
+          <a:noFill/>
+        </p:spPr>
+        <p:txBody>
+          <a:bodyPr wrap="none" rtlCol="0">
+            <a:spAutoFit/>
+          </a:bodyPr>
+          <a:lstStyle/>
+          <a:p>
+            <a:r>
+              <a:rPr lang="en-US" altLang="ko-KR" sz="1050" i="1" dirty="0" smtClean="0"/>
+              <a:t>Vs.</a:t>
+            </a:r>
+            <a:endParaRPr lang="ko-KR" altLang="en-US" sz="1050" i="1" dirty="0"/>
+          </a:p>
+        </p:txBody>
+      </p:sp>
+      <p:sp>
+        <p:nvSpPr>
+          <p:cNvPr id="6" name="직사각형 5"/>
+          <p:cNvSpPr/>
+          <p:nvPr/>
+        </p:nvSpPr>
+        <p:spPr>
+          <a:xfrm>
+            <a:off x="2371777" y="1843198"/>
+            <a:ext cx="255577" cy="226810"/>
+          </a:xfrm>
+          <a:prstGeom prst="rect">
+            <a:avLst/>
+          </a:prstGeom>
+          <a:noFill/>
+          <a:ln>
+            <a:noFill/>
+          </a:ln>
+        </p:spPr>
+        <p:style>
+          <a:lnRef idx="2">
+            <a:schemeClr val="accent1">
+              <a:shade val="50000"/>
+            </a:schemeClr>
+          </a:lnRef>
+          <a:fillRef idx="1">
+            <a:schemeClr val="accent1"/>
+          </a:fillRef>
+          <a:effectRef idx="0">
+            <a:schemeClr val="accent1"/>
+          </a:effectRef>
+          <a:fontRef idx="minor">
+            <a:schemeClr val="lt1"/>
+          </a:fontRef>
+        </p:style>
+        <p:txBody>
+          <a:bodyPr rtlCol="0" anchor="ctr"/>
+          <a:lstStyle/>
+          <a:p>
+            <a:pPr algn="ctr"/>
+            <a:endParaRPr lang="ko-KR" altLang="en-US"/>
+          </a:p>
+        </p:txBody>
+      </p:sp>
+      <p:cxnSp>
+        <p:nvCxnSpPr>
+          <p:cNvPr id="8" name="꺾인 연결선 7"/>
+          <p:cNvCxnSpPr>
+            <a:stCxn id="6" idx="2"/>
+            <a:endCxn id="4" idx="1"/>
+          </p:cNvCxnSpPr>
+          <p:nvPr/>
+        </p:nvCxnSpPr>
+        <p:spPr>
+          <a:xfrm rot="16200000" flipH="1">
+            <a:off x="2486710" y="2082864"/>
+            <a:ext cx="239253" cy="213540"/>
+          </a:xfrm>
+          <a:prstGeom prst="bentConnector2">
+            <a:avLst/>
+          </a:prstGeom>
+          <a:ln>
+            <a:tailEnd type="triangle"/>
+          </a:ln>
+        </p:spPr>
+        <p:style>
+          <a:lnRef idx="1">
+            <a:schemeClr val="accent1"/>
+          </a:lnRef>
+          <a:fillRef idx="0">
+            <a:schemeClr val="accent1"/>
+          </a:fillRef>
+          <a:effectRef idx="0">
+            <a:schemeClr val="accent1"/>
+          </a:effectRef>
+          <a:fontRef idx="minor">
+            <a:schemeClr val="tx1"/>
+          </a:fontRef>
+        </p:style>
+      </p:cxnSp>
+      <p:sp>
+        <p:nvSpPr>
+          <p:cNvPr id="10" name="TextBox 9"/>
+          <p:cNvSpPr txBox="1"/>
+          <p:nvPr/>
+        </p:nvSpPr>
+        <p:spPr>
+          <a:xfrm>
+            <a:off x="301210" y="1020972"/>
+            <a:ext cx="958917" cy="369332"/>
+          </a:xfrm>
+          <a:prstGeom prst="rect">
+            <a:avLst/>
+          </a:prstGeom>
+          <a:noFill/>
+        </p:spPr>
+        <p:txBody>
+          <a:bodyPr wrap="none" rtlCol="0">
+            <a:spAutoFit/>
+          </a:bodyPr>
+          <a:lstStyle/>
+          <a:p>
+            <a:r>
+              <a:rPr lang="ko-KR" altLang="en-US" b="1" dirty="0" smtClean="0"/>
+              <a:t>값 객체</a:t>
+            </a:r>
+            <a:endParaRPr lang="ko-KR" altLang="en-US" b="1" dirty="0"/>
+          </a:p>
+        </p:txBody>
+      </p:sp>
+      <p:sp>
+        <p:nvSpPr>
+          <p:cNvPr id="11" name="TextBox 10"/>
+          <p:cNvSpPr txBox="1"/>
+          <p:nvPr/>
+        </p:nvSpPr>
+        <p:spPr>
+          <a:xfrm>
+            <a:off x="6243975" y="1885341"/>
+            <a:ext cx="877163" cy="369332"/>
+          </a:xfrm>
+          <a:prstGeom prst="rect">
+            <a:avLst/>
+          </a:prstGeom>
+          <a:noFill/>
+        </p:spPr>
+        <p:txBody>
+          <a:bodyPr wrap="none" rtlCol="0">
+            <a:spAutoFit/>
+          </a:bodyPr>
+          <a:lstStyle/>
+          <a:p>
+            <a:r>
+              <a:rPr lang="ko-KR" altLang="en-US" b="1" dirty="0" err="1" smtClean="0"/>
+              <a:t>엔티티</a:t>
+            </a:r>
+            <a:endParaRPr lang="ko-KR" altLang="en-US" b="1" dirty="0"/>
+          </a:p>
+        </p:txBody>
+      </p:sp>
+      <p:sp>
+        <p:nvSpPr>
+          <p:cNvPr id="12" name="TextBox 11"/>
+          <p:cNvSpPr txBox="1"/>
+          <p:nvPr/>
+        </p:nvSpPr>
+        <p:spPr>
+          <a:xfrm>
+            <a:off x="8881623" y="2656062"/>
+            <a:ext cx="840295" cy="276999"/>
+          </a:xfrm>
+          <a:prstGeom prst="rect">
+            <a:avLst/>
+          </a:prstGeom>
+          <a:noFill/>
+        </p:spPr>
+        <p:txBody>
+          <a:bodyPr wrap="none" rtlCol="0">
+            <a:spAutoFit/>
+          </a:bodyPr>
+          <a:lstStyle/>
+          <a:p>
+            <a:r>
+              <a:rPr lang="ko-KR" altLang="en-US" sz="1200" dirty="0" smtClean="0"/>
+              <a:t>가변이다</a:t>
+            </a:r>
+            <a:r>
+              <a:rPr lang="en-US" altLang="ko-KR" sz="1200" dirty="0" smtClean="0"/>
+              <a:t>.</a:t>
+            </a:r>
+            <a:endParaRPr lang="ko-KR" altLang="en-US" sz="1200" dirty="0"/>
+          </a:p>
+        </p:txBody>
+      </p:sp>
+      <p:sp>
+        <p:nvSpPr>
+          <p:cNvPr id="14" name="TextBox 13"/>
+          <p:cNvSpPr txBox="1"/>
+          <p:nvPr/>
+        </p:nvSpPr>
+        <p:spPr>
+          <a:xfrm>
+            <a:off x="8881623" y="3031059"/>
+            <a:ext cx="2727029" cy="276999"/>
+          </a:xfrm>
+          <a:prstGeom prst="rect">
+            <a:avLst/>
+          </a:prstGeom>
+          <a:noFill/>
+        </p:spPr>
+        <p:txBody>
+          <a:bodyPr wrap="none" rtlCol="0">
+            <a:spAutoFit/>
+          </a:bodyPr>
+          <a:lstStyle/>
+          <a:p>
+            <a:r>
+              <a:rPr lang="ko-KR" altLang="en-US" sz="1200" dirty="0" smtClean="0"/>
+              <a:t>동일성</a:t>
+            </a:r>
+            <a:r>
+              <a:rPr lang="en-US" altLang="ko-KR" sz="1200" dirty="0" smtClean="0"/>
+              <a:t>(</a:t>
+            </a:r>
+            <a:r>
+              <a:rPr lang="ko-KR" altLang="en-US" sz="1200" dirty="0" err="1" smtClean="0"/>
+              <a:t>식별자</a:t>
+            </a:r>
+            <a:r>
+              <a:rPr lang="ko-KR" altLang="en-US" sz="1200" dirty="0" smtClean="0"/>
+              <a:t> </a:t>
+            </a:r>
+            <a:r>
+              <a:rPr lang="en-US" altLang="ko-KR" sz="1200" dirty="0" smtClean="0"/>
+              <a:t>: Identity)</a:t>
+            </a:r>
+            <a:r>
+              <a:rPr lang="ko-KR" altLang="en-US" sz="1200" dirty="0" smtClean="0"/>
+              <a:t>로 구별된다</a:t>
+            </a:r>
+            <a:r>
+              <a:rPr lang="en-US" altLang="ko-KR" sz="1200" dirty="0" smtClean="0"/>
+              <a:t>.</a:t>
+            </a:r>
+            <a:endParaRPr lang="ko-KR" altLang="en-US" sz="1200" dirty="0"/>
+          </a:p>
+        </p:txBody>
+      </p:sp>
+      <p:sp>
+        <p:nvSpPr>
+          <p:cNvPr id="15" name="왼쪽 중괄호 14"/>
+          <p:cNvSpPr/>
+          <p:nvPr/>
+        </p:nvSpPr>
+        <p:spPr>
+          <a:xfrm>
+            <a:off x="1265206" y="934498"/>
+            <a:ext cx="96519" cy="542281"/>
+          </a:xfrm>
+          <a:prstGeom prst="leftBrace">
+            <a:avLst>
+              <a:gd name="adj1" fmla="val 37939"/>
+              <a:gd name="adj2" fmla="val 50000"/>
+            </a:avLst>
+          </a:prstGeom>
+        </p:spPr>
+        <p:style>
+          <a:lnRef idx="1">
+            <a:schemeClr val="accent1"/>
+          </a:lnRef>
+          <a:fillRef idx="0">
+            <a:schemeClr val="accent1"/>
+          </a:fillRef>
+          <a:effectRef idx="0">
+            <a:schemeClr val="accent1"/>
+          </a:effectRef>
+          <a:fontRef idx="minor">
+            <a:schemeClr val="tx1"/>
+          </a:fontRef>
+        </p:style>
+        <p:txBody>
+          <a:bodyPr rtlCol="0" anchor="ctr"/>
+          <a:lstStyle/>
+          <a:p>
+            <a:pPr algn="ctr"/>
+            <a:endParaRPr lang="ko-KR" altLang="en-US"/>
+          </a:p>
+        </p:txBody>
+      </p:sp>
+      <p:sp>
+        <p:nvSpPr>
+          <p:cNvPr id="16" name="왼쪽 중괄호 15"/>
+          <p:cNvSpPr/>
+          <p:nvPr/>
+        </p:nvSpPr>
+        <p:spPr>
+          <a:xfrm flipH="1">
+            <a:off x="5990021" y="1620007"/>
+            <a:ext cx="96519" cy="900000"/>
+          </a:xfrm>
+          <a:prstGeom prst="leftBrace">
+            <a:avLst>
+              <a:gd name="adj1" fmla="val 37939"/>
+              <a:gd name="adj2" fmla="val 50000"/>
+            </a:avLst>
+          </a:prstGeom>
+        </p:spPr>
+        <p:style>
+          <a:lnRef idx="1">
+            <a:schemeClr val="accent1"/>
+          </a:lnRef>
+          <a:fillRef idx="0">
+            <a:schemeClr val="accent1"/>
+          </a:fillRef>
+          <a:effectRef idx="0">
+            <a:schemeClr val="accent1"/>
+          </a:effectRef>
+          <a:fontRef idx="minor">
+            <a:schemeClr val="tx1"/>
+          </a:fontRef>
+        </p:style>
+        <p:txBody>
+          <a:bodyPr rtlCol="0" anchor="ctr"/>
+          <a:lstStyle/>
+          <a:p>
+            <a:pPr algn="ctr"/>
+            <a:endParaRPr lang="ko-KR" altLang="en-US"/>
+          </a:p>
+        </p:txBody>
+      </p:sp>
+      <p:sp>
+        <p:nvSpPr>
+          <p:cNvPr id="21" name="TextBox 20"/>
+          <p:cNvSpPr txBox="1"/>
+          <p:nvPr/>
+        </p:nvSpPr>
+        <p:spPr>
+          <a:xfrm>
+            <a:off x="5969782" y="5850588"/>
+            <a:ext cx="1420582" cy="369332"/>
+          </a:xfrm>
+          <a:prstGeom prst="rect">
+            <a:avLst/>
+          </a:prstGeom>
+          <a:noFill/>
+        </p:spPr>
+        <p:txBody>
+          <a:bodyPr wrap="none" rtlCol="0">
+            <a:spAutoFit/>
+          </a:bodyPr>
+          <a:lstStyle/>
+          <a:p>
+            <a:r>
+              <a:rPr lang="ko-KR" altLang="en-US" b="1" dirty="0" smtClean="0"/>
+              <a:t>도메인 객체</a:t>
+            </a:r>
+            <a:endParaRPr lang="ko-KR" altLang="en-US" b="1" dirty="0"/>
+          </a:p>
+        </p:txBody>
+      </p:sp>
+      <p:sp>
+        <p:nvSpPr>
+          <p:cNvPr id="22" name="TextBox 21"/>
+          <p:cNvSpPr txBox="1"/>
+          <p:nvPr/>
+        </p:nvSpPr>
+        <p:spPr>
+          <a:xfrm>
+            <a:off x="6532968" y="3589792"/>
+            <a:ext cx="2529860" cy="1869743"/>
+          </a:xfrm>
+          <a:prstGeom prst="rect">
+            <a:avLst/>
+          </a:prstGeom>
+          <a:noFill/>
+        </p:spPr>
+        <p:txBody>
+          <a:bodyPr wrap="none" rtlCol="0">
+            <a:spAutoFit/>
+          </a:bodyPr>
+          <a:lstStyle/>
+          <a:p>
+            <a:pPr>
+              <a:lnSpc>
+                <a:spcPct val="150000"/>
+              </a:lnSpc>
+            </a:pPr>
+            <a:r>
+              <a:rPr lang="en-US" altLang="ko-KR" sz="1100" dirty="0" smtClean="0"/>
+              <a:t>- </a:t>
+            </a:r>
+            <a:r>
+              <a:rPr lang="ko-KR" altLang="en-US" sz="1100" b="1" dirty="0" smtClean="0">
+                <a:solidFill>
+                  <a:srgbClr val="0070C0"/>
+                </a:solidFill>
+              </a:rPr>
+              <a:t>자신만의 생애주기</a:t>
+            </a:r>
+            <a:r>
+              <a:rPr lang="ko-KR" altLang="en-US" sz="1100" dirty="0" smtClean="0"/>
+              <a:t>를 갖고 있는가</a:t>
+            </a:r>
+            <a:r>
+              <a:rPr lang="en-US" altLang="ko-KR" sz="1100" dirty="0" smtClean="0"/>
+              <a:t>? </a:t>
+            </a:r>
+          </a:p>
+          <a:p>
+            <a:pPr>
+              <a:lnSpc>
+                <a:spcPct val="150000"/>
+              </a:lnSpc>
+            </a:pPr>
+            <a:endParaRPr lang="en-US" altLang="ko-KR" sz="1100" dirty="0" smtClean="0"/>
+          </a:p>
+          <a:p>
+            <a:pPr>
+              <a:lnSpc>
+                <a:spcPct val="150000"/>
+              </a:lnSpc>
+            </a:pPr>
+            <a:r>
+              <a:rPr lang="en-US" altLang="ko-KR" sz="1100" dirty="0" smtClean="0"/>
+              <a:t>- </a:t>
+            </a:r>
+            <a:r>
+              <a:rPr lang="ko-KR" altLang="en-US" sz="1100" b="1" dirty="0" smtClean="0">
+                <a:solidFill>
+                  <a:srgbClr val="0070C0"/>
+                </a:solidFill>
+              </a:rPr>
+              <a:t>자신만의 연속성</a:t>
+            </a:r>
+            <a:r>
+              <a:rPr lang="ko-KR" altLang="en-US" sz="1100" dirty="0" smtClean="0"/>
+              <a:t>을 갖고 있는가</a:t>
+            </a:r>
+            <a:r>
+              <a:rPr lang="en-US" altLang="ko-KR" sz="1100" dirty="0" smtClean="0"/>
+              <a:t>?</a:t>
+            </a:r>
+          </a:p>
+          <a:p>
+            <a:pPr>
+              <a:lnSpc>
+                <a:spcPct val="150000"/>
+              </a:lnSpc>
+            </a:pPr>
+            <a:r>
+              <a:rPr lang="en-US" altLang="ko-KR" sz="1100" dirty="0" smtClean="0"/>
+              <a:t> </a:t>
+            </a:r>
+            <a:endParaRPr lang="en-US" altLang="ko-KR" sz="1100" dirty="0"/>
+          </a:p>
+          <a:p>
+            <a:pPr>
+              <a:lnSpc>
+                <a:spcPct val="150000"/>
+              </a:lnSpc>
+            </a:pPr>
+            <a:r>
+              <a:rPr lang="en-US" altLang="ko-KR" sz="1100" dirty="0" smtClean="0"/>
+              <a:t>- </a:t>
+            </a:r>
+            <a:r>
+              <a:rPr lang="ko-KR" altLang="en-US" sz="1100" b="1" dirty="0" smtClean="0">
+                <a:solidFill>
+                  <a:srgbClr val="0070C0"/>
+                </a:solidFill>
+              </a:rPr>
+              <a:t>자신만의 규칙</a:t>
+            </a:r>
+            <a:r>
+              <a:rPr lang="ko-KR" altLang="en-US" sz="1100" dirty="0" smtClean="0"/>
+              <a:t>을 갖고 있는가</a:t>
+            </a:r>
+            <a:r>
+              <a:rPr lang="en-US" altLang="ko-KR" sz="1100" dirty="0" smtClean="0"/>
+              <a:t>? </a:t>
+            </a:r>
+          </a:p>
+          <a:p>
+            <a:pPr>
+              <a:lnSpc>
+                <a:spcPct val="150000"/>
+              </a:lnSpc>
+            </a:pPr>
+            <a:r>
+              <a:rPr lang="en-US" altLang="ko-KR" sz="1100" dirty="0"/>
+              <a:t> </a:t>
+            </a:r>
+            <a:r>
+              <a:rPr lang="en-US" altLang="ko-KR" sz="1100" dirty="0" smtClean="0"/>
+              <a:t>    &gt; </a:t>
+            </a:r>
+            <a:r>
+              <a:rPr lang="ko-KR" altLang="en-US" sz="1100" dirty="0" smtClean="0"/>
+              <a:t>값 존재 규칙 </a:t>
+            </a:r>
+            <a:r>
+              <a:rPr lang="en-US" altLang="ko-KR" sz="1100" dirty="0" smtClean="0"/>
+              <a:t>: </a:t>
+            </a:r>
+            <a:r>
+              <a:rPr lang="ko-KR" altLang="en-US" sz="1100" dirty="0" err="1" smtClean="0"/>
+              <a:t>생성자</a:t>
+            </a:r>
+            <a:endParaRPr lang="en-US" altLang="ko-KR" sz="1100" dirty="0" smtClean="0"/>
+          </a:p>
+          <a:p>
+            <a:pPr>
+              <a:lnSpc>
+                <a:spcPct val="150000"/>
+              </a:lnSpc>
+            </a:pPr>
+            <a:r>
+              <a:rPr lang="en-US" altLang="ko-KR" sz="1100" dirty="0"/>
+              <a:t> </a:t>
+            </a:r>
+            <a:r>
+              <a:rPr lang="en-US" altLang="ko-KR" sz="1100" dirty="0" smtClean="0"/>
+              <a:t>    &gt; </a:t>
+            </a:r>
+            <a:r>
+              <a:rPr lang="ko-KR" altLang="en-US" sz="1100" dirty="0" smtClean="0"/>
+              <a:t>값 연산 규칙</a:t>
+            </a:r>
+            <a:r>
+              <a:rPr lang="en-US" altLang="ko-KR" sz="1100" dirty="0"/>
+              <a:t> </a:t>
+            </a:r>
+            <a:r>
+              <a:rPr lang="en-US" altLang="ko-KR" sz="1100" dirty="0" smtClean="0"/>
+              <a:t>: </a:t>
+            </a:r>
+            <a:r>
+              <a:rPr lang="ko-KR" altLang="en-US" sz="1100" dirty="0" err="1" smtClean="0"/>
+              <a:t>메서드</a:t>
+            </a:r>
+            <a:endParaRPr lang="en-US" altLang="ko-KR" sz="1100" dirty="0" smtClean="0"/>
+          </a:p>
+        </p:txBody>
+      </p:sp>
+      <p:sp>
+        <p:nvSpPr>
+          <p:cNvPr id="23" name="TextBox 22"/>
+          <p:cNvSpPr txBox="1"/>
+          <p:nvPr/>
+        </p:nvSpPr>
+        <p:spPr>
+          <a:xfrm>
+            <a:off x="2592456" y="712861"/>
+            <a:ext cx="2173993" cy="276999"/>
+          </a:xfrm>
+          <a:prstGeom prst="rect">
+            <a:avLst/>
+          </a:prstGeom>
+          <a:noFill/>
+        </p:spPr>
+        <p:txBody>
+          <a:bodyPr wrap="none" rtlCol="0">
+            <a:spAutoFit/>
+          </a:bodyPr>
+          <a:lstStyle/>
+          <a:p>
+            <a:r>
+              <a:rPr lang="ko-KR" altLang="en-US" sz="1200" b="1" dirty="0" err="1" smtClean="0">
+                <a:solidFill>
+                  <a:srgbClr val="0070C0"/>
+                </a:solidFill>
+              </a:rPr>
+              <a:t>등가성</a:t>
+            </a:r>
+            <a:r>
+              <a:rPr lang="ko-KR" altLang="en-US" sz="1200" b="1" dirty="0" err="1">
+                <a:solidFill>
+                  <a:srgbClr val="0070C0"/>
+                </a:solidFill>
+              </a:rPr>
+              <a:t>으</a:t>
+            </a:r>
+            <a:r>
+              <a:rPr lang="ko-KR" altLang="en-US" sz="1200" b="1" dirty="0" err="1" smtClean="0">
+                <a:solidFill>
+                  <a:srgbClr val="0070C0"/>
+                </a:solidFill>
+              </a:rPr>
+              <a:t>로</a:t>
+            </a:r>
+            <a:r>
+              <a:rPr lang="ko-KR" altLang="en-US" sz="1200" b="1" dirty="0" smtClean="0">
+                <a:solidFill>
+                  <a:srgbClr val="0070C0"/>
+                </a:solidFill>
+              </a:rPr>
+              <a:t> 구별하는</a:t>
+            </a:r>
+            <a:r>
+              <a:rPr lang="ko-KR" altLang="en-US" sz="1200" dirty="0" smtClean="0"/>
+              <a:t> 객체다</a:t>
+            </a:r>
+            <a:r>
+              <a:rPr lang="en-US" altLang="ko-KR" sz="1200" dirty="0" smtClean="0"/>
+              <a:t>.</a:t>
+            </a:r>
+            <a:endParaRPr lang="ko-KR" altLang="en-US" sz="1200" dirty="0"/>
+          </a:p>
+        </p:txBody>
+      </p:sp>
+      <p:sp>
+        <p:nvSpPr>
+          <p:cNvPr id="24" name="TextBox 23"/>
+          <p:cNvSpPr txBox="1"/>
+          <p:nvPr/>
+        </p:nvSpPr>
+        <p:spPr>
+          <a:xfrm>
+            <a:off x="7161611" y="1709096"/>
+            <a:ext cx="4729180" cy="738664"/>
+          </a:xfrm>
+          <a:prstGeom prst="rect">
+            <a:avLst/>
+          </a:prstGeom>
+          <a:noFill/>
+        </p:spPr>
+        <p:txBody>
+          <a:bodyPr wrap="none" rtlCol="0">
+            <a:spAutoFit/>
+          </a:bodyPr>
+          <a:lstStyle/>
+          <a:p>
+            <a:pPr>
+              <a:lnSpc>
+                <a:spcPct val="150000"/>
+              </a:lnSpc>
+            </a:pPr>
+            <a:r>
+              <a:rPr lang="ko-KR" altLang="en-US" sz="1400" dirty="0" smtClean="0"/>
+              <a:t>도메인 지식을 표현하는</a:t>
+            </a:r>
+            <a:endParaRPr lang="en-US" altLang="ko-KR" sz="1400" dirty="0" smtClean="0"/>
+          </a:p>
+          <a:p>
+            <a:pPr>
+              <a:lnSpc>
+                <a:spcPct val="150000"/>
+              </a:lnSpc>
+            </a:pPr>
+            <a:r>
+              <a:rPr lang="ko-KR" altLang="en-US" sz="1400" dirty="0" smtClean="0"/>
+              <a:t>시스템 고유의 </a:t>
+            </a:r>
+            <a:r>
+              <a:rPr lang="ko-KR" altLang="en-US" sz="1400" b="1" dirty="0" smtClean="0">
+                <a:solidFill>
+                  <a:srgbClr val="0070C0"/>
+                </a:solidFill>
+              </a:rPr>
+              <a:t>생애주기</a:t>
+            </a:r>
+            <a:r>
+              <a:rPr lang="ko-KR" altLang="en-US" sz="1400" dirty="0" smtClean="0"/>
+              <a:t>와 </a:t>
+            </a:r>
+            <a:r>
+              <a:rPr lang="ko-KR" altLang="en-US" sz="1400" b="1" dirty="0" smtClean="0">
+                <a:solidFill>
+                  <a:srgbClr val="0070C0"/>
+                </a:solidFill>
+              </a:rPr>
+              <a:t>영속성</a:t>
+            </a:r>
+            <a:r>
+              <a:rPr lang="ko-KR" altLang="en-US" sz="1400" dirty="0" smtClean="0"/>
+              <a:t>을 갖는 </a:t>
+            </a:r>
+            <a:r>
+              <a:rPr lang="ko-KR" altLang="en-US" sz="1400" b="1" dirty="0" smtClean="0"/>
+              <a:t>도메인 객체</a:t>
+            </a:r>
+            <a:r>
+              <a:rPr lang="ko-KR" altLang="en-US" sz="1400" dirty="0" smtClean="0"/>
+              <a:t>다</a:t>
+            </a:r>
+            <a:r>
+              <a:rPr lang="en-US" altLang="ko-KR" sz="1400" dirty="0" smtClean="0"/>
+              <a:t>.</a:t>
+            </a:r>
+            <a:endParaRPr lang="ko-KR" altLang="en-US" sz="1400" dirty="0"/>
+          </a:p>
+        </p:txBody>
+      </p:sp>
+      <p:sp>
+        <p:nvSpPr>
+          <p:cNvPr id="25" name="직사각형 24"/>
+          <p:cNvSpPr/>
+          <p:nvPr/>
+        </p:nvSpPr>
+        <p:spPr>
+          <a:xfrm>
+            <a:off x="2263827" y="1087548"/>
+            <a:ext cx="255577" cy="226810"/>
+          </a:xfrm>
+          <a:prstGeom prst="rect">
+            <a:avLst/>
+          </a:prstGeom>
+          <a:noFill/>
+          <a:ln>
+            <a:noFill/>
+          </a:ln>
+        </p:spPr>
+        <p:style>
+          <a:lnRef idx="2">
+            <a:schemeClr val="accent1">
+              <a:shade val="50000"/>
+            </a:schemeClr>
+          </a:lnRef>
+          <a:fillRef idx="1">
+            <a:schemeClr val="accent1"/>
+          </a:fillRef>
+          <a:effectRef idx="0">
+            <a:schemeClr val="accent1"/>
+          </a:effectRef>
+          <a:fontRef idx="minor">
+            <a:schemeClr val="lt1"/>
+          </a:fontRef>
+        </p:style>
+        <p:txBody>
+          <a:bodyPr rtlCol="0" anchor="ctr"/>
+          <a:lstStyle/>
+          <a:p>
+            <a:pPr algn="ctr"/>
+            <a:endParaRPr lang="ko-KR" altLang="en-US"/>
+          </a:p>
+        </p:txBody>
+      </p:sp>
+      <p:cxnSp>
+        <p:nvCxnSpPr>
+          <p:cNvPr id="27" name="꺾인 연결선 26"/>
+          <p:cNvCxnSpPr>
+            <a:stCxn id="2" idx="0"/>
+            <a:endCxn id="23" idx="1"/>
+          </p:cNvCxnSpPr>
+          <p:nvPr/>
+        </p:nvCxnSpPr>
+        <p:spPr>
+          <a:xfrm rot="5400000" flipH="1" flipV="1">
+            <a:off x="2374228" y="848911"/>
+            <a:ext cx="215778" cy="220678"/>
+          </a:xfrm>
+          <a:prstGeom prst="bentConnector2">
+            <a:avLst/>
+          </a:prstGeom>
+          <a:ln>
+            <a:tailEnd type="triangle"/>
+          </a:ln>
+        </p:spPr>
+        <p:style>
+          <a:lnRef idx="1">
+            <a:schemeClr val="accent1"/>
+          </a:lnRef>
+          <a:fillRef idx="0">
+            <a:schemeClr val="accent1"/>
+          </a:fillRef>
+          <a:effectRef idx="0">
+            <a:schemeClr val="accent1"/>
+          </a:effectRef>
+          <a:fontRef idx="minor">
+            <a:schemeClr val="tx1"/>
+          </a:fontRef>
+        </p:style>
+      </p:cxnSp>
+      <p:sp>
+        <p:nvSpPr>
+          <p:cNvPr id="29" name="TextBox 28"/>
+          <p:cNvSpPr txBox="1"/>
+          <p:nvPr/>
+        </p:nvSpPr>
+        <p:spPr>
+          <a:xfrm>
+            <a:off x="7490138" y="620972"/>
+            <a:ext cx="3934090" cy="307777"/>
+          </a:xfrm>
+          <a:prstGeom prst="rect">
+            <a:avLst/>
+          </a:prstGeom>
+          <a:noFill/>
+        </p:spPr>
+        <p:txBody>
+          <a:bodyPr wrap="none" rtlCol="0">
+            <a:spAutoFit/>
+          </a:bodyPr>
+          <a:lstStyle/>
+          <a:p>
+            <a:r>
+              <a:rPr lang="ko-KR" altLang="en-US" sz="1400" dirty="0" smtClean="0"/>
+              <a:t>예</a:t>
+            </a:r>
+            <a:r>
+              <a:rPr lang="en-US" altLang="ko-KR" sz="1400" dirty="0" smtClean="0"/>
+              <a:t>.  </a:t>
+            </a:r>
+            <a:r>
+              <a:rPr lang="ko-KR" altLang="en-US" sz="1400" b="1" dirty="0" smtClean="0"/>
+              <a:t>지식</a:t>
+            </a:r>
+            <a:r>
+              <a:rPr lang="ko-KR" altLang="en-US" sz="1400" dirty="0" smtClean="0"/>
+              <a:t>은 쌓이지만 </a:t>
+            </a:r>
+            <a:r>
+              <a:rPr lang="ko-KR" altLang="en-US" sz="1400" b="1" dirty="0" smtClean="0"/>
+              <a:t>나는 다른 사람이 아니다</a:t>
+            </a:r>
+            <a:r>
+              <a:rPr lang="en-US" altLang="ko-KR" sz="1400" dirty="0" smtClean="0"/>
+              <a:t>.</a:t>
+            </a:r>
+            <a:endParaRPr lang="ko-KR" altLang="en-US" sz="1400" dirty="0"/>
+          </a:p>
+        </p:txBody>
+      </p:sp>
+      <p:sp>
+        <p:nvSpPr>
+          <p:cNvPr id="30" name="TextBox 29"/>
+          <p:cNvSpPr txBox="1"/>
+          <p:nvPr/>
+        </p:nvSpPr>
+        <p:spPr>
+          <a:xfrm>
+            <a:off x="7867748" y="957340"/>
+            <a:ext cx="492443" cy="276999"/>
+          </a:xfrm>
+          <a:prstGeom prst="rect">
+            <a:avLst/>
+          </a:prstGeom>
+          <a:noFill/>
+        </p:spPr>
+        <p:txBody>
+          <a:bodyPr wrap="none" rtlCol="0">
+            <a:spAutoFit/>
+          </a:bodyPr>
+          <a:lstStyle/>
+          <a:p>
+            <a:r>
+              <a:rPr lang="ko-KR" altLang="en-US" sz="1200" dirty="0" smtClean="0"/>
+              <a:t>속성</a:t>
+            </a:r>
+            <a:endParaRPr lang="ko-KR" altLang="en-US" sz="1200" dirty="0"/>
+          </a:p>
+        </p:txBody>
+      </p:sp>
+      <p:sp>
+        <p:nvSpPr>
+          <p:cNvPr id="31" name="TextBox 30"/>
+          <p:cNvSpPr txBox="1"/>
+          <p:nvPr/>
+        </p:nvSpPr>
+        <p:spPr>
+          <a:xfrm>
+            <a:off x="9690075" y="957340"/>
+            <a:ext cx="1265090" cy="276999"/>
+          </a:xfrm>
+          <a:prstGeom prst="rect">
+            <a:avLst/>
+          </a:prstGeom>
+          <a:noFill/>
+        </p:spPr>
+        <p:txBody>
+          <a:bodyPr wrap="none" rtlCol="0">
+            <a:spAutoFit/>
+          </a:bodyPr>
+          <a:lstStyle/>
+          <a:p>
+            <a:r>
+              <a:rPr lang="ko-KR" altLang="en-US" sz="1200" dirty="0" err="1" smtClean="0"/>
+              <a:t>식별자</a:t>
+            </a:r>
+            <a:r>
+              <a:rPr lang="en-US" altLang="ko-KR" sz="1200" dirty="0" smtClean="0"/>
+              <a:t>(Identity)</a:t>
+            </a:r>
+            <a:endParaRPr lang="ko-KR" altLang="en-US" sz="1200" dirty="0"/>
+          </a:p>
+        </p:txBody>
+      </p:sp>
     </p:spTree>
     <p:extLst>
       <p:ext uri="{BB962C8B-B14F-4D97-AF65-F5344CB8AC3E}">

--- a/Books/DDDGuide/Docs/DDDGuide.pptx
+++ b/Books/DDDGuide/Docs/DDDGuide.pptx
@@ -8,6 +8,7 @@
     <p:sldId id="256" r:id="rId2"/>
     <p:sldId id="258" r:id="rId3"/>
     <p:sldId id="257" r:id="rId4"/>
+    <p:sldId id="259" r:id="rId5"/>
   </p:sldIdLst>
   <p:sldSz cx="12192000" cy="6858000"/>
   <p:notesSz cx="6858000" cy="9144000"/>
@@ -4915,7 +4916,7 @@
         <p:spPr>
           <a:xfrm>
             <a:off x="1506324" y="452994"/>
-            <a:ext cx="2744662" cy="610616"/>
+            <a:ext cx="2744662" cy="646331"/>
           </a:xfrm>
           <a:prstGeom prst="rect">
             <a:avLst/>
@@ -4934,8 +4935,12 @@
               </a:lnSpc>
             </a:pPr>
             <a:r>
+              <a:rPr lang="ko-KR" altLang="en-US" sz="1200" b="1" dirty="0" smtClean="0"/>
+              <a:t>도메인 지식</a:t>
+            </a:r>
+            <a:r>
               <a:rPr lang="ko-KR" altLang="en-US" sz="1200" dirty="0" smtClean="0"/>
-              <a:t>도메인 지식을 표현하는 </a:t>
+              <a:t>을 표현하는 </a:t>
             </a:r>
             <a:endParaRPr lang="en-US" altLang="ko-KR" sz="1200" dirty="0" smtClean="0"/>
           </a:p>
@@ -7257,8 +7262,8 @@
         </p:nvSpPr>
         <p:spPr>
           <a:xfrm>
-            <a:off x="6532968" y="3589792"/>
-            <a:ext cx="2529860" cy="1869743"/>
+            <a:off x="6532968" y="3757006"/>
+            <a:ext cx="3284874" cy="1615827"/>
           </a:xfrm>
           <a:prstGeom prst="rect">
             <a:avLst/>
@@ -7286,11 +7291,11 @@
                   <a:srgbClr val="0070C0"/>
                 </a:solidFill>
               </a:rPr>
-              <a:t>자신만의 생애주기</a:t>
+              <a:t>자신만의 단위로 생애주기</a:t>
             </a:r>
             <a:r>
               <a:rPr lang="ko-KR" altLang="en-US" sz="1100" dirty="0" smtClean="0"/>
-              <a:t>를 갖고 있는가</a:t>
+              <a:t>를 다루어야 하는가</a:t>
             </a:r>
             <a:r>
               <a:rPr lang="en-US" altLang="ko-KR" sz="1100" dirty="0" smtClean="0"/>
@@ -7303,14 +7308,6 @@
                 <a:spcPct val="150000"/>
               </a:lnSpc>
             </a:pPr>
-            <a:endParaRPr lang="en-US" altLang="ko-KR" sz="1100" dirty="0" smtClean="0"/>
-          </a:p>
-          <a:p>
-            <a:pPr>
-              <a:lnSpc>
-                <a:spcPct val="150000"/>
-              </a:lnSpc>
-            </a:pPr>
             <a:r>
               <a:rPr lang="en-US" altLang="ko-KR" sz="1100" dirty="0" smtClean="0"/>
               <a:t>- </a:t>
@@ -7321,11 +7318,23 @@
                   <a:srgbClr val="0070C0"/>
                 </a:solidFill>
               </a:rPr>
-              <a:t>자신만의 연속성</a:t>
+              <a:t>자신만의 단위로 </a:t>
+            </a:r>
+            <a:r>
+              <a:rPr lang="ko-KR" altLang="en-US" sz="1100" b="1" dirty="0" err="1" smtClean="0">
+                <a:solidFill>
+                  <a:srgbClr val="0070C0"/>
+                </a:solidFill>
+              </a:rPr>
+              <a:t>연속성</a:t>
+            </a:r>
+            <a:r>
+              <a:rPr lang="ko-KR" altLang="en-US" sz="1100" dirty="0" err="1" smtClean="0"/>
+              <a:t>를</a:t>
             </a:r>
             <a:r>
               <a:rPr lang="ko-KR" altLang="en-US" sz="1100" dirty="0" smtClean="0"/>
-              <a:t>을 갖고 있는가</a:t>
+              <a:t> 다루어야 하는가</a:t>
             </a:r>
             <a:r>
               <a:rPr lang="en-US" altLang="ko-KR" sz="1100" dirty="0" smtClean="0"/>
@@ -7527,8 +7536,12 @@
               </a:lnSpc>
             </a:pPr>
             <a:r>
+              <a:rPr lang="ko-KR" altLang="en-US" sz="1400" b="1" dirty="0" smtClean="0"/>
+              <a:t>도메인 지식</a:t>
+            </a:r>
+            <a:r>
               <a:rPr lang="ko-KR" altLang="en-US" sz="1400" dirty="0" smtClean="0"/>
-              <a:t>도메인 지식을 표현하는</a:t>
+              <a:t>을 표현하는</a:t>
             </a:r>
             <a:endParaRPr lang="en-US" altLang="ko-KR" sz="1400" dirty="0" smtClean="0"/>
           </a:p>
@@ -7780,6 +7793,910 @@
     <p:extLst>
       <p:ext uri="{BB962C8B-B14F-4D97-AF65-F5344CB8AC3E}">
         <p14:creationId xmlns:p14="http://schemas.microsoft.com/office/powerpoint/2010/main" val="1863472787"/>
+      </p:ext>
+    </p:extLst>
+  </p:cSld>
+  <p:clrMapOvr>
+    <a:masterClrMapping/>
+  </p:clrMapOvr>
+  <p:timing>
+    <p:tnLst>
+      <p:par>
+        <p:cTn id="1" dur="indefinite" restart="never" nodeType="tmRoot"/>
+      </p:par>
+    </p:tnLst>
+  </p:timing>
+</p:sld>
+</file>
+
+<file path=ppt/slides/slide4.xml><?xml version="1.0" encoding="utf-8"?>
+<p:sld xmlns:a="http://schemas.openxmlformats.org/drawingml/2006/main" xmlns:r="http://schemas.openxmlformats.org/officeDocument/2006/relationships" xmlns:p="http://schemas.openxmlformats.org/presentationml/2006/main">
+  <p:cSld>
+    <p:spTree>
+      <p:nvGrpSpPr>
+        <p:cNvPr id="1" name=""/>
+        <p:cNvGrpSpPr/>
+        <p:nvPr/>
+      </p:nvGrpSpPr>
+      <p:grpSpPr>
+        <a:xfrm>
+          <a:off x="0" y="0"/>
+          <a:ext cx="0" cy="0"/>
+          <a:chOff x="0" y="0"/>
+          <a:chExt cx="0" cy="0"/>
+        </a:xfrm>
+      </p:grpSpPr>
+      <p:sp>
+        <p:nvSpPr>
+          <p:cNvPr id="17" name="아래쪽 화살표 16"/>
+          <p:cNvSpPr/>
+          <p:nvPr/>
+        </p:nvSpPr>
+        <p:spPr>
+          <a:xfrm rot="10800000">
+            <a:off x="3232918" y="738347"/>
+            <a:ext cx="1292225" cy="5689084"/>
+          </a:xfrm>
+          <a:prstGeom prst="downArrow">
+            <a:avLst>
+              <a:gd name="adj1" fmla="val 79184"/>
+              <a:gd name="adj2" fmla="val 50000"/>
+            </a:avLst>
+          </a:prstGeom>
+          <a:solidFill>
+            <a:schemeClr val="accent1">
+              <a:lumMod val="20000"/>
+              <a:lumOff val="80000"/>
+            </a:schemeClr>
+          </a:solidFill>
+          <a:ln w="28575">
+            <a:solidFill>
+              <a:schemeClr val="bg1"/>
+            </a:solidFill>
+          </a:ln>
+        </p:spPr>
+        <p:style>
+          <a:lnRef idx="2">
+            <a:schemeClr val="accent1">
+              <a:shade val="50000"/>
+            </a:schemeClr>
+          </a:lnRef>
+          <a:fillRef idx="1">
+            <a:schemeClr val="accent1"/>
+          </a:fillRef>
+          <a:effectRef idx="0">
+            <a:schemeClr val="accent1"/>
+          </a:effectRef>
+          <a:fontRef idx="minor">
+            <a:schemeClr val="lt1"/>
+          </a:fontRef>
+        </p:style>
+        <p:txBody>
+          <a:bodyPr rtlCol="0" anchor="ctr"/>
+          <a:lstStyle/>
+          <a:p>
+            <a:pPr algn="ctr"/>
+            <a:endParaRPr lang="ko-KR" altLang="en-US"/>
+          </a:p>
+        </p:txBody>
+      </p:sp>
+      <p:sp>
+        <p:nvSpPr>
+          <p:cNvPr id="2" name="TextBox 1"/>
+          <p:cNvSpPr txBox="1"/>
+          <p:nvPr/>
+        </p:nvSpPr>
+        <p:spPr>
+          <a:xfrm>
+            <a:off x="3053323" y="705449"/>
+            <a:ext cx="1651414" cy="369332"/>
+          </a:xfrm>
+          <a:prstGeom prst="rect">
+            <a:avLst/>
+          </a:prstGeom>
+          <a:noFill/>
+        </p:spPr>
+        <p:txBody>
+          <a:bodyPr wrap="none" rtlCol="0">
+            <a:spAutoFit/>
+          </a:bodyPr>
+          <a:lstStyle/>
+          <a:p>
+            <a:r>
+              <a:rPr lang="ko-KR" altLang="en-US" b="1" dirty="0" smtClean="0"/>
+              <a:t>도메인 서비스</a:t>
+            </a:r>
+            <a:endParaRPr lang="ko-KR" altLang="en-US" b="1" dirty="0"/>
+          </a:p>
+        </p:txBody>
+      </p:sp>
+      <p:sp>
+        <p:nvSpPr>
+          <p:cNvPr id="5" name="TextBox 4"/>
+          <p:cNvSpPr txBox="1"/>
+          <p:nvPr/>
+        </p:nvSpPr>
+        <p:spPr>
+          <a:xfrm>
+            <a:off x="6108410" y="2147718"/>
+            <a:ext cx="4754828" cy="923330"/>
+          </a:xfrm>
+          <a:prstGeom prst="rect">
+            <a:avLst/>
+          </a:prstGeom>
+          <a:noFill/>
+        </p:spPr>
+        <p:txBody>
+          <a:bodyPr wrap="none" rtlCol="0">
+            <a:spAutoFit/>
+          </a:bodyPr>
+          <a:lstStyle/>
+          <a:p>
+            <a:pPr>
+              <a:lnSpc>
+                <a:spcPct val="150000"/>
+              </a:lnSpc>
+            </a:pPr>
+            <a:r>
+              <a:rPr lang="ko-KR" altLang="en-US" sz="1200" b="1" dirty="0" smtClean="0">
+                <a:solidFill>
+                  <a:srgbClr val="C00000"/>
+                </a:solidFill>
+              </a:rPr>
+              <a:t>데이터베이스</a:t>
+            </a:r>
+            <a:r>
+              <a:rPr lang="ko-KR" altLang="en-US" sz="1200" b="1" dirty="0" smtClean="0"/>
+              <a:t>는 </a:t>
+            </a:r>
+            <a:r>
+              <a:rPr lang="ko-KR" altLang="en-US" sz="1200" b="1" dirty="0" smtClean="0">
+                <a:solidFill>
+                  <a:srgbClr val="C00000"/>
+                </a:solidFill>
+              </a:rPr>
+              <a:t>도메인에 없는 존재다</a:t>
+            </a:r>
+            <a:r>
+              <a:rPr lang="en-US" altLang="ko-KR" sz="1200" b="1" dirty="0" smtClean="0">
+                <a:solidFill>
+                  <a:srgbClr val="C00000"/>
+                </a:solidFill>
+              </a:rPr>
+              <a:t>.</a:t>
+            </a:r>
+          </a:p>
+          <a:p>
+            <a:pPr>
+              <a:lnSpc>
+                <a:spcPct val="150000"/>
+              </a:lnSpc>
+            </a:pPr>
+            <a:r>
+              <a:rPr lang="ko-KR" altLang="en-US" sz="1200" dirty="0" smtClean="0"/>
+              <a:t>도메인 객체가 데이터베이스를 직접 다루는 것은 바람직하지 않다</a:t>
+            </a:r>
+            <a:r>
+              <a:rPr lang="en-US" altLang="ko-KR" sz="1200" dirty="0" smtClean="0"/>
+              <a:t>.</a:t>
+            </a:r>
+          </a:p>
+          <a:p>
+            <a:pPr>
+              <a:lnSpc>
+                <a:spcPct val="150000"/>
+              </a:lnSpc>
+            </a:pPr>
+            <a:r>
+              <a:rPr lang="en-US" altLang="ko-KR" sz="1200" dirty="0" smtClean="0">
+                <a:solidFill>
+                  <a:srgbClr val="0070C0"/>
+                </a:solidFill>
+              </a:rPr>
+              <a:t>※ </a:t>
+            </a:r>
+            <a:r>
+              <a:rPr lang="ko-KR" altLang="en-US" sz="1200" dirty="0" err="1" smtClean="0">
+                <a:solidFill>
+                  <a:srgbClr val="0070C0"/>
+                </a:solidFill>
+              </a:rPr>
+              <a:t>레파지토리</a:t>
+            </a:r>
+            <a:r>
+              <a:rPr lang="ko-KR" altLang="en-US" sz="1200" dirty="0" smtClean="0">
+                <a:solidFill>
+                  <a:srgbClr val="0070C0"/>
+                </a:solidFill>
+              </a:rPr>
+              <a:t> 패턴으로 간접적으로 접근한다</a:t>
+            </a:r>
+            <a:r>
+              <a:rPr lang="en-US" altLang="ko-KR" sz="1200" dirty="0" smtClean="0">
+                <a:solidFill>
+                  <a:srgbClr val="0070C0"/>
+                </a:solidFill>
+              </a:rPr>
+              <a:t>.</a:t>
+            </a:r>
+            <a:endParaRPr lang="ko-KR" altLang="en-US" sz="1200" dirty="0">
+              <a:solidFill>
+                <a:srgbClr val="0070C0"/>
+              </a:solidFill>
+            </a:endParaRPr>
+          </a:p>
+        </p:txBody>
+      </p:sp>
+      <p:sp>
+        <p:nvSpPr>
+          <p:cNvPr id="8" name="직사각형 7"/>
+          <p:cNvSpPr/>
+          <p:nvPr/>
+        </p:nvSpPr>
+        <p:spPr>
+          <a:xfrm>
+            <a:off x="2834757" y="3582889"/>
+            <a:ext cx="4905060" cy="276999"/>
+          </a:xfrm>
+          <a:prstGeom prst="rect">
+            <a:avLst/>
+          </a:prstGeom>
+        </p:spPr>
+        <p:txBody>
+          <a:bodyPr wrap="square">
+            <a:spAutoFit/>
+          </a:bodyPr>
+          <a:lstStyle/>
+          <a:p>
+            <a:r>
+              <a:rPr lang="en-US" altLang="ko-KR" sz="1200" dirty="0"/>
+              <a:t>When </a:t>
+            </a:r>
+            <a:r>
+              <a:rPr lang="en-US" altLang="ko-KR" sz="1200" b="1" dirty="0">
+                <a:solidFill>
+                  <a:srgbClr val="0070C0"/>
+                </a:solidFill>
+              </a:rPr>
+              <a:t>an operation </a:t>
+            </a:r>
+            <a:r>
+              <a:rPr lang="en-US" altLang="ko-KR" sz="1200" dirty="0"/>
+              <a:t>does </a:t>
+            </a:r>
+            <a:r>
+              <a:rPr lang="en-US" altLang="ko-KR" sz="1200" b="1" dirty="0">
+                <a:solidFill>
+                  <a:srgbClr val="C00000"/>
+                </a:solidFill>
+              </a:rPr>
+              <a:t>not</a:t>
+            </a:r>
+            <a:r>
+              <a:rPr lang="en-US" altLang="ko-KR" sz="1200" dirty="0"/>
+              <a:t> conceptually belong to </a:t>
+            </a:r>
+            <a:r>
+              <a:rPr lang="en-US" altLang="ko-KR" sz="1200" b="1" dirty="0"/>
+              <a:t>any object</a:t>
+            </a:r>
+            <a:r>
+              <a:rPr lang="en-US" altLang="ko-KR" sz="1200" dirty="0"/>
+              <a:t>. </a:t>
+            </a:r>
+            <a:endParaRPr lang="ko-KR" altLang="en-US" sz="1200" dirty="0"/>
+          </a:p>
+        </p:txBody>
+      </p:sp>
+      <p:sp>
+        <p:nvSpPr>
+          <p:cNvPr id="9" name="직사각형 8"/>
+          <p:cNvSpPr/>
+          <p:nvPr/>
+        </p:nvSpPr>
+        <p:spPr>
+          <a:xfrm>
+            <a:off x="2029597" y="1888172"/>
+            <a:ext cx="1054100" cy="419100"/>
+          </a:xfrm>
+          <a:prstGeom prst="rect">
+            <a:avLst/>
+          </a:prstGeom>
+        </p:spPr>
+        <p:style>
+          <a:lnRef idx="2">
+            <a:schemeClr val="accent1"/>
+          </a:lnRef>
+          <a:fillRef idx="1">
+            <a:schemeClr val="lt1"/>
+          </a:fillRef>
+          <a:effectRef idx="0">
+            <a:schemeClr val="accent1"/>
+          </a:effectRef>
+          <a:fontRef idx="minor">
+            <a:schemeClr val="dk1"/>
+          </a:fontRef>
+        </p:style>
+        <p:txBody>
+          <a:bodyPr rtlCol="0" anchor="ctr"/>
+          <a:lstStyle/>
+          <a:p>
+            <a:pPr algn="ctr"/>
+            <a:r>
+              <a:rPr lang="en-US" altLang="ko-KR" sz="1100" dirty="0" smtClean="0"/>
+              <a:t>Entity</a:t>
+            </a:r>
+            <a:endParaRPr lang="ko-KR" altLang="en-US" sz="1100" dirty="0"/>
+          </a:p>
+        </p:txBody>
+      </p:sp>
+      <p:sp>
+        <p:nvSpPr>
+          <p:cNvPr id="10" name="직사각형 9"/>
+          <p:cNvSpPr/>
+          <p:nvPr/>
+        </p:nvSpPr>
+        <p:spPr>
+          <a:xfrm>
+            <a:off x="2029597" y="2399833"/>
+            <a:ext cx="1054100" cy="419100"/>
+          </a:xfrm>
+          <a:prstGeom prst="rect">
+            <a:avLst/>
+          </a:prstGeom>
+        </p:spPr>
+        <p:style>
+          <a:lnRef idx="2">
+            <a:schemeClr val="accent1"/>
+          </a:lnRef>
+          <a:fillRef idx="1">
+            <a:schemeClr val="lt1"/>
+          </a:fillRef>
+          <a:effectRef idx="0">
+            <a:schemeClr val="accent1"/>
+          </a:effectRef>
+          <a:fontRef idx="minor">
+            <a:schemeClr val="dk1"/>
+          </a:fontRef>
+        </p:style>
+        <p:txBody>
+          <a:bodyPr rtlCol="0" anchor="ctr"/>
+          <a:lstStyle/>
+          <a:p>
+            <a:pPr algn="ctr"/>
+            <a:r>
+              <a:rPr lang="en-US" altLang="ko-KR" sz="1100" dirty="0" smtClean="0"/>
+              <a:t>Entity</a:t>
+            </a:r>
+            <a:endParaRPr lang="ko-KR" altLang="en-US" sz="1100" dirty="0"/>
+          </a:p>
+        </p:txBody>
+      </p:sp>
+      <p:sp>
+        <p:nvSpPr>
+          <p:cNvPr id="11" name="직사각형 10"/>
+          <p:cNvSpPr/>
+          <p:nvPr/>
+        </p:nvSpPr>
+        <p:spPr>
+          <a:xfrm>
+            <a:off x="2029597" y="2911494"/>
+            <a:ext cx="1054100" cy="419100"/>
+          </a:xfrm>
+          <a:prstGeom prst="rect">
+            <a:avLst/>
+          </a:prstGeom>
+        </p:spPr>
+        <p:style>
+          <a:lnRef idx="2">
+            <a:schemeClr val="accent1"/>
+          </a:lnRef>
+          <a:fillRef idx="1">
+            <a:schemeClr val="lt1"/>
+          </a:fillRef>
+          <a:effectRef idx="0">
+            <a:schemeClr val="accent1"/>
+          </a:effectRef>
+          <a:fontRef idx="minor">
+            <a:schemeClr val="dk1"/>
+          </a:fontRef>
+        </p:style>
+        <p:txBody>
+          <a:bodyPr rtlCol="0" anchor="ctr"/>
+          <a:lstStyle/>
+          <a:p>
+            <a:pPr algn="ctr"/>
+            <a:r>
+              <a:rPr lang="en-US" altLang="ko-KR" sz="1100" dirty="0" smtClean="0"/>
+              <a:t>Entity</a:t>
+            </a:r>
+            <a:endParaRPr lang="ko-KR" altLang="en-US" sz="1100" dirty="0"/>
+          </a:p>
+        </p:txBody>
+      </p:sp>
+      <p:sp>
+        <p:nvSpPr>
+          <p:cNvPr id="12" name="직사각형 11"/>
+          <p:cNvSpPr/>
+          <p:nvPr/>
+        </p:nvSpPr>
+        <p:spPr>
+          <a:xfrm>
+            <a:off x="2029597" y="1371889"/>
+            <a:ext cx="1054100" cy="419100"/>
+          </a:xfrm>
+          <a:prstGeom prst="rect">
+            <a:avLst/>
+          </a:prstGeom>
+        </p:spPr>
+        <p:style>
+          <a:lnRef idx="2">
+            <a:schemeClr val="accent1"/>
+          </a:lnRef>
+          <a:fillRef idx="1">
+            <a:schemeClr val="lt1"/>
+          </a:fillRef>
+          <a:effectRef idx="0">
+            <a:schemeClr val="accent1"/>
+          </a:effectRef>
+          <a:fontRef idx="minor">
+            <a:schemeClr val="dk1"/>
+          </a:fontRef>
+        </p:style>
+        <p:txBody>
+          <a:bodyPr rtlCol="0" anchor="ctr"/>
+          <a:lstStyle/>
+          <a:p>
+            <a:pPr algn="ctr"/>
+            <a:r>
+              <a:rPr lang="en-US" altLang="ko-KR" sz="1100" dirty="0" smtClean="0"/>
+              <a:t>Entity</a:t>
+            </a:r>
+            <a:endParaRPr lang="ko-KR" altLang="en-US" sz="1100" dirty="0"/>
+          </a:p>
+        </p:txBody>
+      </p:sp>
+      <p:sp>
+        <p:nvSpPr>
+          <p:cNvPr id="14" name="TextBox 13"/>
+          <p:cNvSpPr txBox="1"/>
+          <p:nvPr/>
+        </p:nvSpPr>
+        <p:spPr>
+          <a:xfrm>
+            <a:off x="1328763" y="3903955"/>
+            <a:ext cx="3623108" cy="276999"/>
+          </a:xfrm>
+          <a:prstGeom prst="rect">
+            <a:avLst/>
+          </a:prstGeom>
+          <a:noFill/>
+        </p:spPr>
+        <p:txBody>
+          <a:bodyPr wrap="none" rtlCol="0">
+            <a:spAutoFit/>
+          </a:bodyPr>
+          <a:lstStyle/>
+          <a:p>
+            <a:r>
+              <a:rPr lang="ko-KR" altLang="en-US" sz="1200" dirty="0" smtClean="0"/>
+              <a:t>값 객체나 </a:t>
+            </a:r>
+            <a:r>
+              <a:rPr lang="ko-KR" altLang="en-US" sz="1200" dirty="0" err="1" smtClean="0"/>
+              <a:t>엔티티로</a:t>
+            </a:r>
+            <a:r>
+              <a:rPr lang="ko-KR" altLang="en-US" sz="1200" dirty="0" smtClean="0"/>
+              <a:t> 구현하기 </a:t>
+            </a:r>
+            <a:r>
+              <a:rPr lang="ko-KR" altLang="en-US" sz="1200" b="1" dirty="0" smtClean="0">
+                <a:solidFill>
+                  <a:srgbClr val="0070C0"/>
+                </a:solidFill>
+              </a:rPr>
+              <a:t>어색한 행동</a:t>
+            </a:r>
+            <a:r>
+              <a:rPr lang="ko-KR" altLang="en-US" sz="1200" dirty="0" smtClean="0"/>
+              <a:t>이 있다</a:t>
+            </a:r>
+            <a:r>
+              <a:rPr lang="en-US" altLang="ko-KR" sz="1200" dirty="0" smtClean="0"/>
+              <a:t>.</a:t>
+            </a:r>
+          </a:p>
+        </p:txBody>
+      </p:sp>
+      <p:sp>
+        <p:nvSpPr>
+          <p:cNvPr id="15" name="TextBox 14"/>
+          <p:cNvSpPr txBox="1"/>
+          <p:nvPr/>
+        </p:nvSpPr>
+        <p:spPr>
+          <a:xfrm>
+            <a:off x="2207396" y="4994907"/>
+            <a:ext cx="3568606" cy="369332"/>
+          </a:xfrm>
+          <a:prstGeom prst="rect">
+            <a:avLst/>
+          </a:prstGeom>
+          <a:noFill/>
+        </p:spPr>
+        <p:txBody>
+          <a:bodyPr wrap="none" rtlCol="0">
+            <a:spAutoFit/>
+          </a:bodyPr>
+          <a:lstStyle/>
+          <a:p>
+            <a:pPr>
+              <a:lnSpc>
+                <a:spcPct val="150000"/>
+              </a:lnSpc>
+            </a:pPr>
+            <a:r>
+              <a:rPr lang="ko-KR" altLang="en-US" sz="1200" b="1" dirty="0" smtClean="0"/>
+              <a:t>값 객체나 </a:t>
+            </a:r>
+            <a:r>
+              <a:rPr lang="ko-KR" altLang="en-US" sz="1200" b="1" dirty="0" err="1" smtClean="0"/>
+              <a:t>엔티티</a:t>
+            </a:r>
+            <a:r>
+              <a:rPr lang="ko-KR" altLang="en-US" sz="1200" dirty="0" err="1" smtClean="0"/>
+              <a:t>를</a:t>
+            </a:r>
+            <a:r>
+              <a:rPr lang="ko-KR" altLang="en-US" sz="1200" b="1" dirty="0" smtClean="0"/>
+              <a:t> </a:t>
+            </a:r>
+            <a:r>
+              <a:rPr lang="ko-KR" altLang="en-US" sz="1200" b="1" dirty="0" smtClean="0">
+                <a:solidFill>
+                  <a:srgbClr val="0070C0"/>
+                </a:solidFill>
+              </a:rPr>
+              <a:t>관통</a:t>
+            </a:r>
+            <a:r>
+              <a:rPr lang="ko-KR" altLang="en-US" sz="1200" dirty="0" smtClean="0"/>
+              <a:t>하는 행동만을 정의한다</a:t>
+            </a:r>
+            <a:r>
+              <a:rPr lang="en-US" altLang="ko-KR" sz="1200" dirty="0" smtClean="0"/>
+              <a:t>.</a:t>
+            </a:r>
+          </a:p>
+        </p:txBody>
+      </p:sp>
+      <p:sp>
+        <p:nvSpPr>
+          <p:cNvPr id="18" name="TextBox 17"/>
+          <p:cNvSpPr txBox="1"/>
+          <p:nvPr/>
+        </p:nvSpPr>
+        <p:spPr>
+          <a:xfrm>
+            <a:off x="5975278" y="4994907"/>
+            <a:ext cx="4605748" cy="600164"/>
+          </a:xfrm>
+          <a:prstGeom prst="rect">
+            <a:avLst/>
+          </a:prstGeom>
+          <a:noFill/>
+        </p:spPr>
+        <p:txBody>
+          <a:bodyPr wrap="none" rtlCol="0">
+            <a:spAutoFit/>
+          </a:bodyPr>
+          <a:lstStyle/>
+          <a:p>
+            <a:pPr>
+              <a:lnSpc>
+                <a:spcPct val="150000"/>
+              </a:lnSpc>
+            </a:pPr>
+            <a:r>
+              <a:rPr lang="ko-KR" altLang="en-US" sz="1100" dirty="0" smtClean="0"/>
+              <a:t>예</a:t>
+            </a:r>
+            <a:r>
+              <a:rPr lang="en-US" altLang="ko-KR" sz="1100" dirty="0" smtClean="0"/>
+              <a:t>. </a:t>
+            </a:r>
+            <a:r>
+              <a:rPr lang="en-US" altLang="ko-KR" sz="1100" b="1" dirty="0" smtClean="0">
+                <a:solidFill>
+                  <a:srgbClr val="C00000"/>
+                </a:solidFill>
+              </a:rPr>
+              <a:t>”</a:t>
+            </a:r>
+            <a:r>
+              <a:rPr lang="ko-KR" altLang="en-US" sz="1100" b="1" dirty="0" smtClean="0">
+                <a:solidFill>
+                  <a:srgbClr val="C00000"/>
+                </a:solidFill>
+              </a:rPr>
+              <a:t>사용자명 중복 여부 확인</a:t>
+            </a:r>
+            <a:r>
+              <a:rPr lang="en-US" altLang="ko-KR" sz="1100" b="1" dirty="0" smtClean="0">
+                <a:solidFill>
+                  <a:srgbClr val="C00000"/>
+                </a:solidFill>
+              </a:rPr>
+              <a:t>”</a:t>
+            </a:r>
+            <a:r>
+              <a:rPr lang="ko-KR" altLang="en-US" sz="1100" dirty="0" smtClean="0"/>
+              <a:t> 기능은</a:t>
+            </a:r>
+            <a:r>
+              <a:rPr lang="en-US" altLang="ko-KR" sz="1100" dirty="0"/>
+              <a:t> </a:t>
+            </a:r>
+            <a:r>
+              <a:rPr lang="ko-KR" altLang="en-US" sz="1100" dirty="0" smtClean="0"/>
+              <a:t>어디에서 제공해야 할까</a:t>
+            </a:r>
+            <a:r>
+              <a:rPr lang="en-US" altLang="ko-KR" sz="1100" dirty="0" smtClean="0"/>
+              <a:t>?</a:t>
+            </a:r>
+          </a:p>
+          <a:p>
+            <a:pPr>
+              <a:lnSpc>
+                <a:spcPct val="150000"/>
+              </a:lnSpc>
+            </a:pPr>
+            <a:r>
+              <a:rPr lang="en-US" altLang="ko-KR" sz="1100" dirty="0" smtClean="0"/>
+              <a:t>    </a:t>
+            </a:r>
+            <a:r>
+              <a:rPr lang="ko-KR" altLang="en-US" sz="1100" b="1" dirty="0" smtClean="0"/>
+              <a:t>사용자 </a:t>
+            </a:r>
+            <a:r>
+              <a:rPr lang="ko-KR" altLang="en-US" sz="1100" b="1" dirty="0" err="1" smtClean="0"/>
+              <a:t>엔티티</a:t>
+            </a:r>
+            <a:r>
+              <a:rPr lang="ko-KR" altLang="en-US" sz="1100" dirty="0" err="1" smtClean="0"/>
+              <a:t>가</a:t>
+            </a:r>
+            <a:r>
+              <a:rPr lang="ko-KR" altLang="en-US" sz="1100" dirty="0" smtClean="0"/>
+              <a:t> 아닌 </a:t>
+            </a:r>
+            <a:r>
+              <a:rPr lang="ko-KR" altLang="en-US" sz="1100" b="1" dirty="0" smtClean="0">
+                <a:solidFill>
+                  <a:srgbClr val="0070C0"/>
+                </a:solidFill>
+              </a:rPr>
+              <a:t>사용자 도메인 서비스</a:t>
+            </a:r>
+            <a:r>
+              <a:rPr lang="en-US" altLang="ko-KR" sz="1100" b="1" dirty="0" smtClean="0">
+                <a:solidFill>
+                  <a:srgbClr val="0070C0"/>
+                </a:solidFill>
+              </a:rPr>
+              <a:t>(</a:t>
+            </a:r>
+            <a:r>
+              <a:rPr lang="en-US" altLang="ko-KR" sz="1100" b="1" dirty="0" err="1" smtClean="0">
+                <a:solidFill>
+                  <a:srgbClr val="0070C0"/>
+                </a:solidFill>
+              </a:rPr>
+              <a:t>UserService</a:t>
+            </a:r>
+            <a:r>
+              <a:rPr lang="en-US" altLang="ko-KR" sz="1100" b="1" dirty="0" smtClean="0">
+                <a:solidFill>
+                  <a:srgbClr val="0070C0"/>
+                </a:solidFill>
+              </a:rPr>
+              <a:t>)</a:t>
+            </a:r>
+            <a:r>
+              <a:rPr lang="ko-KR" altLang="en-US" sz="1100" dirty="0" smtClean="0"/>
+              <a:t>이다</a:t>
+            </a:r>
+            <a:r>
+              <a:rPr lang="en-US" altLang="ko-KR" sz="1100" dirty="0" smtClean="0"/>
+              <a:t>.     </a:t>
+            </a:r>
+            <a:endParaRPr lang="ko-KR" altLang="en-US" sz="1100" dirty="0"/>
+          </a:p>
+        </p:txBody>
+      </p:sp>
+      <p:sp>
+        <p:nvSpPr>
+          <p:cNvPr id="19" name="TextBox 18"/>
+          <p:cNvSpPr txBox="1"/>
+          <p:nvPr/>
+        </p:nvSpPr>
+        <p:spPr>
+          <a:xfrm>
+            <a:off x="3168743" y="5857125"/>
+            <a:ext cx="1420582" cy="369332"/>
+          </a:xfrm>
+          <a:prstGeom prst="rect">
+            <a:avLst/>
+          </a:prstGeom>
+          <a:noFill/>
+        </p:spPr>
+        <p:txBody>
+          <a:bodyPr wrap="none" rtlCol="0">
+            <a:spAutoFit/>
+          </a:bodyPr>
+          <a:lstStyle/>
+          <a:p>
+            <a:r>
+              <a:rPr lang="ko-KR" altLang="en-US" b="1" dirty="0" smtClean="0"/>
+              <a:t>도메인 객체</a:t>
+            </a:r>
+            <a:endParaRPr lang="ko-KR" altLang="en-US" b="1" dirty="0"/>
+          </a:p>
+        </p:txBody>
+      </p:sp>
+      <p:sp>
+        <p:nvSpPr>
+          <p:cNvPr id="20" name="TextBox 19"/>
+          <p:cNvSpPr txBox="1"/>
+          <p:nvPr/>
+        </p:nvSpPr>
+        <p:spPr>
+          <a:xfrm>
+            <a:off x="1328763" y="4225022"/>
+            <a:ext cx="4084773" cy="276999"/>
+          </a:xfrm>
+          <a:prstGeom prst="rect">
+            <a:avLst/>
+          </a:prstGeom>
+          <a:noFill/>
+        </p:spPr>
+        <p:txBody>
+          <a:bodyPr wrap="none" rtlCol="0">
+            <a:spAutoFit/>
+          </a:bodyPr>
+          <a:lstStyle/>
+          <a:p>
+            <a:r>
+              <a:rPr lang="en-US" altLang="ko-KR" sz="1200" b="1" dirty="0" smtClean="0"/>
+              <a:t>※ </a:t>
+            </a:r>
+            <a:r>
+              <a:rPr lang="ko-KR" altLang="en-US" sz="1200" b="1" dirty="0" smtClean="0"/>
+              <a:t>특정 </a:t>
+            </a:r>
+            <a:r>
+              <a:rPr lang="ko-KR" altLang="en-US" sz="1200" b="1" dirty="0" err="1" smtClean="0"/>
+              <a:t>엔티티</a:t>
+            </a:r>
+            <a:r>
+              <a:rPr lang="ko-KR" altLang="en-US" sz="1200" dirty="0" err="1" smtClean="0"/>
+              <a:t>의</a:t>
+            </a:r>
+            <a:r>
+              <a:rPr lang="ko-KR" altLang="en-US" sz="1200" dirty="0" smtClean="0"/>
+              <a:t> 행위로 정의하기에는 들어맞지 않는 것</a:t>
+            </a:r>
+            <a:r>
+              <a:rPr lang="en-US" altLang="ko-KR" sz="1200" dirty="0" smtClean="0"/>
+              <a:t>.</a:t>
+            </a:r>
+          </a:p>
+        </p:txBody>
+      </p:sp>
+      <p:sp>
+        <p:nvSpPr>
+          <p:cNvPr id="13" name="직사각형 12"/>
+          <p:cNvSpPr/>
+          <p:nvPr/>
+        </p:nvSpPr>
+        <p:spPr>
+          <a:xfrm>
+            <a:off x="2969397" y="2008822"/>
+            <a:ext cx="1819274" cy="1143972"/>
+          </a:xfrm>
+          <a:prstGeom prst="rect">
+            <a:avLst/>
+          </a:prstGeom>
+          <a:solidFill>
+            <a:schemeClr val="accent1">
+              <a:lumMod val="20000"/>
+              <a:lumOff val="80000"/>
+            </a:schemeClr>
+          </a:solidFill>
+        </p:spPr>
+        <p:style>
+          <a:lnRef idx="2">
+            <a:schemeClr val="accent1"/>
+          </a:lnRef>
+          <a:fillRef idx="1">
+            <a:schemeClr val="lt1"/>
+          </a:fillRef>
+          <a:effectRef idx="0">
+            <a:schemeClr val="accent1"/>
+          </a:effectRef>
+          <a:fontRef idx="minor">
+            <a:schemeClr val="dk1"/>
+          </a:fontRef>
+        </p:style>
+        <p:txBody>
+          <a:bodyPr rtlCol="0" anchor="ctr"/>
+          <a:lstStyle/>
+          <a:p>
+            <a:pPr algn="ctr"/>
+            <a:r>
+              <a:rPr lang="en-US" altLang="ko-KR" sz="1400" b="1" dirty="0" smtClean="0">
+                <a:solidFill>
+                  <a:srgbClr val="0070C0"/>
+                </a:solidFill>
+              </a:rPr>
+              <a:t>Domain </a:t>
+            </a:r>
+          </a:p>
+          <a:p>
+            <a:pPr algn="ctr"/>
+            <a:r>
+              <a:rPr lang="en-US" altLang="ko-KR" sz="1400" b="1" dirty="0" smtClean="0">
+                <a:solidFill>
+                  <a:srgbClr val="0070C0"/>
+                </a:solidFill>
+              </a:rPr>
+              <a:t>Service</a:t>
+            </a:r>
+            <a:endParaRPr lang="ko-KR" altLang="en-US" sz="1400" b="1" dirty="0">
+              <a:solidFill>
+                <a:srgbClr val="0070C0"/>
+              </a:solidFill>
+            </a:endParaRPr>
+          </a:p>
+        </p:txBody>
+      </p:sp>
+      <p:sp>
+        <p:nvSpPr>
+          <p:cNvPr id="21" name="TextBox 20"/>
+          <p:cNvSpPr txBox="1"/>
+          <p:nvPr/>
+        </p:nvSpPr>
+        <p:spPr>
+          <a:xfrm>
+            <a:off x="3991699" y="430570"/>
+            <a:ext cx="492443" cy="276999"/>
+          </a:xfrm>
+          <a:prstGeom prst="rect">
+            <a:avLst/>
+          </a:prstGeom>
+          <a:noFill/>
+        </p:spPr>
+        <p:txBody>
+          <a:bodyPr wrap="none" rtlCol="0">
+            <a:spAutoFit/>
+          </a:bodyPr>
+          <a:lstStyle/>
+          <a:p>
+            <a:r>
+              <a:rPr lang="ko-KR" altLang="en-US" sz="1200" dirty="0" smtClean="0"/>
+              <a:t>행위</a:t>
+            </a:r>
+            <a:endParaRPr lang="ko-KR" altLang="en-US" sz="1200" dirty="0"/>
+          </a:p>
+        </p:txBody>
+      </p:sp>
+    </p:spTree>
+    <p:extLst>
+      <p:ext uri="{BB962C8B-B14F-4D97-AF65-F5344CB8AC3E}">
+        <p14:creationId xmlns:p14="http://schemas.microsoft.com/office/powerpoint/2010/main" val="3599952427"/>
       </p:ext>
     </p:extLst>
   </p:cSld>

--- a/Books/DDDGuide/Docs/DDDGuide.pptx
+++ b/Books/DDDGuide/Docs/DDDGuide.pptx
@@ -9,6 +9,7 @@
     <p:sldId id="258" r:id="rId3"/>
     <p:sldId id="257" r:id="rId4"/>
     <p:sldId id="259" r:id="rId5"/>
+    <p:sldId id="260" r:id="rId6"/>
   </p:sldIdLst>
   <p:sldSz cx="12192000" cy="6858000"/>
   <p:notesSz cx="6858000" cy="9144000"/>
@@ -246,7 +247,7 @@
           <a:p>
             <a:fld id="{5BD86D01-E6F1-4B8A-A076-88F3526D0991}" type="datetimeFigureOut">
               <a:rPr lang="ko-KR" altLang="en-US" smtClean="0"/>
-              <a:t>2021-01-23</a:t>
+              <a:t>2021-01-24</a:t>
             </a:fld>
             <a:endParaRPr lang="ko-KR" altLang="en-US"/>
           </a:p>
@@ -416,7 +417,7 @@
           <a:p>
             <a:fld id="{5BD86D01-E6F1-4B8A-A076-88F3526D0991}" type="datetimeFigureOut">
               <a:rPr lang="ko-KR" altLang="en-US" smtClean="0"/>
-              <a:t>2021-01-23</a:t>
+              <a:t>2021-01-24</a:t>
             </a:fld>
             <a:endParaRPr lang="ko-KR" altLang="en-US"/>
           </a:p>
@@ -596,7 +597,7 @@
           <a:p>
             <a:fld id="{5BD86D01-E6F1-4B8A-A076-88F3526D0991}" type="datetimeFigureOut">
               <a:rPr lang="ko-KR" altLang="en-US" smtClean="0"/>
-              <a:t>2021-01-23</a:t>
+              <a:t>2021-01-24</a:t>
             </a:fld>
             <a:endParaRPr lang="ko-KR" altLang="en-US"/>
           </a:p>
@@ -766,7 +767,7 @@
           <a:p>
             <a:fld id="{5BD86D01-E6F1-4B8A-A076-88F3526D0991}" type="datetimeFigureOut">
               <a:rPr lang="ko-KR" altLang="en-US" smtClean="0"/>
-              <a:t>2021-01-23</a:t>
+              <a:t>2021-01-24</a:t>
             </a:fld>
             <a:endParaRPr lang="ko-KR" altLang="en-US"/>
           </a:p>
@@ -1012,7 +1013,7 @@
           <a:p>
             <a:fld id="{5BD86D01-E6F1-4B8A-A076-88F3526D0991}" type="datetimeFigureOut">
               <a:rPr lang="ko-KR" altLang="en-US" smtClean="0"/>
-              <a:t>2021-01-23</a:t>
+              <a:t>2021-01-24</a:t>
             </a:fld>
             <a:endParaRPr lang="ko-KR" altLang="en-US"/>
           </a:p>
@@ -1244,7 +1245,7 @@
           <a:p>
             <a:fld id="{5BD86D01-E6F1-4B8A-A076-88F3526D0991}" type="datetimeFigureOut">
               <a:rPr lang="ko-KR" altLang="en-US" smtClean="0"/>
-              <a:t>2021-01-23</a:t>
+              <a:t>2021-01-24</a:t>
             </a:fld>
             <a:endParaRPr lang="ko-KR" altLang="en-US"/>
           </a:p>
@@ -1611,7 +1612,7 @@
           <a:p>
             <a:fld id="{5BD86D01-E6F1-4B8A-A076-88F3526D0991}" type="datetimeFigureOut">
               <a:rPr lang="ko-KR" altLang="en-US" smtClean="0"/>
-              <a:t>2021-01-23</a:t>
+              <a:t>2021-01-24</a:t>
             </a:fld>
             <a:endParaRPr lang="ko-KR" altLang="en-US"/>
           </a:p>
@@ -1729,7 +1730,7 @@
           <a:p>
             <a:fld id="{5BD86D01-E6F1-4B8A-A076-88F3526D0991}" type="datetimeFigureOut">
               <a:rPr lang="ko-KR" altLang="en-US" smtClean="0"/>
-              <a:t>2021-01-23</a:t>
+              <a:t>2021-01-24</a:t>
             </a:fld>
             <a:endParaRPr lang="ko-KR" altLang="en-US"/>
           </a:p>
@@ -1824,7 +1825,7 @@
           <a:p>
             <a:fld id="{5BD86D01-E6F1-4B8A-A076-88F3526D0991}" type="datetimeFigureOut">
               <a:rPr lang="ko-KR" altLang="en-US" smtClean="0"/>
-              <a:t>2021-01-23</a:t>
+              <a:t>2021-01-24</a:t>
             </a:fld>
             <a:endParaRPr lang="ko-KR" altLang="en-US"/>
           </a:p>
@@ -2101,7 +2102,7 @@
           <a:p>
             <a:fld id="{5BD86D01-E6F1-4B8A-A076-88F3526D0991}" type="datetimeFigureOut">
               <a:rPr lang="ko-KR" altLang="en-US" smtClean="0"/>
-              <a:t>2021-01-23</a:t>
+              <a:t>2021-01-24</a:t>
             </a:fld>
             <a:endParaRPr lang="ko-KR" altLang="en-US"/>
           </a:p>
@@ -2354,7 +2355,7 @@
           <a:p>
             <a:fld id="{5BD86D01-E6F1-4B8A-A076-88F3526D0991}" type="datetimeFigureOut">
               <a:rPr lang="ko-KR" altLang="en-US" smtClean="0"/>
-              <a:t>2021-01-23</a:t>
+              <a:t>2021-01-24</a:t>
             </a:fld>
             <a:endParaRPr lang="ko-KR" altLang="en-US"/>
           </a:p>
@@ -2567,7 +2568,7 @@
           <a:p>
             <a:fld id="{5BD86D01-E6F1-4B8A-A076-88F3526D0991}" type="datetimeFigureOut">
               <a:rPr lang="ko-KR" altLang="en-US" smtClean="0"/>
-              <a:t>2021-01-23</a:t>
+              <a:t>2021-01-24</a:t>
             </a:fld>
             <a:endParaRPr lang="ko-KR" altLang="en-US"/>
           </a:p>
@@ -6539,6 +6540,114 @@
       </p:grpSpPr>
       <p:sp>
         <p:nvSpPr>
+          <p:cNvPr id="7" name="타원 6"/>
+          <p:cNvSpPr/>
+          <p:nvPr/>
+        </p:nvSpPr>
+        <p:spPr>
+          <a:xfrm>
+            <a:off x="8436882" y="1894770"/>
+            <a:ext cx="726880" cy="719805"/>
+          </a:xfrm>
+          <a:prstGeom prst="ellipse">
+            <a:avLst/>
+          </a:prstGeom>
+          <a:solidFill>
+            <a:schemeClr val="accent1">
+              <a:lumMod val="20000"/>
+              <a:lumOff val="80000"/>
+            </a:schemeClr>
+          </a:solidFill>
+          <a:ln>
+            <a:solidFill>
+              <a:schemeClr val="accent1">
+                <a:lumMod val="20000"/>
+                <a:lumOff val="80000"/>
+              </a:schemeClr>
+            </a:solidFill>
+          </a:ln>
+        </p:spPr>
+        <p:style>
+          <a:lnRef idx="2">
+            <a:schemeClr val="accent1">
+              <a:shade val="50000"/>
+            </a:schemeClr>
+          </a:lnRef>
+          <a:fillRef idx="1">
+            <a:schemeClr val="accent1"/>
+          </a:fillRef>
+          <a:effectRef idx="0">
+            <a:schemeClr val="accent1"/>
+          </a:effectRef>
+          <a:fontRef idx="minor">
+            <a:schemeClr val="lt1"/>
+          </a:fontRef>
+        </p:style>
+        <p:txBody>
+          <a:bodyPr rtlCol="0" anchor="ctr"/>
+          <a:lstStyle/>
+          <a:p>
+            <a:pPr algn="ctr"/>
+            <a:endParaRPr lang="ko-KR" altLang="en-US"/>
+          </a:p>
+        </p:txBody>
+      </p:sp>
+      <p:sp>
+        <p:nvSpPr>
+          <p:cNvPr id="28" name="타원 27"/>
+          <p:cNvSpPr/>
+          <p:nvPr/>
+        </p:nvSpPr>
+        <p:spPr>
+          <a:xfrm>
+            <a:off x="9301770" y="1894489"/>
+            <a:ext cx="726880" cy="719805"/>
+          </a:xfrm>
+          <a:prstGeom prst="ellipse">
+            <a:avLst/>
+          </a:prstGeom>
+          <a:solidFill>
+            <a:schemeClr val="accent1">
+              <a:lumMod val="20000"/>
+              <a:lumOff val="80000"/>
+            </a:schemeClr>
+          </a:solidFill>
+          <a:ln>
+            <a:solidFill>
+              <a:schemeClr val="accent1">
+                <a:lumMod val="20000"/>
+                <a:lumOff val="80000"/>
+              </a:schemeClr>
+            </a:solidFill>
+          </a:ln>
+        </p:spPr>
+        <p:style>
+          <a:lnRef idx="2">
+            <a:schemeClr val="accent1">
+              <a:shade val="50000"/>
+            </a:schemeClr>
+          </a:lnRef>
+          <a:fillRef idx="1">
+            <a:schemeClr val="accent1"/>
+          </a:fillRef>
+          <a:effectRef idx="0">
+            <a:schemeClr val="accent1"/>
+          </a:effectRef>
+          <a:fontRef idx="minor">
+            <a:schemeClr val="lt1"/>
+          </a:fontRef>
+        </p:style>
+        <p:txBody>
+          <a:bodyPr rtlCol="0" anchor="ctr"/>
+          <a:lstStyle/>
+          <a:p>
+            <a:pPr algn="ctr"/>
+            <a:endParaRPr lang="ko-KR" altLang="en-US"/>
+          </a:p>
+        </p:txBody>
+      </p:sp>
+      <p:sp>
+        <p:nvSpPr>
           <p:cNvPr id="33" name="직사각형 32"/>
           <p:cNvSpPr/>
           <p:nvPr/>
@@ -7056,94 +7165,6 @@
       </p:sp>
       <p:sp>
         <p:nvSpPr>
-          <p:cNvPr id="12" name="TextBox 11"/>
-          <p:cNvSpPr txBox="1"/>
-          <p:nvPr/>
-        </p:nvSpPr>
-        <p:spPr>
-          <a:xfrm>
-            <a:off x="8881623" y="2656062"/>
-            <a:ext cx="840295" cy="276999"/>
-          </a:xfrm>
-          <a:prstGeom prst="rect">
-            <a:avLst/>
-          </a:prstGeom>
-          <a:noFill/>
-        </p:spPr>
-        <p:txBody>
-          <a:bodyPr wrap="none" rtlCol="0">
-            <a:spAutoFit/>
-          </a:bodyPr>
-          <a:lstStyle/>
-          <a:p>
-            <a:r>
-              <a:rPr lang="ko-KR" altLang="en-US" sz="1200" dirty="0" smtClean="0"/>
-              <a:t>가변이다</a:t>
-            </a:r>
-            <a:r>
-              <a:rPr lang="en-US" altLang="ko-KR" sz="1200" dirty="0" smtClean="0"/>
-              <a:t>.</a:t>
-            </a:r>
-            <a:endParaRPr lang="ko-KR" altLang="en-US" sz="1200" dirty="0"/>
-          </a:p>
-        </p:txBody>
-      </p:sp>
-      <p:sp>
-        <p:nvSpPr>
-          <p:cNvPr id="14" name="TextBox 13"/>
-          <p:cNvSpPr txBox="1"/>
-          <p:nvPr/>
-        </p:nvSpPr>
-        <p:spPr>
-          <a:xfrm>
-            <a:off x="8881623" y="3031059"/>
-            <a:ext cx="2727029" cy="276999"/>
-          </a:xfrm>
-          <a:prstGeom prst="rect">
-            <a:avLst/>
-          </a:prstGeom>
-          <a:noFill/>
-        </p:spPr>
-        <p:txBody>
-          <a:bodyPr wrap="none" rtlCol="0">
-            <a:spAutoFit/>
-          </a:bodyPr>
-          <a:lstStyle/>
-          <a:p>
-            <a:r>
-              <a:rPr lang="ko-KR" altLang="en-US" sz="1200" dirty="0" smtClean="0"/>
-              <a:t>동일성</a:t>
-            </a:r>
-            <a:r>
-              <a:rPr lang="en-US" altLang="ko-KR" sz="1200" dirty="0" smtClean="0"/>
-              <a:t>(</a:t>
-            </a:r>
-            <a:r>
-              <a:rPr lang="ko-KR" altLang="en-US" sz="1200" dirty="0" err="1" smtClean="0"/>
-              <a:t>식별자</a:t>
-            </a:r>
-            <a:r>
-              <a:rPr lang="ko-KR" altLang="en-US" sz="1200" dirty="0" smtClean="0"/>
-              <a:t> </a:t>
-            </a:r>
-            <a:r>
-              <a:rPr lang="en-US" altLang="ko-KR" sz="1200" dirty="0" smtClean="0"/>
-              <a:t>: Identity)</a:t>
-            </a:r>
-            <a:r>
-              <a:rPr lang="ko-KR" altLang="en-US" sz="1200" dirty="0" smtClean="0"/>
-              <a:t>로 구별된다</a:t>
-            </a:r>
-            <a:r>
-              <a:rPr lang="en-US" altLang="ko-KR" sz="1200" dirty="0" smtClean="0"/>
-              <a:t>.</a:t>
-            </a:r>
-            <a:endParaRPr lang="ko-KR" altLang="en-US" sz="1200" dirty="0"/>
-          </a:p>
-        </p:txBody>
-      </p:sp>
-      <p:sp>
-        <p:nvSpPr>
           <p:cNvPr id="15" name="왼쪽 중괄호 14"/>
           <p:cNvSpPr/>
           <p:nvPr/>
@@ -7789,6 +7810,184 @@
           </a:p>
         </p:txBody>
       </p:sp>
+      <p:cxnSp>
+        <p:nvCxnSpPr>
+          <p:cNvPr id="13" name="구부러진 연결선 12"/>
+          <p:cNvCxnSpPr>
+            <a:stCxn id="7" idx="4"/>
+            <a:endCxn id="28" idx="4"/>
+          </p:cNvCxnSpPr>
+          <p:nvPr/>
+        </p:nvCxnSpPr>
+        <p:spPr>
+          <a:xfrm rot="5400000" flipH="1" flipV="1">
+            <a:off x="9232625" y="2181991"/>
+            <a:ext cx="281" cy="864888"/>
+          </a:xfrm>
+          <a:prstGeom prst="curvedConnector3">
+            <a:avLst>
+              <a:gd name="adj1" fmla="val -138037367"/>
+            </a:avLst>
+          </a:prstGeom>
+          <a:ln w="76200">
+            <a:solidFill>
+              <a:srgbClr val="0070C0"/>
+            </a:solidFill>
+            <a:tailEnd type="triangle" w="sm" len="sm"/>
+          </a:ln>
+        </p:spPr>
+        <p:style>
+          <a:lnRef idx="1">
+            <a:schemeClr val="accent1"/>
+          </a:lnRef>
+          <a:fillRef idx="0">
+            <a:schemeClr val="accent1"/>
+          </a:fillRef>
+          <a:effectRef idx="0">
+            <a:schemeClr val="accent1"/>
+          </a:effectRef>
+          <a:fontRef idx="minor">
+            <a:schemeClr val="tx1"/>
+          </a:fontRef>
+        </p:style>
+      </p:cxnSp>
+      <p:grpSp>
+        <p:nvGrpSpPr>
+          <p:cNvPr id="40" name="그룹 39"/>
+          <p:cNvGrpSpPr/>
+          <p:nvPr/>
+        </p:nvGrpSpPr>
+        <p:grpSpPr>
+          <a:xfrm>
+            <a:off x="8902419" y="2686334"/>
+            <a:ext cx="630938" cy="629104"/>
+            <a:chOff x="8902419" y="2686334"/>
+            <a:chExt cx="630938" cy="629104"/>
+          </a:xfrm>
+        </p:grpSpPr>
+        <p:sp>
+          <p:nvSpPr>
+            <p:cNvPr id="39" name="타원 38"/>
+            <p:cNvSpPr/>
+            <p:nvPr/>
+          </p:nvSpPr>
+          <p:spPr>
+            <a:xfrm>
+              <a:off x="8902419" y="2686334"/>
+              <a:ext cx="630938" cy="629104"/>
+            </a:xfrm>
+            <a:prstGeom prst="ellipse">
+              <a:avLst/>
+            </a:prstGeom>
+            <a:solidFill>
+              <a:srgbClr val="0070C0"/>
+            </a:solidFill>
+            <a:ln>
+              <a:solidFill>
+                <a:srgbClr val="0070C0"/>
+              </a:solidFill>
+            </a:ln>
+          </p:spPr>
+          <p:style>
+            <a:lnRef idx="2">
+              <a:schemeClr val="accent1">
+                <a:shade val="50000"/>
+              </a:schemeClr>
+            </a:lnRef>
+            <a:fillRef idx="1">
+              <a:schemeClr val="accent1"/>
+            </a:fillRef>
+            <a:effectRef idx="0">
+              <a:schemeClr val="accent1"/>
+            </a:effectRef>
+            <a:fontRef idx="minor">
+              <a:schemeClr val="lt1"/>
+            </a:fontRef>
+          </p:style>
+          <p:txBody>
+            <a:bodyPr rtlCol="0" anchor="ctr"/>
+            <a:lstStyle/>
+            <a:p>
+              <a:pPr algn="ctr"/>
+              <a:endParaRPr lang="ko-KR" altLang="en-US"/>
+            </a:p>
+          </p:txBody>
+        </p:sp>
+        <p:sp>
+          <p:nvSpPr>
+            <p:cNvPr id="12" name="TextBox 11"/>
+            <p:cNvSpPr txBox="1"/>
+            <p:nvPr/>
+          </p:nvSpPr>
+          <p:spPr>
+            <a:xfrm>
+              <a:off x="8976476" y="2712346"/>
+              <a:ext cx="482824" cy="577081"/>
+            </a:xfrm>
+            <a:prstGeom prst="rect">
+              <a:avLst/>
+            </a:prstGeom>
+            <a:noFill/>
+            <a:ln>
+              <a:noFill/>
+            </a:ln>
+          </p:spPr>
+          <p:txBody>
+            <a:bodyPr wrap="none" rtlCol="0">
+              <a:spAutoFit/>
+            </a:bodyPr>
+            <a:lstStyle/>
+            <a:p>
+              <a:pPr algn="ctr">
+                <a:lnSpc>
+                  <a:spcPct val="150000"/>
+                </a:lnSpc>
+              </a:pPr>
+              <a:r>
+                <a:rPr lang="ko-KR" altLang="en-US" sz="1050" b="1" dirty="0" smtClean="0">
+                  <a:solidFill>
+                    <a:schemeClr val="bg1"/>
+                  </a:solidFill>
+                </a:rPr>
+                <a:t>가변</a:t>
+              </a:r>
+              <a:endParaRPr lang="en-US" altLang="ko-KR" sz="1050" b="1" dirty="0" smtClean="0">
+                <a:solidFill>
+                  <a:schemeClr val="bg1"/>
+                </a:solidFill>
+              </a:endParaRPr>
+            </a:p>
+            <a:p>
+              <a:pPr algn="ctr">
+                <a:lnSpc>
+                  <a:spcPct val="150000"/>
+                </a:lnSpc>
+              </a:pPr>
+              <a:r>
+                <a:rPr lang="ko-KR" altLang="en-US" sz="1050" dirty="0" smtClean="0">
+                  <a:solidFill>
+                    <a:schemeClr val="bg1"/>
+                  </a:solidFill>
+                </a:rPr>
+                <a:t>이다</a:t>
+              </a:r>
+              <a:r>
+                <a:rPr lang="en-US" altLang="ko-KR" sz="1050" dirty="0" smtClean="0">
+                  <a:solidFill>
+                    <a:schemeClr val="bg1"/>
+                  </a:solidFill>
+                </a:rPr>
+                <a:t>.</a:t>
+              </a:r>
+              <a:endParaRPr lang="ko-KR" altLang="en-US" sz="1050" dirty="0">
+                <a:solidFill>
+                  <a:schemeClr val="bg1"/>
+                </a:solidFill>
+              </a:endParaRPr>
+            </a:p>
+          </p:txBody>
+        </p:sp>
+      </p:grpSp>
     </p:spTree>
     <p:extLst>
       <p:ext uri="{BB962C8B-B14F-4D97-AF65-F5344CB8AC3E}">
@@ -7828,13 +8027,283 @@
       </p:grpSpPr>
       <p:sp>
         <p:nvSpPr>
+          <p:cNvPr id="28" name="직사각형 27"/>
+          <p:cNvSpPr/>
+          <p:nvPr/>
+        </p:nvSpPr>
+        <p:spPr>
+          <a:xfrm>
+            <a:off x="7423427" y="363452"/>
+            <a:ext cx="950742" cy="1431128"/>
+          </a:xfrm>
+          <a:prstGeom prst="rect">
+            <a:avLst/>
+          </a:prstGeom>
+          <a:solidFill>
+            <a:schemeClr val="accent4">
+              <a:lumMod val="20000"/>
+              <a:lumOff val="80000"/>
+            </a:schemeClr>
+          </a:solidFill>
+          <a:ln>
+            <a:solidFill>
+              <a:schemeClr val="accent4">
+                <a:lumMod val="20000"/>
+                <a:lumOff val="80000"/>
+              </a:schemeClr>
+            </a:solidFill>
+          </a:ln>
+        </p:spPr>
+        <p:style>
+          <a:lnRef idx="2">
+            <a:schemeClr val="accent1">
+              <a:shade val="50000"/>
+            </a:schemeClr>
+          </a:lnRef>
+          <a:fillRef idx="1">
+            <a:schemeClr val="accent1"/>
+          </a:fillRef>
+          <a:effectRef idx="0">
+            <a:schemeClr val="accent1"/>
+          </a:effectRef>
+          <a:fontRef idx="minor">
+            <a:schemeClr val="lt1"/>
+          </a:fontRef>
+        </p:style>
+        <p:txBody>
+          <a:bodyPr rtlCol="0" anchor="ctr"/>
+          <a:lstStyle/>
+          <a:p>
+            <a:pPr algn="ctr"/>
+            <a:endParaRPr lang="ko-KR" altLang="en-US"/>
+          </a:p>
+        </p:txBody>
+      </p:sp>
+      <p:sp>
+        <p:nvSpPr>
+          <p:cNvPr id="29" name="직사각형 28"/>
+          <p:cNvSpPr/>
+          <p:nvPr/>
+        </p:nvSpPr>
+        <p:spPr>
+          <a:xfrm>
+            <a:off x="8961037" y="363452"/>
+            <a:ext cx="595835" cy="1431128"/>
+          </a:xfrm>
+          <a:prstGeom prst="rect">
+            <a:avLst/>
+          </a:prstGeom>
+          <a:solidFill>
+            <a:schemeClr val="accent4">
+              <a:lumMod val="20000"/>
+              <a:lumOff val="80000"/>
+            </a:schemeClr>
+          </a:solidFill>
+          <a:ln>
+            <a:solidFill>
+              <a:schemeClr val="accent4">
+                <a:lumMod val="20000"/>
+                <a:lumOff val="80000"/>
+              </a:schemeClr>
+            </a:solidFill>
+          </a:ln>
+        </p:spPr>
+        <p:style>
+          <a:lnRef idx="2">
+            <a:schemeClr val="accent1">
+              <a:shade val="50000"/>
+            </a:schemeClr>
+          </a:lnRef>
+          <a:fillRef idx="1">
+            <a:schemeClr val="accent1"/>
+          </a:fillRef>
+          <a:effectRef idx="0">
+            <a:schemeClr val="accent1"/>
+          </a:effectRef>
+          <a:fontRef idx="minor">
+            <a:schemeClr val="lt1"/>
+          </a:fontRef>
+        </p:style>
+        <p:txBody>
+          <a:bodyPr rtlCol="0" anchor="ctr"/>
+          <a:lstStyle/>
+          <a:p>
+            <a:pPr algn="ctr"/>
+            <a:endParaRPr lang="ko-KR" altLang="en-US"/>
+          </a:p>
+        </p:txBody>
+      </p:sp>
+      <p:sp>
+        <p:nvSpPr>
+          <p:cNvPr id="7" name="직사각형 6"/>
+          <p:cNvSpPr/>
+          <p:nvPr/>
+        </p:nvSpPr>
+        <p:spPr>
+          <a:xfrm>
+            <a:off x="6619925" y="363452"/>
+            <a:ext cx="595835" cy="1431128"/>
+          </a:xfrm>
+          <a:prstGeom prst="rect">
+            <a:avLst/>
+          </a:prstGeom>
+          <a:solidFill>
+            <a:schemeClr val="accent4">
+              <a:lumMod val="20000"/>
+              <a:lumOff val="80000"/>
+            </a:schemeClr>
+          </a:solidFill>
+          <a:ln>
+            <a:solidFill>
+              <a:schemeClr val="accent4">
+                <a:lumMod val="20000"/>
+                <a:lumOff val="80000"/>
+              </a:schemeClr>
+            </a:solidFill>
+          </a:ln>
+        </p:spPr>
+        <p:style>
+          <a:lnRef idx="2">
+            <a:schemeClr val="accent1">
+              <a:shade val="50000"/>
+            </a:schemeClr>
+          </a:lnRef>
+          <a:fillRef idx="1">
+            <a:schemeClr val="accent1"/>
+          </a:fillRef>
+          <a:effectRef idx="0">
+            <a:schemeClr val="accent1"/>
+          </a:effectRef>
+          <a:fontRef idx="minor">
+            <a:schemeClr val="lt1"/>
+          </a:fontRef>
+        </p:style>
+        <p:txBody>
+          <a:bodyPr rtlCol="0" anchor="ctr"/>
+          <a:lstStyle/>
+          <a:p>
+            <a:pPr algn="ctr"/>
+            <a:endParaRPr lang="ko-KR" altLang="en-US"/>
+          </a:p>
+        </p:txBody>
+      </p:sp>
+      <p:sp>
+        <p:nvSpPr>
+          <p:cNvPr id="22" name="타원 21"/>
+          <p:cNvSpPr/>
+          <p:nvPr/>
+        </p:nvSpPr>
+        <p:spPr>
+          <a:xfrm>
+            <a:off x="6206965" y="2750398"/>
+            <a:ext cx="418854" cy="419100"/>
+          </a:xfrm>
+          <a:prstGeom prst="ellipse">
+            <a:avLst/>
+          </a:prstGeom>
+          <a:solidFill>
+            <a:schemeClr val="accent1">
+              <a:lumMod val="20000"/>
+              <a:lumOff val="80000"/>
+            </a:schemeClr>
+          </a:solidFill>
+          <a:ln>
+            <a:solidFill>
+              <a:schemeClr val="accent1">
+                <a:lumMod val="20000"/>
+                <a:lumOff val="80000"/>
+              </a:schemeClr>
+            </a:solidFill>
+          </a:ln>
+        </p:spPr>
+        <p:style>
+          <a:lnRef idx="2">
+            <a:schemeClr val="accent1">
+              <a:shade val="50000"/>
+            </a:schemeClr>
+          </a:lnRef>
+          <a:fillRef idx="1">
+            <a:schemeClr val="accent1"/>
+          </a:fillRef>
+          <a:effectRef idx="0">
+            <a:schemeClr val="accent1"/>
+          </a:effectRef>
+          <a:fontRef idx="minor">
+            <a:schemeClr val="lt1"/>
+          </a:fontRef>
+        </p:style>
+        <p:txBody>
+          <a:bodyPr rtlCol="0" anchor="ctr"/>
+          <a:lstStyle/>
+          <a:p>
+            <a:pPr algn="ctr"/>
+            <a:endParaRPr lang="ko-KR" altLang="en-US"/>
+          </a:p>
+        </p:txBody>
+      </p:sp>
+      <p:sp>
+        <p:nvSpPr>
+          <p:cNvPr id="3" name="타원 2"/>
+          <p:cNvSpPr/>
+          <p:nvPr/>
+        </p:nvSpPr>
+        <p:spPr>
+          <a:xfrm>
+            <a:off x="6689355" y="2454104"/>
+            <a:ext cx="418854" cy="419100"/>
+          </a:xfrm>
+          <a:prstGeom prst="ellipse">
+            <a:avLst/>
+          </a:prstGeom>
+          <a:solidFill>
+            <a:schemeClr val="accent2">
+              <a:lumMod val="20000"/>
+              <a:lumOff val="80000"/>
+            </a:schemeClr>
+          </a:solidFill>
+          <a:ln>
+            <a:solidFill>
+              <a:schemeClr val="accent2">
+                <a:lumMod val="20000"/>
+                <a:lumOff val="80000"/>
+              </a:schemeClr>
+            </a:solidFill>
+          </a:ln>
+        </p:spPr>
+        <p:style>
+          <a:lnRef idx="2">
+            <a:schemeClr val="accent1">
+              <a:shade val="50000"/>
+            </a:schemeClr>
+          </a:lnRef>
+          <a:fillRef idx="1">
+            <a:schemeClr val="accent1"/>
+          </a:fillRef>
+          <a:effectRef idx="0">
+            <a:schemeClr val="accent1"/>
+          </a:effectRef>
+          <a:fontRef idx="minor">
+            <a:schemeClr val="lt1"/>
+          </a:fontRef>
+        </p:style>
+        <p:txBody>
+          <a:bodyPr rtlCol="0" anchor="ctr"/>
+          <a:lstStyle/>
+          <a:p>
+            <a:pPr algn="ctr"/>
+            <a:endParaRPr lang="ko-KR" altLang="en-US"/>
+          </a:p>
+        </p:txBody>
+      </p:sp>
+      <p:sp>
+        <p:nvSpPr>
           <p:cNvPr id="17" name="아래쪽 화살표 16"/>
           <p:cNvSpPr/>
           <p:nvPr/>
         </p:nvSpPr>
         <p:spPr>
           <a:xfrm rot="10800000">
-            <a:off x="3232918" y="738347"/>
+            <a:off x="2845187" y="805464"/>
             <a:ext cx="1292225" cy="5689084"/>
           </a:xfrm>
           <a:prstGeom prst="downArrow">
@@ -7888,7 +8357,7 @@
         </p:nvSpPr>
         <p:spPr>
           <a:xfrm>
-            <a:off x="3053323" y="705449"/>
+            <a:off x="2665592" y="772566"/>
             <a:ext cx="1651414" cy="369332"/>
           </a:xfrm>
           <a:prstGeom prst="rect">
@@ -7918,8 +8387,8 @@
         </p:nvSpPr>
         <p:spPr>
           <a:xfrm>
-            <a:off x="6108410" y="2147718"/>
-            <a:ext cx="4754828" cy="923330"/>
+            <a:off x="4503272" y="2131201"/>
+            <a:ext cx="4754828" cy="1015663"/>
           </a:xfrm>
           <a:prstGeom prst="rect">
             <a:avLst/>
@@ -7969,12 +8438,24 @@
           <a:p>
             <a:pPr>
               <a:lnSpc>
-                <a:spcPct val="150000"/>
+                <a:spcPct val="200000"/>
               </a:lnSpc>
             </a:pPr>
             <a:r>
               <a:rPr lang="ko-KR" altLang="en-US" sz="1200" dirty="0" smtClean="0"/>
-              <a:t>도메인 객체가 데이터베이스를 직접 다루는 것은 바람직하지 않다</a:t>
+              <a:t>도메인 객체가 데이터베이스를 </a:t>
+            </a:r>
+            <a:r>
+              <a:rPr lang="ko-KR" altLang="en-US" sz="1200" b="1" dirty="0" smtClean="0">
+                <a:solidFill>
+                  <a:srgbClr val="C00000"/>
+                </a:solidFill>
+              </a:rPr>
+              <a:t>직접</a:t>
+            </a:r>
+            <a:r>
+              <a:rPr lang="ko-KR" altLang="en-US" sz="1200" dirty="0" smtClean="0"/>
+              <a:t> 다루는 것은 바람직하지 않다</a:t>
             </a:r>
             <a:r>
               <a:rPr lang="en-US" altLang="ko-KR" sz="1200" dirty="0" smtClean="0"/>
@@ -8009,7 +8490,31 @@
                   <a:srgbClr val="0070C0"/>
                 </a:solidFill>
               </a:rPr>
-              <a:t> 패턴으로 간접적으로 접근한다</a:t>
+              <a:t> 패턴으로 </a:t>
+            </a:r>
+            <a:r>
+              <a:rPr lang="ko-KR" altLang="en-US" sz="1200" b="1" dirty="0" smtClean="0">
+                <a:solidFill>
+                  <a:srgbClr val="0070C0"/>
+                </a:solidFill>
+              </a:rPr>
+              <a:t>간접</a:t>
+            </a:r>
+            <a:r>
+              <a:rPr lang="ko-KR" altLang="en-US" sz="1200" dirty="0" smtClean="0">
+                <a:solidFill>
+                  <a:srgbClr val="0070C0"/>
+                </a:solidFill>
+              </a:rPr>
+              <a:t>적으로 </a:t>
+            </a:r>
+            <a:r>
+              <a:rPr lang="ko-KR" altLang="en-US" sz="1200" dirty="0" smtClean="0">
+                <a:solidFill>
+                  <a:srgbClr val="0070C0"/>
+                </a:solidFill>
+              </a:rPr>
+              <a:t>접근해야 한다</a:t>
             </a:r>
             <a:r>
               <a:rPr lang="en-US" altLang="ko-KR" sz="1200" dirty="0" smtClean="0">
@@ -8035,7 +8540,7 @@
         </p:nvSpPr>
         <p:spPr>
           <a:xfrm>
-            <a:off x="2834757" y="3582889"/>
+            <a:off x="2447026" y="3650006"/>
             <a:ext cx="4905060" cy="276999"/>
           </a:xfrm>
           <a:prstGeom prst="rect">
@@ -8096,7 +8601,7 @@
         </p:nvSpPr>
         <p:spPr>
           <a:xfrm>
-            <a:off x="2029597" y="1888172"/>
+            <a:off x="1641866" y="1955289"/>
             <a:ext cx="1054100" cy="419100"/>
           </a:xfrm>
           <a:prstGeom prst="rect">
@@ -8138,7 +8643,7 @@
         </p:nvSpPr>
         <p:spPr>
           <a:xfrm>
-            <a:off x="2029597" y="2399833"/>
+            <a:off x="1641866" y="2466950"/>
             <a:ext cx="1054100" cy="419100"/>
           </a:xfrm>
           <a:prstGeom prst="rect">
@@ -8180,7 +8685,7 @@
         </p:nvSpPr>
         <p:spPr>
           <a:xfrm>
-            <a:off x="2029597" y="2911494"/>
+            <a:off x="1641866" y="2978611"/>
             <a:ext cx="1054100" cy="419100"/>
           </a:xfrm>
           <a:prstGeom prst="rect">
@@ -8222,7 +8727,7 @@
         </p:nvSpPr>
         <p:spPr>
           <a:xfrm>
-            <a:off x="2029597" y="1371889"/>
+            <a:off x="1641866" y="1439006"/>
             <a:ext cx="1054100" cy="419100"/>
           </a:xfrm>
           <a:prstGeom prst="rect">
@@ -8264,7 +8769,7 @@
         </p:nvSpPr>
         <p:spPr>
           <a:xfrm>
-            <a:off x="1328763" y="3903955"/>
+            <a:off x="941032" y="3971072"/>
             <a:ext cx="3623108" cy="276999"/>
           </a:xfrm>
           <a:prstGeom prst="rect">
@@ -8317,8 +8822,8 @@
         </p:nvSpPr>
         <p:spPr>
           <a:xfrm>
-            <a:off x="2207396" y="4994907"/>
-            <a:ext cx="3568606" cy="369332"/>
+            <a:off x="1819665" y="5062024"/>
+            <a:ext cx="3414717" cy="369332"/>
           </a:xfrm>
           <a:prstGeom prst="rect">
             <a:avLst/>
@@ -8362,7 +8867,7 @@
             </a:r>
             <a:r>
               <a:rPr lang="ko-KR" altLang="en-US" sz="1200" dirty="0" smtClean="0"/>
-              <a:t>하는 행동만을 정의한다</a:t>
+              <a:t>하는 행동을 정의한다</a:t>
             </a:r>
             <a:r>
               <a:rPr lang="en-US" altLang="ko-KR" sz="1200" dirty="0" smtClean="0"/>
@@ -8379,7 +8884,7 @@
         </p:nvSpPr>
         <p:spPr>
           <a:xfrm>
-            <a:off x="5975278" y="4994907"/>
+            <a:off x="5587547" y="5062024"/>
             <a:ext cx="4605748" cy="600164"/>
           </a:xfrm>
           <a:prstGeom prst="rect">
@@ -8525,7 +9030,7 @@
         </p:nvSpPr>
         <p:spPr>
           <a:xfrm>
-            <a:off x="3168743" y="5857125"/>
+            <a:off x="2781012" y="5924242"/>
             <a:ext cx="1420582" cy="369332"/>
           </a:xfrm>
           <a:prstGeom prst="rect">
@@ -8555,8 +9060,8 @@
         </p:nvSpPr>
         <p:spPr>
           <a:xfrm>
-            <a:off x="1328763" y="4225022"/>
-            <a:ext cx="4084773" cy="276999"/>
+            <a:off x="941032" y="4292139"/>
+            <a:ext cx="5041765" cy="276999"/>
           </a:xfrm>
           <a:prstGeom prst="rect">
             <a:avLst/>
@@ -8575,6 +9080,14 @@
             </a:r>
             <a:r>
               <a:rPr lang="ko-KR" altLang="en-US" sz="1200" b="1" dirty="0" smtClean="0"/>
+              <a:t>어색한 행동 </a:t>
+            </a:r>
+            <a:r>
+              <a:rPr lang="en-US" altLang="ko-KR" sz="1200" b="1" dirty="0" smtClean="0"/>
+              <a:t>: </a:t>
+            </a:r>
+            <a:r>
+              <a:rPr lang="ko-KR" altLang="en-US" sz="1200" b="1" dirty="0" smtClean="0"/>
               <a:t>특정 </a:t>
             </a:r>
             <a:r>
@@ -8604,7 +9117,7 @@
         </p:nvSpPr>
         <p:spPr>
           <a:xfrm>
-            <a:off x="2969397" y="2008822"/>
+            <a:off x="2581666" y="2075939"/>
             <a:ext cx="1819274" cy="1143972"/>
           </a:xfrm>
           <a:prstGeom prst="rect">
@@ -8671,7 +9184,7 @@
         </p:nvSpPr>
         <p:spPr>
           <a:xfrm>
-            <a:off x="3991699" y="430570"/>
+            <a:off x="3603968" y="497687"/>
             <a:ext cx="492443" cy="276999"/>
           </a:xfrm>
           <a:prstGeom prst="rect">
@@ -8690,6 +9203,244 @@
               <a:t>행위</a:t>
             </a:r>
             <a:endParaRPr lang="ko-KR" altLang="en-US" sz="1200" dirty="0"/>
+          </a:p>
+        </p:txBody>
+      </p:sp>
+      <p:sp>
+        <p:nvSpPr>
+          <p:cNvPr id="4" name="TextBox 3"/>
+          <p:cNvSpPr txBox="1"/>
+          <p:nvPr/>
+        </p:nvSpPr>
+        <p:spPr>
+          <a:xfrm>
+            <a:off x="6584307" y="525147"/>
+            <a:ext cx="4666662" cy="307777"/>
+          </a:xfrm>
+          <a:prstGeom prst="rect">
+            <a:avLst/>
+          </a:prstGeom>
+          <a:noFill/>
+        </p:spPr>
+        <p:txBody>
+          <a:bodyPr wrap="none" rtlCol="0">
+            <a:spAutoFit/>
+          </a:bodyPr>
+          <a:lstStyle/>
+          <a:p>
+            <a:r>
+              <a:rPr lang="ko-KR" altLang="en-US" sz="1400" b="1" dirty="0" smtClean="0"/>
+              <a:t>서비스</a:t>
+            </a:r>
+            <a:r>
+              <a:rPr lang="ko-KR" altLang="en-US" sz="1400" dirty="0" smtClean="0"/>
+              <a:t>는 </a:t>
+            </a:r>
+            <a:r>
+              <a:rPr lang="ko-KR" altLang="en-US" sz="1400" b="1" dirty="0" smtClean="0"/>
+              <a:t>클라이언트</a:t>
+            </a:r>
+            <a:r>
+              <a:rPr lang="ko-KR" altLang="en-US" sz="1400" dirty="0" smtClean="0"/>
+              <a:t>를 위해 </a:t>
+            </a:r>
+            <a:r>
+              <a:rPr lang="ko-KR" altLang="en-US" sz="1400" b="1" dirty="0" err="1" smtClean="0"/>
+              <a:t>무엇가</a:t>
+            </a:r>
+            <a:r>
+              <a:rPr lang="ko-KR" altLang="en-US" sz="1400" dirty="0" err="1" smtClean="0"/>
+              <a:t>를</a:t>
+            </a:r>
+            <a:r>
+              <a:rPr lang="ko-KR" altLang="en-US" sz="1400" dirty="0" smtClean="0"/>
+              <a:t> 해주는 객체이다</a:t>
+            </a:r>
+            <a:r>
+              <a:rPr lang="en-US" altLang="ko-KR" sz="1400" dirty="0" smtClean="0"/>
+              <a:t>.</a:t>
+            </a:r>
+            <a:endParaRPr lang="ko-KR" altLang="en-US" sz="1400" dirty="0"/>
+          </a:p>
+        </p:txBody>
+      </p:sp>
+      <p:sp>
+        <p:nvSpPr>
+          <p:cNvPr id="6" name="TextBox 5"/>
+          <p:cNvSpPr txBox="1"/>
+          <p:nvPr/>
+        </p:nvSpPr>
+        <p:spPr>
+          <a:xfrm>
+            <a:off x="7722307" y="1066297"/>
+            <a:ext cx="352982" cy="261610"/>
+          </a:xfrm>
+          <a:prstGeom prst="rect">
+            <a:avLst/>
+          </a:prstGeom>
+          <a:noFill/>
+        </p:spPr>
+        <p:txBody>
+          <a:bodyPr wrap="none" rtlCol="0">
+            <a:spAutoFit/>
+          </a:bodyPr>
+          <a:lstStyle/>
+          <a:p>
+            <a:r>
+              <a:rPr lang="en-US" altLang="ko-KR" sz="1050" dirty="0" smtClean="0"/>
+              <a:t>…?</a:t>
+            </a:r>
+            <a:endParaRPr lang="ko-KR" altLang="en-US" sz="1050" dirty="0"/>
+          </a:p>
+        </p:txBody>
+      </p:sp>
+      <p:sp>
+        <p:nvSpPr>
+          <p:cNvPr id="23" name="TextBox 22"/>
+          <p:cNvSpPr txBox="1"/>
+          <p:nvPr/>
+        </p:nvSpPr>
+        <p:spPr>
+          <a:xfrm>
+            <a:off x="9082463" y="1066297"/>
+            <a:ext cx="352982" cy="261610"/>
+          </a:xfrm>
+          <a:prstGeom prst="rect">
+            <a:avLst/>
+          </a:prstGeom>
+          <a:noFill/>
+        </p:spPr>
+        <p:txBody>
+          <a:bodyPr wrap="none" rtlCol="0">
+            <a:spAutoFit/>
+          </a:bodyPr>
+          <a:lstStyle/>
+          <a:p>
+            <a:r>
+              <a:rPr lang="en-US" altLang="ko-KR" sz="1050" dirty="0" smtClean="0"/>
+              <a:t>…?</a:t>
+            </a:r>
+            <a:endParaRPr lang="ko-KR" altLang="en-US" sz="1050" dirty="0"/>
+          </a:p>
+        </p:txBody>
+      </p:sp>
+      <p:sp>
+        <p:nvSpPr>
+          <p:cNvPr id="24" name="TextBox 23"/>
+          <p:cNvSpPr txBox="1"/>
+          <p:nvPr/>
+        </p:nvSpPr>
+        <p:spPr>
+          <a:xfrm>
+            <a:off x="7722307" y="1382671"/>
+            <a:ext cx="352982" cy="261610"/>
+          </a:xfrm>
+          <a:prstGeom prst="rect">
+            <a:avLst/>
+          </a:prstGeom>
+          <a:noFill/>
+        </p:spPr>
+        <p:txBody>
+          <a:bodyPr wrap="none" rtlCol="0">
+            <a:spAutoFit/>
+          </a:bodyPr>
+          <a:lstStyle/>
+          <a:p>
+            <a:r>
+              <a:rPr lang="en-US" altLang="ko-KR" sz="1050" dirty="0" smtClean="0"/>
+              <a:t>…?</a:t>
+            </a:r>
+            <a:endParaRPr lang="ko-KR" altLang="en-US" sz="1050" dirty="0"/>
+          </a:p>
+        </p:txBody>
+      </p:sp>
+      <p:sp>
+        <p:nvSpPr>
+          <p:cNvPr id="25" name="TextBox 24"/>
+          <p:cNvSpPr txBox="1"/>
+          <p:nvPr/>
+        </p:nvSpPr>
+        <p:spPr>
+          <a:xfrm>
+            <a:off x="8922163" y="1386518"/>
+            <a:ext cx="673582" cy="253916"/>
+          </a:xfrm>
+          <a:prstGeom prst="rect">
+            <a:avLst/>
+          </a:prstGeom>
+          <a:noFill/>
+        </p:spPr>
+        <p:txBody>
+          <a:bodyPr wrap="none" rtlCol="0">
+            <a:spAutoFit/>
+          </a:bodyPr>
+          <a:lstStyle/>
+          <a:p>
+            <a:r>
+              <a:rPr lang="en-US" altLang="ko-KR" sz="1050" dirty="0" err="1" smtClean="0"/>
+              <a:t>Usecase</a:t>
+            </a:r>
+            <a:endParaRPr lang="ko-KR" altLang="en-US" sz="1050" dirty="0"/>
+          </a:p>
+        </p:txBody>
+      </p:sp>
+      <p:sp>
+        <p:nvSpPr>
+          <p:cNvPr id="26" name="TextBox 25"/>
+          <p:cNvSpPr txBox="1"/>
+          <p:nvPr/>
+        </p:nvSpPr>
+        <p:spPr>
+          <a:xfrm>
+            <a:off x="6175090" y="1070144"/>
+            <a:ext cx="1040670" cy="253916"/>
+          </a:xfrm>
+          <a:prstGeom prst="rect">
+            <a:avLst/>
+          </a:prstGeom>
+          <a:noFill/>
+        </p:spPr>
+        <p:txBody>
+          <a:bodyPr wrap="none" rtlCol="0">
+            <a:spAutoFit/>
+          </a:bodyPr>
+          <a:lstStyle/>
+          <a:p>
+            <a:r>
+              <a:rPr lang="ko-KR" altLang="en-US" sz="1050" dirty="0" smtClean="0"/>
+              <a:t>도메인 서비스</a:t>
+            </a:r>
+            <a:endParaRPr lang="ko-KR" altLang="en-US" sz="1050" dirty="0"/>
+          </a:p>
+        </p:txBody>
+      </p:sp>
+      <p:sp>
+        <p:nvSpPr>
+          <p:cNvPr id="27" name="TextBox 26"/>
+          <p:cNvSpPr txBox="1"/>
+          <p:nvPr/>
+        </p:nvSpPr>
+        <p:spPr>
+          <a:xfrm>
+            <a:off x="5771134" y="1386518"/>
+            <a:ext cx="1444626" cy="253916"/>
+          </a:xfrm>
+          <a:prstGeom prst="rect">
+            <a:avLst/>
+          </a:prstGeom>
+          <a:noFill/>
+        </p:spPr>
+        <p:txBody>
+          <a:bodyPr wrap="none" rtlCol="0">
+            <a:spAutoFit/>
+          </a:bodyPr>
+          <a:lstStyle/>
+          <a:p>
+            <a:r>
+              <a:rPr lang="ko-KR" altLang="en-US" sz="1050" dirty="0" smtClean="0"/>
+              <a:t>애플리케이션 서비스</a:t>
+            </a:r>
+            <a:endParaRPr lang="ko-KR" altLang="en-US" sz="1050" dirty="0"/>
           </a:p>
         </p:txBody>
       </p:sp>
@@ -8710,6 +9461,36 @@
       </p:par>
     </p:tnLst>
   </p:timing>
+</p:sld>
+</file>
+
+<file path=ppt/slides/slide5.xml><?xml version="1.0" encoding="utf-8"?>
+<p:sld xmlns:a="http://schemas.openxmlformats.org/drawingml/2006/main" xmlns:r="http://schemas.openxmlformats.org/officeDocument/2006/relationships" xmlns:p="http://schemas.openxmlformats.org/presentationml/2006/main">
+  <p:cSld>
+    <p:spTree>
+      <p:nvGrpSpPr>
+        <p:cNvPr id="1" name=""/>
+        <p:cNvGrpSpPr/>
+        <p:nvPr/>
+      </p:nvGrpSpPr>
+      <p:grpSpPr>
+        <a:xfrm>
+          <a:off x="0" y="0"/>
+          <a:ext cx="0" cy="0"/>
+          <a:chOff x="0" y="0"/>
+          <a:chExt cx="0" cy="0"/>
+        </a:xfrm>
+      </p:grpSpPr>
+    </p:spTree>
+    <p:extLst>
+      <p:ext uri="{BB962C8B-B14F-4D97-AF65-F5344CB8AC3E}">
+        <p14:creationId xmlns:p14="http://schemas.microsoft.com/office/powerpoint/2010/main" val="1919756103"/>
+      </p:ext>
+    </p:extLst>
+  </p:cSld>
+  <p:clrMapOvr>
+    <a:masterClrMapping/>
+  </p:clrMapOvr>
 </p:sld>
 </file>
 

--- a/Books/DDDGuide/Docs/DDDGuide.pptx
+++ b/Books/DDDGuide/Docs/DDDGuide.pptx
@@ -9481,6 +9481,1632 @@
           <a:chExt cx="0" cy="0"/>
         </a:xfrm>
       </p:grpSpPr>
+      <p:sp>
+        <p:nvSpPr>
+          <p:cNvPr id="29" name="직사각형 28"/>
+          <p:cNvSpPr/>
+          <p:nvPr/>
+        </p:nvSpPr>
+        <p:spPr>
+          <a:xfrm>
+            <a:off x="2150807" y="5014715"/>
+            <a:ext cx="8946372" cy="401157"/>
+          </a:xfrm>
+          <a:prstGeom prst="rect">
+            <a:avLst/>
+          </a:prstGeom>
+          <a:solidFill>
+            <a:schemeClr val="bg1">
+              <a:lumMod val="95000"/>
+            </a:schemeClr>
+          </a:solidFill>
+          <a:ln>
+            <a:solidFill>
+              <a:schemeClr val="bg1">
+                <a:lumMod val="95000"/>
+              </a:schemeClr>
+            </a:solidFill>
+          </a:ln>
+        </p:spPr>
+        <p:style>
+          <a:lnRef idx="2">
+            <a:schemeClr val="accent1">
+              <a:shade val="50000"/>
+            </a:schemeClr>
+          </a:lnRef>
+          <a:fillRef idx="1">
+            <a:schemeClr val="accent1"/>
+          </a:fillRef>
+          <a:effectRef idx="0">
+            <a:schemeClr val="accent1"/>
+          </a:effectRef>
+          <a:fontRef idx="minor">
+            <a:schemeClr val="lt1"/>
+          </a:fontRef>
+        </p:style>
+        <p:txBody>
+          <a:bodyPr rtlCol="0" anchor="ctr"/>
+          <a:lstStyle/>
+          <a:p>
+            <a:pPr algn="ctr"/>
+            <a:endParaRPr lang="ko-KR" altLang="en-US"/>
+          </a:p>
+        </p:txBody>
+      </p:sp>
+      <p:sp>
+        <p:nvSpPr>
+          <p:cNvPr id="32" name="직사각형 31"/>
+          <p:cNvSpPr/>
+          <p:nvPr/>
+        </p:nvSpPr>
+        <p:spPr>
+          <a:xfrm>
+            <a:off x="4418749" y="5053293"/>
+            <a:ext cx="2082615" cy="324000"/>
+          </a:xfrm>
+          <a:prstGeom prst="rect">
+            <a:avLst/>
+          </a:prstGeom>
+          <a:solidFill>
+            <a:schemeClr val="accent6">
+              <a:lumMod val="20000"/>
+              <a:lumOff val="80000"/>
+            </a:schemeClr>
+          </a:solidFill>
+          <a:ln>
+            <a:solidFill>
+              <a:schemeClr val="accent6">
+                <a:lumMod val="20000"/>
+                <a:lumOff val="80000"/>
+              </a:schemeClr>
+            </a:solidFill>
+          </a:ln>
+        </p:spPr>
+        <p:style>
+          <a:lnRef idx="2">
+            <a:schemeClr val="accent1">
+              <a:shade val="50000"/>
+            </a:schemeClr>
+          </a:lnRef>
+          <a:fillRef idx="1">
+            <a:schemeClr val="accent1"/>
+          </a:fillRef>
+          <a:effectRef idx="0">
+            <a:schemeClr val="accent1"/>
+          </a:effectRef>
+          <a:fontRef idx="minor">
+            <a:schemeClr val="lt1"/>
+          </a:fontRef>
+        </p:style>
+        <p:txBody>
+          <a:bodyPr rtlCol="0" anchor="ctr"/>
+          <a:lstStyle/>
+          <a:p>
+            <a:pPr algn="ctr"/>
+            <a:endParaRPr lang="ko-KR" altLang="en-US"/>
+          </a:p>
+        </p:txBody>
+      </p:sp>
+      <p:sp>
+        <p:nvSpPr>
+          <p:cNvPr id="30" name="직사각형 29"/>
+          <p:cNvSpPr/>
+          <p:nvPr/>
+        </p:nvSpPr>
+        <p:spPr>
+          <a:xfrm>
+            <a:off x="2150806" y="5496808"/>
+            <a:ext cx="4728333" cy="401157"/>
+          </a:xfrm>
+          <a:prstGeom prst="rect">
+            <a:avLst/>
+          </a:prstGeom>
+          <a:solidFill>
+            <a:schemeClr val="bg1">
+              <a:lumMod val="95000"/>
+            </a:schemeClr>
+          </a:solidFill>
+          <a:ln>
+            <a:solidFill>
+              <a:schemeClr val="bg1">
+                <a:lumMod val="95000"/>
+              </a:schemeClr>
+            </a:solidFill>
+          </a:ln>
+        </p:spPr>
+        <p:style>
+          <a:lnRef idx="2">
+            <a:schemeClr val="accent1">
+              <a:shade val="50000"/>
+            </a:schemeClr>
+          </a:lnRef>
+          <a:fillRef idx="1">
+            <a:schemeClr val="accent1"/>
+          </a:fillRef>
+          <a:effectRef idx="0">
+            <a:schemeClr val="accent1"/>
+          </a:effectRef>
+          <a:fontRef idx="minor">
+            <a:schemeClr val="lt1"/>
+          </a:fontRef>
+        </p:style>
+        <p:txBody>
+          <a:bodyPr rtlCol="0" anchor="ctr"/>
+          <a:lstStyle/>
+          <a:p>
+            <a:pPr algn="ctr"/>
+            <a:endParaRPr lang="ko-KR" altLang="en-US"/>
+          </a:p>
+        </p:txBody>
+      </p:sp>
+      <p:sp>
+        <p:nvSpPr>
+          <p:cNvPr id="28" name="직사각형 27"/>
+          <p:cNvSpPr/>
+          <p:nvPr/>
+        </p:nvSpPr>
+        <p:spPr>
+          <a:xfrm>
+            <a:off x="2150807" y="3751338"/>
+            <a:ext cx="8946372" cy="401157"/>
+          </a:xfrm>
+          <a:prstGeom prst="rect">
+            <a:avLst/>
+          </a:prstGeom>
+          <a:solidFill>
+            <a:schemeClr val="bg1">
+              <a:lumMod val="95000"/>
+            </a:schemeClr>
+          </a:solidFill>
+          <a:ln>
+            <a:solidFill>
+              <a:schemeClr val="bg1">
+                <a:lumMod val="95000"/>
+              </a:schemeClr>
+            </a:solidFill>
+          </a:ln>
+        </p:spPr>
+        <p:style>
+          <a:lnRef idx="2">
+            <a:schemeClr val="accent1">
+              <a:shade val="50000"/>
+            </a:schemeClr>
+          </a:lnRef>
+          <a:fillRef idx="1">
+            <a:schemeClr val="accent1"/>
+          </a:fillRef>
+          <a:effectRef idx="0">
+            <a:schemeClr val="accent1"/>
+          </a:effectRef>
+          <a:fontRef idx="minor">
+            <a:schemeClr val="lt1"/>
+          </a:fontRef>
+        </p:style>
+        <p:txBody>
+          <a:bodyPr rtlCol="0" anchor="ctr"/>
+          <a:lstStyle/>
+          <a:p>
+            <a:pPr algn="ctr"/>
+            <a:endParaRPr lang="ko-KR" altLang="en-US"/>
+          </a:p>
+        </p:txBody>
+      </p:sp>
+      <p:sp>
+        <p:nvSpPr>
+          <p:cNvPr id="27" name="직사각형 26"/>
+          <p:cNvSpPr/>
+          <p:nvPr/>
+        </p:nvSpPr>
+        <p:spPr>
+          <a:xfrm>
+            <a:off x="2150807" y="3293083"/>
+            <a:ext cx="4720417" cy="401157"/>
+          </a:xfrm>
+          <a:prstGeom prst="rect">
+            <a:avLst/>
+          </a:prstGeom>
+          <a:solidFill>
+            <a:schemeClr val="accent6">
+              <a:lumMod val="20000"/>
+              <a:lumOff val="80000"/>
+            </a:schemeClr>
+          </a:solidFill>
+          <a:ln>
+            <a:solidFill>
+              <a:schemeClr val="accent6">
+                <a:lumMod val="20000"/>
+                <a:lumOff val="80000"/>
+              </a:schemeClr>
+            </a:solidFill>
+          </a:ln>
+        </p:spPr>
+        <p:style>
+          <a:lnRef idx="2">
+            <a:schemeClr val="accent1">
+              <a:shade val="50000"/>
+            </a:schemeClr>
+          </a:lnRef>
+          <a:fillRef idx="1">
+            <a:schemeClr val="accent1"/>
+          </a:fillRef>
+          <a:effectRef idx="0">
+            <a:schemeClr val="accent1"/>
+          </a:effectRef>
+          <a:fontRef idx="minor">
+            <a:schemeClr val="lt1"/>
+          </a:fontRef>
+        </p:style>
+        <p:txBody>
+          <a:bodyPr rtlCol="0" anchor="ctr"/>
+          <a:lstStyle/>
+          <a:p>
+            <a:pPr algn="ctr"/>
+            <a:endParaRPr lang="ko-KR" altLang="en-US"/>
+          </a:p>
+        </p:txBody>
+      </p:sp>
+      <p:sp>
+        <p:nvSpPr>
+          <p:cNvPr id="8" name="오른쪽 화살표 7"/>
+          <p:cNvSpPr/>
+          <p:nvPr/>
+        </p:nvSpPr>
+        <p:spPr>
+          <a:xfrm>
+            <a:off x="1013909" y="1040286"/>
+            <a:ext cx="2668324" cy="895483"/>
+          </a:xfrm>
+          <a:prstGeom prst="rightArrow">
+            <a:avLst>
+              <a:gd name="adj1" fmla="val 70513"/>
+              <a:gd name="adj2" fmla="val 50000"/>
+            </a:avLst>
+          </a:prstGeom>
+          <a:solidFill>
+            <a:schemeClr val="accent4">
+              <a:lumMod val="20000"/>
+              <a:lumOff val="80000"/>
+            </a:schemeClr>
+          </a:solidFill>
+          <a:ln>
+            <a:solidFill>
+              <a:schemeClr val="accent4">
+                <a:lumMod val="20000"/>
+                <a:lumOff val="80000"/>
+              </a:schemeClr>
+            </a:solidFill>
+          </a:ln>
+        </p:spPr>
+        <p:style>
+          <a:lnRef idx="2">
+            <a:schemeClr val="accent1">
+              <a:shade val="50000"/>
+            </a:schemeClr>
+          </a:lnRef>
+          <a:fillRef idx="1">
+            <a:schemeClr val="accent1"/>
+          </a:fillRef>
+          <a:effectRef idx="0">
+            <a:schemeClr val="accent1"/>
+          </a:effectRef>
+          <a:fontRef idx="minor">
+            <a:schemeClr val="lt1"/>
+          </a:fontRef>
+        </p:style>
+        <p:txBody>
+          <a:bodyPr rtlCol="0" anchor="ctr"/>
+          <a:lstStyle/>
+          <a:p>
+            <a:pPr algn="ctr"/>
+            <a:endParaRPr lang="ko-KR" altLang="en-US"/>
+          </a:p>
+        </p:txBody>
+      </p:sp>
+      <p:sp>
+        <p:nvSpPr>
+          <p:cNvPr id="2" name="타원 1"/>
+          <p:cNvSpPr/>
+          <p:nvPr/>
+        </p:nvSpPr>
+        <p:spPr>
+          <a:xfrm>
+            <a:off x="1280652" y="659169"/>
+            <a:ext cx="1604624" cy="1551530"/>
+          </a:xfrm>
+          <a:prstGeom prst="ellipse">
+            <a:avLst/>
+          </a:prstGeom>
+          <a:noFill/>
+          <a:ln>
+            <a:solidFill>
+              <a:srgbClr val="0070C0"/>
+            </a:solidFill>
+          </a:ln>
+        </p:spPr>
+        <p:style>
+          <a:lnRef idx="2">
+            <a:schemeClr val="dk1"/>
+          </a:lnRef>
+          <a:fillRef idx="1">
+            <a:schemeClr val="lt1"/>
+          </a:fillRef>
+          <a:effectRef idx="0">
+            <a:schemeClr val="dk1"/>
+          </a:effectRef>
+          <a:fontRef idx="minor">
+            <a:schemeClr val="dk1"/>
+          </a:fontRef>
+        </p:style>
+        <p:txBody>
+          <a:bodyPr rtlCol="0" anchor="ctr"/>
+          <a:lstStyle/>
+          <a:p>
+            <a:pPr algn="ctr"/>
+            <a:endParaRPr lang="ko-KR" altLang="en-US"/>
+          </a:p>
+        </p:txBody>
+      </p:sp>
+      <p:sp>
+        <p:nvSpPr>
+          <p:cNvPr id="3" name="TextBox 2"/>
+          <p:cNvSpPr txBox="1"/>
+          <p:nvPr/>
+        </p:nvSpPr>
+        <p:spPr>
+          <a:xfrm>
+            <a:off x="1522615" y="794854"/>
+            <a:ext cx="1008609" cy="276999"/>
+          </a:xfrm>
+          <a:prstGeom prst="rect">
+            <a:avLst/>
+          </a:prstGeom>
+          <a:noFill/>
+        </p:spPr>
+        <p:txBody>
+          <a:bodyPr wrap="none" rtlCol="0">
+            <a:spAutoFit/>
+          </a:bodyPr>
+          <a:lstStyle/>
+          <a:p>
+            <a:r>
+              <a:rPr lang="ko-KR" altLang="en-US" sz="1200" b="1" dirty="0" smtClean="0">
+                <a:solidFill>
+                  <a:srgbClr val="0070C0"/>
+                </a:solidFill>
+              </a:rPr>
+              <a:t>도메인 객체</a:t>
+            </a:r>
+            <a:endParaRPr lang="ko-KR" altLang="en-US" sz="1200" b="1" dirty="0">
+              <a:solidFill>
+                <a:srgbClr val="0070C0"/>
+              </a:solidFill>
+            </a:endParaRPr>
+          </a:p>
+        </p:txBody>
+      </p:sp>
+      <p:sp>
+        <p:nvSpPr>
+          <p:cNvPr id="4" name="TextBox 3"/>
+          <p:cNvSpPr txBox="1"/>
+          <p:nvPr/>
+        </p:nvSpPr>
+        <p:spPr>
+          <a:xfrm>
+            <a:off x="1397520" y="1093914"/>
+            <a:ext cx="1370888" cy="788229"/>
+          </a:xfrm>
+          <a:prstGeom prst="rect">
+            <a:avLst/>
+          </a:prstGeom>
+          <a:noFill/>
+        </p:spPr>
+        <p:txBody>
+          <a:bodyPr wrap="none" rtlCol="0">
+            <a:spAutoFit/>
+          </a:bodyPr>
+          <a:lstStyle/>
+          <a:p>
+            <a:pPr marL="228600" indent="-228600">
+              <a:lnSpc>
+                <a:spcPct val="150000"/>
+              </a:lnSpc>
+              <a:buAutoNum type="arabicPeriod"/>
+            </a:pPr>
+            <a:r>
+              <a:rPr lang="en-US" altLang="ko-KR" sz="1050" dirty="0" smtClean="0">
+                <a:solidFill>
+                  <a:srgbClr val="0070C0"/>
+                </a:solidFill>
+              </a:rPr>
+              <a:t>Value Object</a:t>
+            </a:r>
+          </a:p>
+          <a:p>
+            <a:pPr marL="228600" indent="-228600">
+              <a:lnSpc>
+                <a:spcPct val="150000"/>
+              </a:lnSpc>
+              <a:buAutoNum type="arabicPeriod"/>
+            </a:pPr>
+            <a:r>
+              <a:rPr lang="en-US" altLang="ko-KR" sz="1050" dirty="0" smtClean="0">
+                <a:solidFill>
+                  <a:srgbClr val="0070C0"/>
+                </a:solidFill>
+              </a:rPr>
+              <a:t>Entity</a:t>
+            </a:r>
+          </a:p>
+          <a:p>
+            <a:pPr marL="228600" indent="-228600">
+              <a:lnSpc>
+                <a:spcPct val="150000"/>
+              </a:lnSpc>
+              <a:buAutoNum type="arabicPeriod"/>
+            </a:pPr>
+            <a:r>
+              <a:rPr lang="en-US" altLang="ko-KR" sz="1050" dirty="0" smtClean="0">
+                <a:solidFill>
+                  <a:srgbClr val="0070C0"/>
+                </a:solidFill>
+              </a:rPr>
+              <a:t>Domain Service</a:t>
+            </a:r>
+            <a:endParaRPr lang="ko-KR" altLang="en-US" sz="1050" dirty="0">
+              <a:solidFill>
+                <a:srgbClr val="0070C0"/>
+              </a:solidFill>
+            </a:endParaRPr>
+          </a:p>
+        </p:txBody>
+      </p:sp>
+      <p:sp>
+        <p:nvSpPr>
+          <p:cNvPr id="6" name="TextBox 5"/>
+          <p:cNvSpPr txBox="1"/>
+          <p:nvPr/>
+        </p:nvSpPr>
+        <p:spPr>
+          <a:xfrm>
+            <a:off x="3287121" y="1651475"/>
+            <a:ext cx="1047082" cy="518283"/>
+          </a:xfrm>
+          <a:prstGeom prst="rect">
+            <a:avLst/>
+          </a:prstGeom>
+          <a:noFill/>
+        </p:spPr>
+        <p:txBody>
+          <a:bodyPr wrap="none" rtlCol="0">
+            <a:spAutoFit/>
+          </a:bodyPr>
+          <a:lstStyle/>
+          <a:p>
+            <a:pPr algn="ctr"/>
+            <a:r>
+              <a:rPr lang="ko-KR" altLang="en-US" sz="1200" dirty="0" smtClean="0"/>
+              <a:t>추상화 타입</a:t>
+            </a:r>
+            <a:endParaRPr lang="en-US" altLang="ko-KR" sz="1200" dirty="0" smtClean="0"/>
+          </a:p>
+          <a:p>
+            <a:pPr algn="ctr">
+              <a:lnSpc>
+                <a:spcPct val="150000"/>
+              </a:lnSpc>
+            </a:pPr>
+            <a:r>
+              <a:rPr lang="en-US" altLang="ko-KR" sz="1200" dirty="0" smtClean="0"/>
+              <a:t>(</a:t>
+            </a:r>
+            <a:r>
+              <a:rPr lang="ko-KR" altLang="en-US" sz="1200" dirty="0" smtClean="0"/>
+              <a:t>인터페이스</a:t>
+            </a:r>
+            <a:r>
+              <a:rPr lang="en-US" altLang="ko-KR" sz="1200" dirty="0" smtClean="0"/>
+              <a:t>)</a:t>
+            </a:r>
+            <a:endParaRPr lang="ko-KR" altLang="en-US" sz="1200" dirty="0"/>
+          </a:p>
+        </p:txBody>
+      </p:sp>
+      <p:sp>
+        <p:nvSpPr>
+          <p:cNvPr id="7" name="TextBox 6"/>
+          <p:cNvSpPr txBox="1"/>
+          <p:nvPr/>
+        </p:nvSpPr>
+        <p:spPr>
+          <a:xfrm>
+            <a:off x="3258075" y="1267514"/>
+            <a:ext cx="1105174" cy="307777"/>
+          </a:xfrm>
+          <a:prstGeom prst="rect">
+            <a:avLst/>
+          </a:prstGeom>
+          <a:noFill/>
+        </p:spPr>
+        <p:txBody>
+          <a:bodyPr wrap="none" rtlCol="0">
+            <a:spAutoFit/>
+          </a:bodyPr>
+          <a:lstStyle/>
+          <a:p>
+            <a:r>
+              <a:rPr lang="en-US" altLang="ko-KR" sz="1400" b="1" dirty="0" smtClean="0">
+                <a:solidFill>
+                  <a:srgbClr val="0070C0"/>
+                </a:solidFill>
+              </a:rPr>
+              <a:t>Repository</a:t>
+            </a:r>
+            <a:endParaRPr lang="ko-KR" altLang="en-US" sz="1400" b="1" dirty="0">
+              <a:solidFill>
+                <a:srgbClr val="0070C0"/>
+              </a:solidFill>
+            </a:endParaRPr>
+          </a:p>
+        </p:txBody>
+      </p:sp>
+      <p:sp>
+        <p:nvSpPr>
+          <p:cNvPr id="9" name="TextBox 8"/>
+          <p:cNvSpPr txBox="1"/>
+          <p:nvPr/>
+        </p:nvSpPr>
+        <p:spPr>
+          <a:xfrm>
+            <a:off x="4607941" y="1341302"/>
+            <a:ext cx="4030270" cy="276999"/>
+          </a:xfrm>
+          <a:prstGeom prst="rect">
+            <a:avLst/>
+          </a:prstGeom>
+          <a:noFill/>
+        </p:spPr>
+        <p:txBody>
+          <a:bodyPr wrap="none" rtlCol="0">
+            <a:spAutoFit/>
+          </a:bodyPr>
+          <a:lstStyle/>
+          <a:p>
+            <a:r>
+              <a:rPr lang="ko-KR" altLang="en-US" sz="1200" b="1" dirty="0" smtClean="0"/>
+              <a:t>데이터</a:t>
+            </a:r>
+            <a:r>
+              <a:rPr lang="ko-KR" altLang="en-US" sz="1200" dirty="0" smtClean="0"/>
+              <a:t>를 </a:t>
+            </a:r>
+            <a:r>
+              <a:rPr lang="ko-KR" altLang="en-US" sz="1200" b="1" dirty="0" smtClean="0">
+                <a:solidFill>
+                  <a:srgbClr val="0070C0"/>
+                </a:solidFill>
+              </a:rPr>
+              <a:t>저장</a:t>
+            </a:r>
+            <a:r>
+              <a:rPr lang="ko-KR" altLang="en-US" sz="1200" dirty="0" smtClean="0"/>
+              <a:t>하고 </a:t>
+            </a:r>
+            <a:r>
+              <a:rPr lang="ko-KR" altLang="en-US" sz="1200" b="1" dirty="0" smtClean="0">
+                <a:solidFill>
+                  <a:srgbClr val="0070C0"/>
+                </a:solidFill>
+              </a:rPr>
+              <a:t>복원</a:t>
+            </a:r>
+            <a:r>
+              <a:rPr lang="ko-KR" altLang="en-US" sz="1200" dirty="0" smtClean="0"/>
+              <a:t>하는 처리를 </a:t>
+            </a:r>
+            <a:r>
+              <a:rPr lang="ko-KR" altLang="en-US" sz="1200" b="1" dirty="0" smtClean="0">
+                <a:solidFill>
+                  <a:srgbClr val="0070C0"/>
+                </a:solidFill>
+              </a:rPr>
+              <a:t>추상화하는 객체</a:t>
+            </a:r>
+            <a:r>
+              <a:rPr lang="ko-KR" altLang="en-US" sz="1200" dirty="0" smtClean="0"/>
+              <a:t>다</a:t>
+            </a:r>
+            <a:r>
+              <a:rPr lang="en-US" altLang="ko-KR" sz="1200" dirty="0" smtClean="0"/>
+              <a:t>.</a:t>
+            </a:r>
+            <a:endParaRPr lang="ko-KR" altLang="en-US" sz="1200" dirty="0"/>
+          </a:p>
+        </p:txBody>
+      </p:sp>
+      <p:sp>
+        <p:nvSpPr>
+          <p:cNvPr id="10" name="TextBox 9"/>
+          <p:cNvSpPr txBox="1"/>
+          <p:nvPr/>
+        </p:nvSpPr>
+        <p:spPr>
+          <a:xfrm>
+            <a:off x="2313068" y="3355162"/>
+            <a:ext cx="848053" cy="276999"/>
+          </a:xfrm>
+          <a:prstGeom prst="rect">
+            <a:avLst/>
+          </a:prstGeom>
+          <a:noFill/>
+        </p:spPr>
+        <p:txBody>
+          <a:bodyPr wrap="none" rtlCol="0">
+            <a:spAutoFit/>
+          </a:bodyPr>
+          <a:lstStyle/>
+          <a:p>
+            <a:r>
+              <a:rPr lang="en-US" altLang="ko-KR" sz="1200" b="1" strike="sngStrike" dirty="0" smtClean="0"/>
+              <a:t>  C</a:t>
+            </a:r>
+            <a:r>
+              <a:rPr lang="en-US" altLang="ko-KR" sz="1200" strike="sngStrike" dirty="0" smtClean="0"/>
+              <a:t>reate  </a:t>
+            </a:r>
+            <a:endParaRPr lang="ko-KR" altLang="en-US" sz="1200" strike="sngStrike" dirty="0"/>
+          </a:p>
+        </p:txBody>
+      </p:sp>
+      <p:sp>
+        <p:nvSpPr>
+          <p:cNvPr id="11" name="TextBox 10"/>
+          <p:cNvSpPr txBox="1"/>
+          <p:nvPr/>
+        </p:nvSpPr>
+        <p:spPr>
+          <a:xfrm>
+            <a:off x="2313068" y="3813417"/>
+            <a:ext cx="649537" cy="276999"/>
+          </a:xfrm>
+          <a:prstGeom prst="rect">
+            <a:avLst/>
+          </a:prstGeom>
+          <a:noFill/>
+        </p:spPr>
+        <p:txBody>
+          <a:bodyPr wrap="none" rtlCol="0">
+            <a:spAutoFit/>
+          </a:bodyPr>
+          <a:lstStyle/>
+          <a:p>
+            <a:r>
+              <a:rPr lang="en-US" altLang="ko-KR" sz="1200" b="1" dirty="0" smtClean="0"/>
+              <a:t>  R</a:t>
+            </a:r>
+            <a:r>
+              <a:rPr lang="en-US" altLang="ko-KR" sz="1200" dirty="0" smtClean="0"/>
+              <a:t>ead</a:t>
+            </a:r>
+            <a:endParaRPr lang="ko-KR" altLang="en-US" sz="1200" dirty="0"/>
+          </a:p>
+        </p:txBody>
+      </p:sp>
+      <p:sp>
+        <p:nvSpPr>
+          <p:cNvPr id="12" name="TextBox 11"/>
+          <p:cNvSpPr txBox="1"/>
+          <p:nvPr/>
+        </p:nvSpPr>
+        <p:spPr>
+          <a:xfrm>
+            <a:off x="2313068" y="5076794"/>
+            <a:ext cx="805349" cy="276999"/>
+          </a:xfrm>
+          <a:prstGeom prst="rect">
+            <a:avLst/>
+          </a:prstGeom>
+          <a:noFill/>
+        </p:spPr>
+        <p:txBody>
+          <a:bodyPr wrap="none" rtlCol="0">
+            <a:spAutoFit/>
+          </a:bodyPr>
+          <a:lstStyle/>
+          <a:p>
+            <a:r>
+              <a:rPr lang="en-US" altLang="ko-KR" sz="1200" b="1" dirty="0" smtClean="0"/>
+              <a:t>  U</a:t>
+            </a:r>
+            <a:r>
+              <a:rPr lang="en-US" altLang="ko-KR" sz="1200" dirty="0" smtClean="0"/>
+              <a:t>pdate</a:t>
+            </a:r>
+            <a:endParaRPr lang="ko-KR" altLang="en-US" sz="1200" dirty="0"/>
+          </a:p>
+        </p:txBody>
+      </p:sp>
+      <p:sp>
+        <p:nvSpPr>
+          <p:cNvPr id="13" name="TextBox 12"/>
+          <p:cNvSpPr txBox="1"/>
+          <p:nvPr/>
+        </p:nvSpPr>
+        <p:spPr>
+          <a:xfrm>
+            <a:off x="2313068" y="5558887"/>
+            <a:ext cx="744435" cy="276999"/>
+          </a:xfrm>
+          <a:prstGeom prst="rect">
+            <a:avLst/>
+          </a:prstGeom>
+          <a:noFill/>
+        </p:spPr>
+        <p:txBody>
+          <a:bodyPr wrap="none" rtlCol="0">
+            <a:spAutoFit/>
+          </a:bodyPr>
+          <a:lstStyle/>
+          <a:p>
+            <a:r>
+              <a:rPr lang="en-US" altLang="ko-KR" sz="1200" b="1" dirty="0" smtClean="0"/>
+              <a:t>  D</a:t>
+            </a:r>
+            <a:r>
+              <a:rPr lang="en-US" altLang="ko-KR" sz="1200" dirty="0" smtClean="0"/>
+              <a:t>elete</a:t>
+            </a:r>
+            <a:endParaRPr lang="ko-KR" altLang="en-US" sz="1200" dirty="0"/>
+          </a:p>
+        </p:txBody>
+      </p:sp>
+      <p:sp>
+        <p:nvSpPr>
+          <p:cNvPr id="14" name="TextBox 13"/>
+          <p:cNvSpPr txBox="1"/>
+          <p:nvPr/>
+        </p:nvSpPr>
+        <p:spPr>
+          <a:xfrm>
+            <a:off x="3138976" y="3355162"/>
+            <a:ext cx="2751074" cy="276999"/>
+          </a:xfrm>
+          <a:prstGeom prst="rect">
+            <a:avLst/>
+          </a:prstGeom>
+          <a:noFill/>
+        </p:spPr>
+        <p:txBody>
+          <a:bodyPr wrap="none" rtlCol="0">
+            <a:spAutoFit/>
+          </a:bodyPr>
+          <a:lstStyle/>
+          <a:p>
+            <a:r>
+              <a:rPr lang="ko-KR" altLang="en-US" sz="1200" b="1" dirty="0" smtClean="0">
+                <a:solidFill>
+                  <a:srgbClr val="0070C0"/>
+                </a:solidFill>
+              </a:rPr>
+              <a:t>도메인 객체 </a:t>
+            </a:r>
+            <a:r>
+              <a:rPr lang="ko-KR" altLang="en-US" sz="1200" dirty="0" smtClean="0"/>
+              <a:t>생성은 제공하지 </a:t>
+            </a:r>
+            <a:r>
+              <a:rPr lang="ko-KR" altLang="en-US" sz="1200" b="1" dirty="0" smtClean="0">
+                <a:solidFill>
+                  <a:srgbClr val="0070C0"/>
+                </a:solidFill>
+              </a:rPr>
+              <a:t>않는다</a:t>
+            </a:r>
+            <a:r>
+              <a:rPr lang="en-US" altLang="ko-KR" sz="1200" b="1" dirty="0" smtClean="0">
+                <a:solidFill>
+                  <a:srgbClr val="0070C0"/>
+                </a:solidFill>
+              </a:rPr>
+              <a:t>.</a:t>
+            </a:r>
+            <a:endParaRPr lang="ko-KR" altLang="en-US" sz="1200" b="1" dirty="0">
+              <a:solidFill>
+                <a:srgbClr val="0070C0"/>
+              </a:solidFill>
+            </a:endParaRPr>
+          </a:p>
+        </p:txBody>
+      </p:sp>
+      <p:sp>
+        <p:nvSpPr>
+          <p:cNvPr id="15" name="TextBox 14"/>
+          <p:cNvSpPr txBox="1"/>
+          <p:nvPr/>
+        </p:nvSpPr>
+        <p:spPr>
+          <a:xfrm>
+            <a:off x="3138976" y="3813417"/>
+            <a:ext cx="2282997" cy="276999"/>
+          </a:xfrm>
+          <a:prstGeom prst="rect">
+            <a:avLst/>
+          </a:prstGeom>
+          <a:noFill/>
+        </p:spPr>
+        <p:txBody>
+          <a:bodyPr wrap="none" rtlCol="0">
+            <a:spAutoFit/>
+          </a:bodyPr>
+          <a:lstStyle/>
+          <a:p>
+            <a:r>
+              <a:rPr lang="ko-KR" altLang="en-US" sz="1200" b="1" dirty="0" smtClean="0">
+                <a:solidFill>
+                  <a:srgbClr val="0070C0"/>
+                </a:solidFill>
+              </a:rPr>
+              <a:t>의도</a:t>
+            </a:r>
+            <a:r>
+              <a:rPr lang="ko-KR" altLang="en-US" sz="1200" dirty="0" smtClean="0"/>
+              <a:t>를 드러날 수 있어야 한다</a:t>
+            </a:r>
+            <a:r>
+              <a:rPr lang="en-US" altLang="ko-KR" sz="1200" dirty="0" smtClean="0"/>
+              <a:t>.</a:t>
+            </a:r>
+            <a:endParaRPr lang="ko-KR" altLang="en-US" sz="1200" dirty="0"/>
+          </a:p>
+        </p:txBody>
+      </p:sp>
+      <p:sp>
+        <p:nvSpPr>
+          <p:cNvPr id="16" name="TextBox 15"/>
+          <p:cNvSpPr txBox="1"/>
+          <p:nvPr/>
+        </p:nvSpPr>
+        <p:spPr>
+          <a:xfrm>
+            <a:off x="6038251" y="3821111"/>
+            <a:ext cx="1502334" cy="261610"/>
+          </a:xfrm>
+          <a:prstGeom prst="rect">
+            <a:avLst/>
+          </a:prstGeom>
+          <a:noFill/>
+        </p:spPr>
+        <p:txBody>
+          <a:bodyPr wrap="none" rtlCol="0">
+            <a:spAutoFit/>
+          </a:bodyPr>
+          <a:lstStyle/>
+          <a:p>
+            <a:r>
+              <a:rPr lang="en-US" altLang="ko-KR" sz="1100" dirty="0" err="1"/>
+              <a:t>bool</a:t>
+            </a:r>
+            <a:r>
+              <a:rPr lang="en-US" altLang="ko-KR" sz="1100" dirty="0"/>
+              <a:t> </a:t>
+            </a:r>
+            <a:r>
+              <a:rPr lang="en-US" altLang="ko-KR" sz="1100" b="1" dirty="0"/>
+              <a:t>Find</a:t>
+            </a:r>
+            <a:r>
+              <a:rPr lang="en-US" altLang="ko-KR" sz="1100" dirty="0"/>
+              <a:t>(</a:t>
+            </a:r>
+            <a:r>
+              <a:rPr lang="en-US" altLang="ko-KR" sz="1100" b="1" dirty="0">
+                <a:solidFill>
+                  <a:srgbClr val="C00000"/>
+                </a:solidFill>
+              </a:rPr>
+              <a:t>User</a:t>
+            </a:r>
+            <a:r>
+              <a:rPr lang="en-US" altLang="ko-KR" sz="1100" dirty="0"/>
+              <a:t> user)</a:t>
+            </a:r>
+            <a:endParaRPr lang="ko-KR" altLang="en-US" sz="1100" dirty="0"/>
+          </a:p>
+        </p:txBody>
+      </p:sp>
+      <p:sp>
+        <p:nvSpPr>
+          <p:cNvPr id="17" name="TextBox 16"/>
+          <p:cNvSpPr txBox="1"/>
+          <p:nvPr/>
+        </p:nvSpPr>
+        <p:spPr>
+          <a:xfrm>
+            <a:off x="8081653" y="3821111"/>
+            <a:ext cx="1984839" cy="261610"/>
+          </a:xfrm>
+          <a:prstGeom prst="rect">
+            <a:avLst/>
+          </a:prstGeom>
+          <a:noFill/>
+        </p:spPr>
+        <p:txBody>
+          <a:bodyPr wrap="none" rtlCol="0">
+            <a:spAutoFit/>
+          </a:bodyPr>
+          <a:lstStyle/>
+          <a:p>
+            <a:r>
+              <a:rPr lang="en-US" altLang="ko-KR" sz="1100" dirty="0" err="1"/>
+              <a:t>bool</a:t>
+            </a:r>
+            <a:r>
+              <a:rPr lang="en-US" altLang="ko-KR" sz="1100" dirty="0"/>
+              <a:t> </a:t>
+            </a:r>
+            <a:r>
+              <a:rPr lang="en-US" altLang="ko-KR" sz="1100" b="1" dirty="0" smtClean="0"/>
+              <a:t>Find</a:t>
+            </a:r>
+            <a:r>
+              <a:rPr lang="en-US" altLang="ko-KR" sz="1100" dirty="0" smtClean="0"/>
+              <a:t>(</a:t>
+            </a:r>
+            <a:r>
+              <a:rPr lang="en-US" altLang="ko-KR" sz="1100" b="1" dirty="0" err="1" smtClean="0">
+                <a:solidFill>
+                  <a:srgbClr val="0070C0"/>
+                </a:solidFill>
+              </a:rPr>
+              <a:t>UserName</a:t>
+            </a:r>
+            <a:r>
+              <a:rPr lang="en-US" altLang="ko-KR" sz="1100" dirty="0" smtClean="0"/>
+              <a:t> name)</a:t>
+            </a:r>
+            <a:endParaRPr lang="ko-KR" altLang="en-US" sz="1100" dirty="0"/>
+          </a:p>
+        </p:txBody>
+      </p:sp>
+      <p:sp>
+        <p:nvSpPr>
+          <p:cNvPr id="18" name="TextBox 17"/>
+          <p:cNvSpPr txBox="1"/>
+          <p:nvPr/>
+        </p:nvSpPr>
+        <p:spPr>
+          <a:xfrm>
+            <a:off x="7628216" y="3821111"/>
+            <a:ext cx="365806" cy="261610"/>
+          </a:xfrm>
+          <a:prstGeom prst="rect">
+            <a:avLst/>
+          </a:prstGeom>
+          <a:noFill/>
+        </p:spPr>
+        <p:txBody>
+          <a:bodyPr wrap="none" rtlCol="0">
+            <a:spAutoFit/>
+          </a:bodyPr>
+          <a:lstStyle/>
+          <a:p>
+            <a:r>
+              <a:rPr lang="en-US" altLang="ko-KR" sz="1100" i="1" dirty="0" smtClean="0"/>
+              <a:t>Vs.</a:t>
+            </a:r>
+            <a:endParaRPr lang="ko-KR" altLang="en-US" sz="1100" i="1" dirty="0"/>
+          </a:p>
+        </p:txBody>
+      </p:sp>
+      <p:sp>
+        <p:nvSpPr>
+          <p:cNvPr id="19" name="TextBox 18"/>
+          <p:cNvSpPr txBox="1"/>
+          <p:nvPr/>
+        </p:nvSpPr>
+        <p:spPr>
+          <a:xfrm>
+            <a:off x="8081653" y="4170996"/>
+            <a:ext cx="2020105" cy="276999"/>
+          </a:xfrm>
+          <a:prstGeom prst="rect">
+            <a:avLst/>
+          </a:prstGeom>
+          <a:noFill/>
+        </p:spPr>
+        <p:txBody>
+          <a:bodyPr wrap="none" rtlCol="0">
+            <a:spAutoFit/>
+          </a:bodyPr>
+          <a:lstStyle/>
+          <a:p>
+            <a:r>
+              <a:rPr lang="ko-KR" altLang="en-US" sz="1200" b="1" dirty="0" smtClean="0">
+                <a:solidFill>
+                  <a:srgbClr val="0070C0"/>
+                </a:solidFill>
+              </a:rPr>
+              <a:t>사용자 이름</a:t>
+            </a:r>
+            <a:r>
+              <a:rPr lang="ko-KR" altLang="en-US" sz="1200" dirty="0" smtClean="0"/>
+              <a:t>으로 검색한다</a:t>
+            </a:r>
+            <a:r>
+              <a:rPr lang="en-US" altLang="ko-KR" sz="1200" dirty="0" smtClean="0"/>
+              <a:t>.</a:t>
+            </a:r>
+            <a:endParaRPr lang="ko-KR" altLang="en-US" sz="1200" dirty="0"/>
+          </a:p>
+        </p:txBody>
+      </p:sp>
+      <p:sp>
+        <p:nvSpPr>
+          <p:cNvPr id="20" name="TextBox 19"/>
+          <p:cNvSpPr txBox="1"/>
+          <p:nvPr/>
+        </p:nvSpPr>
+        <p:spPr>
+          <a:xfrm>
+            <a:off x="5948482" y="4188926"/>
+            <a:ext cx="1681871" cy="276999"/>
+          </a:xfrm>
+          <a:prstGeom prst="rect">
+            <a:avLst/>
+          </a:prstGeom>
+          <a:noFill/>
+        </p:spPr>
+        <p:txBody>
+          <a:bodyPr wrap="none" rtlCol="0">
+            <a:spAutoFit/>
+          </a:bodyPr>
+          <a:lstStyle/>
+          <a:p>
+            <a:r>
+              <a:rPr lang="ko-KR" altLang="en-US" sz="1200" b="1" dirty="0" smtClean="0">
+                <a:solidFill>
+                  <a:srgbClr val="C00000"/>
+                </a:solidFill>
+              </a:rPr>
+              <a:t>사용자</a:t>
+            </a:r>
+            <a:r>
+              <a:rPr lang="en-US" altLang="ko-KR" sz="1200" b="1" dirty="0" smtClean="0">
+                <a:solidFill>
+                  <a:srgbClr val="C00000"/>
+                </a:solidFill>
+              </a:rPr>
+              <a:t>(?)</a:t>
+            </a:r>
+            <a:r>
+              <a:rPr lang="ko-KR" altLang="en-US" sz="1200" dirty="0" smtClean="0"/>
+              <a:t>로 검색한다</a:t>
+            </a:r>
+            <a:r>
+              <a:rPr lang="en-US" altLang="ko-KR" sz="1200" dirty="0" smtClean="0"/>
+              <a:t>.</a:t>
+            </a:r>
+            <a:endParaRPr lang="ko-KR" altLang="en-US" sz="1200" dirty="0"/>
+          </a:p>
+        </p:txBody>
+      </p:sp>
+      <p:sp>
+        <p:nvSpPr>
+          <p:cNvPr id="21" name="TextBox 20"/>
+          <p:cNvSpPr txBox="1"/>
+          <p:nvPr/>
+        </p:nvSpPr>
+        <p:spPr>
+          <a:xfrm>
+            <a:off x="5948482" y="4484659"/>
+            <a:ext cx="1712328" cy="276999"/>
+          </a:xfrm>
+          <a:prstGeom prst="rect">
+            <a:avLst/>
+          </a:prstGeom>
+          <a:noFill/>
+        </p:spPr>
+        <p:txBody>
+          <a:bodyPr wrap="none" rtlCol="0">
+            <a:spAutoFit/>
+          </a:bodyPr>
+          <a:lstStyle/>
+          <a:p>
+            <a:r>
+              <a:rPr lang="ko-KR" altLang="en-US" sz="1200" dirty="0" smtClean="0">
+                <a:solidFill>
+                  <a:srgbClr val="C00000"/>
+                </a:solidFill>
+              </a:rPr>
+              <a:t>검색 기준의 모호하다</a:t>
+            </a:r>
+            <a:r>
+              <a:rPr lang="en-US" altLang="ko-KR" sz="1200" dirty="0" smtClean="0">
+                <a:solidFill>
+                  <a:srgbClr val="C00000"/>
+                </a:solidFill>
+              </a:rPr>
+              <a:t>.</a:t>
+            </a:r>
+            <a:endParaRPr lang="ko-KR" altLang="en-US" sz="1200" dirty="0">
+              <a:solidFill>
+                <a:srgbClr val="C00000"/>
+              </a:solidFill>
+            </a:endParaRPr>
+          </a:p>
+        </p:txBody>
+      </p:sp>
+      <p:sp>
+        <p:nvSpPr>
+          <p:cNvPr id="22" name="TextBox 21"/>
+          <p:cNvSpPr txBox="1"/>
+          <p:nvPr/>
+        </p:nvSpPr>
+        <p:spPr>
+          <a:xfrm>
+            <a:off x="8081653" y="4465925"/>
+            <a:ext cx="2853666" cy="276999"/>
+          </a:xfrm>
+          <a:prstGeom prst="rect">
+            <a:avLst/>
+          </a:prstGeom>
+          <a:noFill/>
+        </p:spPr>
+        <p:txBody>
+          <a:bodyPr wrap="none" rtlCol="0">
+            <a:spAutoFit/>
+          </a:bodyPr>
+          <a:lstStyle/>
+          <a:p>
+            <a:r>
+              <a:rPr lang="ko-KR" altLang="en-US" sz="1200" smtClean="0">
+                <a:solidFill>
+                  <a:srgbClr val="0070C0"/>
+                </a:solidFill>
+              </a:rPr>
+              <a:t>도메인 </a:t>
+            </a:r>
+            <a:r>
+              <a:rPr lang="ko-KR" altLang="en-US" sz="1200" dirty="0" err="1" smtClean="0">
+                <a:solidFill>
+                  <a:srgbClr val="0070C0"/>
+                </a:solidFill>
+              </a:rPr>
+              <a:t>로직을</a:t>
+            </a:r>
+            <a:r>
+              <a:rPr lang="ko-KR" altLang="en-US" sz="1200" dirty="0" smtClean="0">
+                <a:solidFill>
+                  <a:srgbClr val="0070C0"/>
+                </a:solidFill>
+              </a:rPr>
+              <a:t> 더욱 잘 표현할 수 있다</a:t>
+            </a:r>
+            <a:r>
+              <a:rPr lang="en-US" altLang="ko-KR" sz="1200" dirty="0" smtClean="0">
+                <a:solidFill>
+                  <a:srgbClr val="0070C0"/>
+                </a:solidFill>
+              </a:rPr>
+              <a:t>.</a:t>
+            </a:r>
+            <a:endParaRPr lang="ko-KR" altLang="en-US" sz="1200" dirty="0">
+              <a:solidFill>
+                <a:srgbClr val="0070C0"/>
+              </a:solidFill>
+            </a:endParaRPr>
+          </a:p>
+        </p:txBody>
+      </p:sp>
+      <p:sp>
+        <p:nvSpPr>
+          <p:cNvPr id="23" name="TextBox 22"/>
+          <p:cNvSpPr txBox="1"/>
+          <p:nvPr/>
+        </p:nvSpPr>
+        <p:spPr>
+          <a:xfrm>
+            <a:off x="4899737" y="1699493"/>
+            <a:ext cx="2566728" cy="276999"/>
+          </a:xfrm>
+          <a:prstGeom prst="rect">
+            <a:avLst/>
+          </a:prstGeom>
+          <a:noFill/>
+        </p:spPr>
+        <p:txBody>
+          <a:bodyPr wrap="none" rtlCol="0">
+            <a:spAutoFit/>
+          </a:bodyPr>
+          <a:lstStyle/>
+          <a:p>
+            <a:r>
+              <a:rPr lang="en-US" altLang="ko-KR" sz="1200" b="1" dirty="0" smtClean="0"/>
+              <a:t>※ </a:t>
+            </a:r>
+            <a:r>
+              <a:rPr lang="ko-KR" altLang="en-US" sz="1200" b="1" dirty="0" smtClean="0">
+                <a:solidFill>
+                  <a:srgbClr val="C00000"/>
+                </a:solidFill>
+              </a:rPr>
+              <a:t>도메인 규칙</a:t>
+            </a:r>
+            <a:r>
+              <a:rPr lang="ko-KR" altLang="en-US" sz="1200" dirty="0" smtClean="0"/>
+              <a:t>은</a:t>
+            </a:r>
+            <a:r>
+              <a:rPr lang="ko-KR" altLang="en-US" sz="1200" b="1" dirty="0" smtClean="0"/>
+              <a:t> </a:t>
+            </a:r>
+            <a:r>
+              <a:rPr lang="ko-KR" altLang="en-US" sz="1200" b="1" dirty="0" smtClean="0">
+                <a:solidFill>
+                  <a:srgbClr val="C00000"/>
+                </a:solidFill>
+              </a:rPr>
+              <a:t>제공하지 않는다</a:t>
+            </a:r>
+            <a:r>
+              <a:rPr lang="en-US" altLang="ko-KR" sz="1200" b="1" dirty="0" smtClean="0"/>
+              <a:t>.</a:t>
+            </a:r>
+            <a:endParaRPr lang="ko-KR" altLang="en-US" sz="1200" b="1" dirty="0"/>
+          </a:p>
+        </p:txBody>
+      </p:sp>
+      <p:sp>
+        <p:nvSpPr>
+          <p:cNvPr id="24" name="TextBox 23"/>
+          <p:cNvSpPr txBox="1"/>
+          <p:nvPr/>
+        </p:nvSpPr>
+        <p:spPr>
+          <a:xfrm>
+            <a:off x="5116952" y="1935769"/>
+            <a:ext cx="2929007" cy="600164"/>
+          </a:xfrm>
+          <a:prstGeom prst="rect">
+            <a:avLst/>
+          </a:prstGeom>
+          <a:noFill/>
+        </p:spPr>
+        <p:txBody>
+          <a:bodyPr wrap="none" rtlCol="0">
+            <a:spAutoFit/>
+          </a:bodyPr>
+          <a:lstStyle/>
+          <a:p>
+            <a:pPr>
+              <a:lnSpc>
+                <a:spcPct val="150000"/>
+              </a:lnSpc>
+            </a:pPr>
+            <a:r>
+              <a:rPr lang="ko-KR" altLang="en-US" sz="1100" dirty="0" smtClean="0"/>
+              <a:t>예</a:t>
+            </a:r>
+            <a:r>
+              <a:rPr lang="en-US" altLang="ko-KR" sz="1100" dirty="0" smtClean="0"/>
+              <a:t>. </a:t>
+            </a:r>
+            <a:r>
+              <a:rPr lang="ko-KR" altLang="en-US" sz="1100" dirty="0" smtClean="0"/>
+              <a:t>사용자명 중복을 확인한다</a:t>
+            </a:r>
+            <a:r>
+              <a:rPr lang="en-US" altLang="ko-KR" sz="1100" dirty="0" smtClean="0"/>
+              <a:t>(</a:t>
+            </a:r>
+            <a:r>
+              <a:rPr lang="ko-KR" altLang="en-US" sz="1100" dirty="0" smtClean="0"/>
+              <a:t>도메인 규칙</a:t>
+            </a:r>
+            <a:r>
+              <a:rPr lang="en-US" altLang="ko-KR" sz="1100" dirty="0" smtClean="0"/>
+              <a:t>).</a:t>
+            </a:r>
+          </a:p>
+          <a:p>
+            <a:pPr>
+              <a:lnSpc>
+                <a:spcPct val="150000"/>
+              </a:lnSpc>
+            </a:pPr>
+            <a:r>
+              <a:rPr lang="en-US" altLang="ko-KR" sz="1100" dirty="0"/>
+              <a:t> </a:t>
+            </a:r>
+            <a:r>
+              <a:rPr lang="en-US" altLang="ko-KR" sz="1100" dirty="0" smtClean="0"/>
+              <a:t>    </a:t>
+            </a:r>
+            <a:r>
+              <a:rPr lang="en-US" altLang="ko-KR" sz="1100" dirty="0" err="1" smtClean="0"/>
+              <a:t>bool</a:t>
+            </a:r>
+            <a:r>
+              <a:rPr lang="en-US" altLang="ko-KR" sz="1100" dirty="0" smtClean="0"/>
+              <a:t> Exist(</a:t>
+            </a:r>
+            <a:r>
+              <a:rPr lang="en-US" altLang="ko-KR" sz="1100" dirty="0" err="1" smtClean="0"/>
+              <a:t>UserName</a:t>
+            </a:r>
+            <a:r>
+              <a:rPr lang="en-US" altLang="ko-KR" sz="1100" dirty="0" smtClean="0"/>
+              <a:t> name); </a:t>
+            </a:r>
+            <a:endParaRPr lang="ko-KR" altLang="en-US" sz="1100" dirty="0"/>
+          </a:p>
+        </p:txBody>
+      </p:sp>
+      <p:sp>
+        <p:nvSpPr>
+          <p:cNvPr id="25" name="TextBox 24"/>
+          <p:cNvSpPr txBox="1"/>
+          <p:nvPr/>
+        </p:nvSpPr>
+        <p:spPr>
+          <a:xfrm>
+            <a:off x="3138976" y="5076794"/>
+            <a:ext cx="3448380" cy="276999"/>
+          </a:xfrm>
+          <a:prstGeom prst="rect">
+            <a:avLst/>
+          </a:prstGeom>
+          <a:noFill/>
+        </p:spPr>
+        <p:txBody>
+          <a:bodyPr wrap="none" rtlCol="0">
+            <a:spAutoFit/>
+          </a:bodyPr>
+          <a:lstStyle/>
+          <a:p>
+            <a:r>
+              <a:rPr lang="ko-KR" altLang="en-US" sz="1200" b="1" dirty="0" smtClean="0">
+                <a:solidFill>
+                  <a:srgbClr val="0070C0"/>
+                </a:solidFill>
+              </a:rPr>
+              <a:t>저장</a:t>
+            </a:r>
+            <a:r>
+              <a:rPr lang="ko-KR" altLang="en-US" sz="1200" dirty="0" smtClean="0"/>
+              <a:t>만 처리한다</a:t>
+            </a:r>
+            <a:r>
+              <a:rPr lang="en-US" altLang="ko-KR" sz="1200" dirty="0" smtClean="0"/>
+              <a:t>. </a:t>
+            </a:r>
+            <a:r>
+              <a:rPr lang="ko-KR" altLang="en-US" sz="1200" b="1" dirty="0" smtClean="0">
+                <a:solidFill>
+                  <a:srgbClr val="0070C0"/>
+                </a:solidFill>
+              </a:rPr>
+              <a:t>변경</a:t>
+            </a:r>
+            <a:r>
+              <a:rPr lang="ko-KR" altLang="en-US" sz="1200" dirty="0" smtClean="0"/>
+              <a:t>은 </a:t>
+            </a:r>
+            <a:r>
+              <a:rPr lang="ko-KR" altLang="en-US" sz="1200" b="1" dirty="0" smtClean="0">
+                <a:solidFill>
+                  <a:srgbClr val="0070C0"/>
+                </a:solidFill>
+              </a:rPr>
+              <a:t>도메인 객체</a:t>
+            </a:r>
+            <a:r>
+              <a:rPr lang="ko-KR" altLang="en-US" sz="1200" dirty="0" smtClean="0"/>
+              <a:t>가 맡는다</a:t>
+            </a:r>
+            <a:r>
+              <a:rPr lang="en-US" altLang="ko-KR" sz="1200" dirty="0" smtClean="0"/>
+              <a:t>.</a:t>
+            </a:r>
+            <a:endParaRPr lang="ko-KR" altLang="en-US" sz="1200" dirty="0"/>
+          </a:p>
+        </p:txBody>
+      </p:sp>
+      <p:sp>
+        <p:nvSpPr>
+          <p:cNvPr id="26" name="TextBox 25"/>
+          <p:cNvSpPr txBox="1"/>
+          <p:nvPr/>
+        </p:nvSpPr>
+        <p:spPr>
+          <a:xfrm>
+            <a:off x="7090712" y="5084488"/>
+            <a:ext cx="3398687" cy="261610"/>
+          </a:xfrm>
+          <a:prstGeom prst="rect">
+            <a:avLst/>
+          </a:prstGeom>
+          <a:noFill/>
+        </p:spPr>
+        <p:txBody>
+          <a:bodyPr wrap="none" rtlCol="0">
+            <a:spAutoFit/>
+          </a:bodyPr>
+          <a:lstStyle/>
+          <a:p>
+            <a:r>
+              <a:rPr lang="en-US" altLang="ko-KR" sz="1100" strike="sngStrike" dirty="0" smtClean="0"/>
+              <a:t>  void </a:t>
+            </a:r>
+            <a:r>
+              <a:rPr lang="en-US" altLang="ko-KR" sz="1100" strike="sngStrike" dirty="0" err="1" smtClean="0"/>
+              <a:t>UpdateName</a:t>
+            </a:r>
+            <a:r>
+              <a:rPr lang="en-US" altLang="ko-KR" sz="1100" strike="sngStrike" dirty="0" smtClean="0"/>
+              <a:t>(</a:t>
+            </a:r>
+            <a:r>
+              <a:rPr lang="en-US" altLang="ko-KR" sz="1100" strike="sngStrike" dirty="0" err="1" smtClean="0"/>
+              <a:t>UserId</a:t>
+            </a:r>
+            <a:r>
+              <a:rPr lang="en-US" altLang="ko-KR" sz="1100" strike="sngStrike" dirty="0" smtClean="0"/>
+              <a:t> id, </a:t>
+            </a:r>
+            <a:r>
+              <a:rPr lang="en-US" altLang="ko-KR" sz="1100" strike="sngStrike" dirty="0" err="1" smtClean="0"/>
+              <a:t>UserName</a:t>
+            </a:r>
+            <a:r>
+              <a:rPr lang="en-US" altLang="ko-KR" sz="1100" strike="sngStrike" dirty="0" smtClean="0"/>
+              <a:t> name);  </a:t>
+            </a:r>
+            <a:endParaRPr lang="ko-KR" altLang="en-US" sz="1100" strike="sngStrike" dirty="0"/>
+          </a:p>
+        </p:txBody>
+      </p:sp>
+      <p:sp>
+        <p:nvSpPr>
+          <p:cNvPr id="34" name="TextBox 33"/>
+          <p:cNvSpPr txBox="1"/>
+          <p:nvPr/>
+        </p:nvSpPr>
+        <p:spPr>
+          <a:xfrm>
+            <a:off x="899115" y="3813417"/>
+            <a:ext cx="1008609" cy="276999"/>
+          </a:xfrm>
+          <a:prstGeom prst="rect">
+            <a:avLst/>
+          </a:prstGeom>
+          <a:noFill/>
+        </p:spPr>
+        <p:txBody>
+          <a:bodyPr wrap="none" rtlCol="0">
+            <a:spAutoFit/>
+          </a:bodyPr>
+          <a:lstStyle/>
+          <a:p>
+            <a:r>
+              <a:rPr lang="ko-KR" altLang="en-US" sz="1200" b="1" dirty="0" smtClean="0"/>
+              <a:t>데이터 복원</a:t>
+            </a:r>
+            <a:endParaRPr lang="ko-KR" altLang="en-US" sz="1200" b="1" dirty="0"/>
+          </a:p>
+        </p:txBody>
+      </p:sp>
+      <p:sp>
+        <p:nvSpPr>
+          <p:cNvPr id="35" name="TextBox 34"/>
+          <p:cNvSpPr txBox="1"/>
+          <p:nvPr/>
+        </p:nvSpPr>
+        <p:spPr>
+          <a:xfrm>
+            <a:off x="899115" y="5325377"/>
+            <a:ext cx="1008609" cy="276999"/>
+          </a:xfrm>
+          <a:prstGeom prst="rect">
+            <a:avLst/>
+          </a:prstGeom>
+          <a:noFill/>
+        </p:spPr>
+        <p:txBody>
+          <a:bodyPr wrap="none" rtlCol="0">
+            <a:spAutoFit/>
+          </a:bodyPr>
+          <a:lstStyle/>
+          <a:p>
+            <a:r>
+              <a:rPr lang="ko-KR" altLang="en-US" sz="1200" b="1" dirty="0" smtClean="0"/>
+              <a:t>데이터 저장</a:t>
+            </a:r>
+            <a:endParaRPr lang="ko-KR" altLang="en-US" sz="1200" b="1" dirty="0"/>
+          </a:p>
+        </p:txBody>
+      </p:sp>
+      <p:sp>
+        <p:nvSpPr>
+          <p:cNvPr id="36" name="왼쪽 중괄호 35"/>
+          <p:cNvSpPr/>
+          <p:nvPr/>
+        </p:nvSpPr>
+        <p:spPr>
+          <a:xfrm>
+            <a:off x="1949009" y="4962327"/>
+            <a:ext cx="136177" cy="1003098"/>
+          </a:xfrm>
+          <a:prstGeom prst="leftBrace">
+            <a:avLst>
+              <a:gd name="adj1" fmla="val 45638"/>
+              <a:gd name="adj2" fmla="val 50000"/>
+            </a:avLst>
+          </a:prstGeom>
+        </p:spPr>
+        <p:style>
+          <a:lnRef idx="1">
+            <a:schemeClr val="accent1"/>
+          </a:lnRef>
+          <a:fillRef idx="0">
+            <a:schemeClr val="accent1"/>
+          </a:fillRef>
+          <a:effectRef idx="0">
+            <a:schemeClr val="accent1"/>
+          </a:effectRef>
+          <a:fontRef idx="minor">
+            <a:schemeClr val="tx1"/>
+          </a:fontRef>
+        </p:style>
+        <p:txBody>
+          <a:bodyPr rtlCol="0" anchor="ctr"/>
+          <a:lstStyle/>
+          <a:p>
+            <a:pPr algn="ctr"/>
+            <a:endParaRPr lang="ko-KR" altLang="en-US"/>
+          </a:p>
+        </p:txBody>
+      </p:sp>
+      <p:sp>
+        <p:nvSpPr>
+          <p:cNvPr id="37" name="왼쪽 중괄호 36"/>
+          <p:cNvSpPr/>
+          <p:nvPr/>
+        </p:nvSpPr>
+        <p:spPr>
+          <a:xfrm>
+            <a:off x="1949009" y="3681916"/>
+            <a:ext cx="136177" cy="540000"/>
+          </a:xfrm>
+          <a:prstGeom prst="leftBrace">
+            <a:avLst>
+              <a:gd name="adj1" fmla="val 45638"/>
+              <a:gd name="adj2" fmla="val 50000"/>
+            </a:avLst>
+          </a:prstGeom>
+        </p:spPr>
+        <p:style>
+          <a:lnRef idx="1">
+            <a:schemeClr val="accent1"/>
+          </a:lnRef>
+          <a:fillRef idx="0">
+            <a:schemeClr val="accent1"/>
+          </a:fillRef>
+          <a:effectRef idx="0">
+            <a:schemeClr val="accent1"/>
+          </a:effectRef>
+          <a:fontRef idx="minor">
+            <a:schemeClr val="tx1"/>
+          </a:fontRef>
+        </p:style>
+        <p:txBody>
+          <a:bodyPr rtlCol="0" anchor="ctr"/>
+          <a:lstStyle/>
+          <a:p>
+            <a:pPr algn="ctr"/>
+            <a:endParaRPr lang="ko-KR" altLang="en-US"/>
+          </a:p>
+        </p:txBody>
+      </p:sp>
     </p:spTree>
     <p:extLst>
       <p:ext uri="{BB962C8B-B14F-4D97-AF65-F5344CB8AC3E}">
@@ -9491,6 +11117,13 @@
   <p:clrMapOvr>
     <a:masterClrMapping/>
   </p:clrMapOvr>
+  <p:timing>
+    <p:tnLst>
+      <p:par>
+        <p:cTn id="1" dur="indefinite" restart="never" nodeType="tmRoot"/>
+      </p:par>
+    </p:tnLst>
+  </p:timing>
 </p:sld>
 </file>
 
